--- a/Presentation Sport Product Insurance.pptx
+++ b/Presentation Sport Product Insurance.pptx
@@ -2,10 +2,27 @@
 <file path=ppt/presentation.xml><?xml version="1.0" encoding="utf-8"?>
 <p:presentation xmlns:a="http://schemas.openxmlformats.org/drawingml/2006/main" xmlns:r="http://schemas.openxmlformats.org/officeDocument/2006/relationships" xmlns:p="http://schemas.openxmlformats.org/presentationml/2006/main" saveSubsetFonts="1">
   <p:sldMasterIdLst>
-    <p:sldMasterId id="2147483648" r:id="rId1"/>
+    <p:sldMasterId id="2147483660" r:id="rId1"/>
   </p:sldMasterIdLst>
+  <p:notesMasterIdLst>
+    <p:notesMasterId r:id="rId17"/>
+  </p:notesMasterIdLst>
   <p:sldIdLst>
     <p:sldId id="256" r:id="rId2"/>
+    <p:sldId id="257" r:id="rId3"/>
+    <p:sldId id="260" r:id="rId4"/>
+    <p:sldId id="262" r:id="rId5"/>
+    <p:sldId id="263" r:id="rId6"/>
+    <p:sldId id="264" r:id="rId7"/>
+    <p:sldId id="258" r:id="rId8"/>
+    <p:sldId id="261" r:id="rId9"/>
+    <p:sldId id="265" r:id="rId10"/>
+    <p:sldId id="267" r:id="rId11"/>
+    <p:sldId id="268" r:id="rId12"/>
+    <p:sldId id="269" r:id="rId13"/>
+    <p:sldId id="270" r:id="rId14"/>
+    <p:sldId id="266" r:id="rId15"/>
+    <p:sldId id="271" r:id="rId16"/>
   </p:sldIdLst>
   <p:sldSz cx="12192000" cy="6858000"/>
   <p:notesSz cx="6858000" cy="9144000"/>
@@ -104,7 +121,917 @@
       </a:defRPr>
     </a:lvl9pPr>
   </p:defaultTextStyle>
+  <p:extLst>
+    <p:ext uri="{EFAFB233-063F-42B5-8137-9DF3F51BA10A}">
+      <p15:sldGuideLst xmlns:p15="http://schemas.microsoft.com/office/powerpoint/2012/main"/>
+    </p:ext>
+  </p:extLst>
 </p:presentation>
+</file>
+
+<file path=ppt/notesMasters/notesMaster1.xml><?xml version="1.0" encoding="utf-8"?>
+<p:notesMaster xmlns:a="http://schemas.openxmlformats.org/drawingml/2006/main" xmlns:r="http://schemas.openxmlformats.org/officeDocument/2006/relationships" xmlns:p="http://schemas.openxmlformats.org/presentationml/2006/main">
+  <p:cSld>
+    <p:bg>
+      <p:bgRef idx="1001">
+        <a:schemeClr val="bg1"/>
+      </p:bgRef>
+    </p:bg>
+    <p:spTree>
+      <p:nvGrpSpPr>
+        <p:cNvPr id="1" name=""/>
+        <p:cNvGrpSpPr/>
+        <p:nvPr/>
+      </p:nvGrpSpPr>
+      <p:grpSpPr>
+        <a:xfrm>
+          <a:off x="0" y="0"/>
+          <a:ext cx="0" cy="0"/>
+          <a:chOff x="0" y="0"/>
+          <a:chExt cx="0" cy="0"/>
+        </a:xfrm>
+      </p:grpSpPr>
+      <p:sp>
+        <p:nvSpPr>
+          <p:cNvPr id="2" name="Marcador de encabezado 1"/>
+          <p:cNvSpPr>
+            <a:spLocks noGrp="1"/>
+          </p:cNvSpPr>
+          <p:nvPr>
+            <p:ph type="hdr" sz="quarter"/>
+          </p:nvPr>
+        </p:nvSpPr>
+        <p:spPr>
+          <a:xfrm>
+            <a:off x="0" y="0"/>
+            <a:ext cx="2971800" cy="458788"/>
+          </a:xfrm>
+          <a:prstGeom prst="rect">
+            <a:avLst/>
+          </a:prstGeom>
+        </p:spPr>
+        <p:txBody>
+          <a:bodyPr vert="horz" lIns="91440" tIns="45720" rIns="91440" bIns="45720" rtlCol="0"/>
+          <a:lstStyle>
+            <a:lvl1pPr algn="l">
+              <a:defRPr sz="1200"/>
+            </a:lvl1pPr>
+          </a:lstStyle>
+          <a:p>
+            <a:endParaRPr lang="en-US"/>
+          </a:p>
+        </p:txBody>
+      </p:sp>
+      <p:sp>
+        <p:nvSpPr>
+          <p:cNvPr id="3" name="Marcador de fecha 2"/>
+          <p:cNvSpPr>
+            <a:spLocks noGrp="1"/>
+          </p:cNvSpPr>
+          <p:nvPr>
+            <p:ph type="dt" idx="1"/>
+          </p:nvPr>
+        </p:nvSpPr>
+        <p:spPr>
+          <a:xfrm>
+            <a:off x="3884613" y="0"/>
+            <a:ext cx="2971800" cy="458788"/>
+          </a:xfrm>
+          <a:prstGeom prst="rect">
+            <a:avLst/>
+          </a:prstGeom>
+        </p:spPr>
+        <p:txBody>
+          <a:bodyPr vert="horz" lIns="91440" tIns="45720" rIns="91440" bIns="45720" rtlCol="0"/>
+          <a:lstStyle>
+            <a:lvl1pPr algn="r">
+              <a:defRPr sz="1200"/>
+            </a:lvl1pPr>
+          </a:lstStyle>
+          <a:p>
+            <a:fld id="{E8E1AE36-57CB-4E96-883D-10E1B03FB69E}" type="datetimeFigureOut">
+              <a:rPr lang="en-US" smtClean="0"/>
+              <a:t>8/20/2024</a:t>
+            </a:fld>
+            <a:endParaRPr lang="en-US"/>
+          </a:p>
+        </p:txBody>
+      </p:sp>
+      <p:sp>
+        <p:nvSpPr>
+          <p:cNvPr id="4" name="Marcador de imagen de diapositiva 3"/>
+          <p:cNvSpPr>
+            <a:spLocks noGrp="1" noRot="1" noChangeAspect="1"/>
+          </p:cNvSpPr>
+          <p:nvPr>
+            <p:ph type="sldImg" idx="2"/>
+          </p:nvPr>
+        </p:nvSpPr>
+        <p:spPr>
+          <a:xfrm>
+            <a:off x="685800" y="1143000"/>
+            <a:ext cx="5486400" cy="3086100"/>
+          </a:xfrm>
+          <a:prstGeom prst="rect">
+            <a:avLst/>
+          </a:prstGeom>
+          <a:noFill/>
+          <a:ln w="12700">
+            <a:solidFill>
+              <a:prstClr val="black"/>
+            </a:solidFill>
+          </a:ln>
+        </p:spPr>
+        <p:txBody>
+          <a:bodyPr vert="horz" lIns="91440" tIns="45720" rIns="91440" bIns="45720" rtlCol="0" anchor="ctr"/>
+          <a:lstStyle/>
+          <a:p>
+            <a:endParaRPr lang="en-US"/>
+          </a:p>
+        </p:txBody>
+      </p:sp>
+      <p:sp>
+        <p:nvSpPr>
+          <p:cNvPr id="5" name="Marcador de notas 4"/>
+          <p:cNvSpPr>
+            <a:spLocks noGrp="1"/>
+          </p:cNvSpPr>
+          <p:nvPr>
+            <p:ph type="body" sz="quarter" idx="3"/>
+          </p:nvPr>
+        </p:nvSpPr>
+        <p:spPr>
+          <a:xfrm>
+            <a:off x="685800" y="4400550"/>
+            <a:ext cx="5486400" cy="3600450"/>
+          </a:xfrm>
+          <a:prstGeom prst="rect">
+            <a:avLst/>
+          </a:prstGeom>
+        </p:spPr>
+        <p:txBody>
+          <a:bodyPr vert="horz" lIns="91440" tIns="45720" rIns="91440" bIns="45720" rtlCol="0"/>
+          <a:lstStyle/>
+          <a:p>
+            <a:pPr lvl="0"/>
+            <a:r>
+              <a:rPr lang="es-ES"/>
+              <a:t>Haga clic para modificar los estilos de texto del patrón</a:t>
+            </a:r>
+          </a:p>
+          <a:p>
+            <a:pPr lvl="1"/>
+            <a:r>
+              <a:rPr lang="es-ES"/>
+              <a:t>Segundo nivel</a:t>
+            </a:r>
+          </a:p>
+          <a:p>
+            <a:pPr lvl="2"/>
+            <a:r>
+              <a:rPr lang="es-ES"/>
+              <a:t>Tercer nivel</a:t>
+            </a:r>
+          </a:p>
+          <a:p>
+            <a:pPr lvl="3"/>
+            <a:r>
+              <a:rPr lang="es-ES"/>
+              <a:t>Cuarto nivel</a:t>
+            </a:r>
+          </a:p>
+          <a:p>
+            <a:pPr lvl="4"/>
+            <a:r>
+              <a:rPr lang="es-ES"/>
+              <a:t>Quinto nivel</a:t>
+            </a:r>
+            <a:endParaRPr lang="en-US"/>
+          </a:p>
+        </p:txBody>
+      </p:sp>
+      <p:sp>
+        <p:nvSpPr>
+          <p:cNvPr id="6" name="Marcador de pie de página 5"/>
+          <p:cNvSpPr>
+            <a:spLocks noGrp="1"/>
+          </p:cNvSpPr>
+          <p:nvPr>
+            <p:ph type="ftr" sz="quarter" idx="4"/>
+          </p:nvPr>
+        </p:nvSpPr>
+        <p:spPr>
+          <a:xfrm>
+            <a:off x="0" y="8685213"/>
+            <a:ext cx="2971800" cy="458787"/>
+          </a:xfrm>
+          <a:prstGeom prst="rect">
+            <a:avLst/>
+          </a:prstGeom>
+        </p:spPr>
+        <p:txBody>
+          <a:bodyPr vert="horz" lIns="91440" tIns="45720" rIns="91440" bIns="45720" rtlCol="0" anchor="b"/>
+          <a:lstStyle>
+            <a:lvl1pPr algn="l">
+              <a:defRPr sz="1200"/>
+            </a:lvl1pPr>
+          </a:lstStyle>
+          <a:p>
+            <a:endParaRPr lang="en-US"/>
+          </a:p>
+        </p:txBody>
+      </p:sp>
+      <p:sp>
+        <p:nvSpPr>
+          <p:cNvPr id="7" name="Marcador de número de diapositiva 6"/>
+          <p:cNvSpPr>
+            <a:spLocks noGrp="1"/>
+          </p:cNvSpPr>
+          <p:nvPr>
+            <p:ph type="sldNum" sz="quarter" idx="5"/>
+          </p:nvPr>
+        </p:nvSpPr>
+        <p:spPr>
+          <a:xfrm>
+            <a:off x="3884613" y="8685213"/>
+            <a:ext cx="2971800" cy="458787"/>
+          </a:xfrm>
+          <a:prstGeom prst="rect">
+            <a:avLst/>
+          </a:prstGeom>
+        </p:spPr>
+        <p:txBody>
+          <a:bodyPr vert="horz" lIns="91440" tIns="45720" rIns="91440" bIns="45720" rtlCol="0" anchor="b"/>
+          <a:lstStyle>
+            <a:lvl1pPr algn="r">
+              <a:defRPr sz="1200"/>
+            </a:lvl1pPr>
+          </a:lstStyle>
+          <a:p>
+            <a:fld id="{E3B5C63D-6A1B-43CF-9299-618407E90AC1}" type="slidenum">
+              <a:rPr lang="en-US" smtClean="0"/>
+              <a:t>‹Nº›</a:t>
+            </a:fld>
+            <a:endParaRPr lang="en-US"/>
+          </a:p>
+        </p:txBody>
+      </p:sp>
+    </p:spTree>
+    <p:extLst>
+      <p:ext uri="{BB962C8B-B14F-4D97-AF65-F5344CB8AC3E}">
+        <p14:creationId xmlns:p14="http://schemas.microsoft.com/office/powerpoint/2010/main" val="1879402155"/>
+      </p:ext>
+    </p:extLst>
+  </p:cSld>
+  <p:clrMap bg1="lt1" tx1="dk1" bg2="lt2" tx2="dk2" accent1="accent1" accent2="accent2" accent3="accent3" accent4="accent4" accent5="accent5" accent6="accent6" hlink="hlink" folHlink="folHlink"/>
+  <p:notesStyle>
+    <a:lvl1pPr marL="0" algn="l" defTabSz="914400" rtl="0" eaLnBrk="1" latinLnBrk="0" hangingPunct="1">
+      <a:defRPr sz="1200" kern="1200">
+        <a:solidFill>
+          <a:schemeClr val="tx1"/>
+        </a:solidFill>
+        <a:latin typeface="+mn-lt"/>
+        <a:ea typeface="+mn-ea"/>
+        <a:cs typeface="+mn-cs"/>
+      </a:defRPr>
+    </a:lvl1pPr>
+    <a:lvl2pPr marL="457200" algn="l" defTabSz="914400" rtl="0" eaLnBrk="1" latinLnBrk="0" hangingPunct="1">
+      <a:defRPr sz="1200" kern="1200">
+        <a:solidFill>
+          <a:schemeClr val="tx1"/>
+        </a:solidFill>
+        <a:latin typeface="+mn-lt"/>
+        <a:ea typeface="+mn-ea"/>
+        <a:cs typeface="+mn-cs"/>
+      </a:defRPr>
+    </a:lvl2pPr>
+    <a:lvl3pPr marL="914400" algn="l" defTabSz="914400" rtl="0" eaLnBrk="1" latinLnBrk="0" hangingPunct="1">
+      <a:defRPr sz="1200" kern="1200">
+        <a:solidFill>
+          <a:schemeClr val="tx1"/>
+        </a:solidFill>
+        <a:latin typeface="+mn-lt"/>
+        <a:ea typeface="+mn-ea"/>
+        <a:cs typeface="+mn-cs"/>
+      </a:defRPr>
+    </a:lvl3pPr>
+    <a:lvl4pPr marL="1371600" algn="l" defTabSz="914400" rtl="0" eaLnBrk="1" latinLnBrk="0" hangingPunct="1">
+      <a:defRPr sz="1200" kern="1200">
+        <a:solidFill>
+          <a:schemeClr val="tx1"/>
+        </a:solidFill>
+        <a:latin typeface="+mn-lt"/>
+        <a:ea typeface="+mn-ea"/>
+        <a:cs typeface="+mn-cs"/>
+      </a:defRPr>
+    </a:lvl4pPr>
+    <a:lvl5pPr marL="1828800" algn="l" defTabSz="914400" rtl="0" eaLnBrk="1" latinLnBrk="0" hangingPunct="1">
+      <a:defRPr sz="1200" kern="1200">
+        <a:solidFill>
+          <a:schemeClr val="tx1"/>
+        </a:solidFill>
+        <a:latin typeface="+mn-lt"/>
+        <a:ea typeface="+mn-ea"/>
+        <a:cs typeface="+mn-cs"/>
+      </a:defRPr>
+    </a:lvl5pPr>
+    <a:lvl6pPr marL="2286000" algn="l" defTabSz="914400" rtl="0" eaLnBrk="1" latinLnBrk="0" hangingPunct="1">
+      <a:defRPr sz="1200" kern="1200">
+        <a:solidFill>
+          <a:schemeClr val="tx1"/>
+        </a:solidFill>
+        <a:latin typeface="+mn-lt"/>
+        <a:ea typeface="+mn-ea"/>
+        <a:cs typeface="+mn-cs"/>
+      </a:defRPr>
+    </a:lvl6pPr>
+    <a:lvl7pPr marL="2743200" algn="l" defTabSz="914400" rtl="0" eaLnBrk="1" latinLnBrk="0" hangingPunct="1">
+      <a:defRPr sz="1200" kern="1200">
+        <a:solidFill>
+          <a:schemeClr val="tx1"/>
+        </a:solidFill>
+        <a:latin typeface="+mn-lt"/>
+        <a:ea typeface="+mn-ea"/>
+        <a:cs typeface="+mn-cs"/>
+      </a:defRPr>
+    </a:lvl7pPr>
+    <a:lvl8pPr marL="3200400" algn="l" defTabSz="914400" rtl="0" eaLnBrk="1" latinLnBrk="0" hangingPunct="1">
+      <a:defRPr sz="1200" kern="1200">
+        <a:solidFill>
+          <a:schemeClr val="tx1"/>
+        </a:solidFill>
+        <a:latin typeface="+mn-lt"/>
+        <a:ea typeface="+mn-ea"/>
+        <a:cs typeface="+mn-cs"/>
+      </a:defRPr>
+    </a:lvl8pPr>
+    <a:lvl9pPr marL="3657600" algn="l" defTabSz="914400" rtl="0" eaLnBrk="1" latinLnBrk="0" hangingPunct="1">
+      <a:defRPr sz="1200" kern="1200">
+        <a:solidFill>
+          <a:schemeClr val="tx1"/>
+        </a:solidFill>
+        <a:latin typeface="+mn-lt"/>
+        <a:ea typeface="+mn-ea"/>
+        <a:cs typeface="+mn-cs"/>
+      </a:defRPr>
+    </a:lvl9pPr>
+  </p:notesStyle>
+</p:notesMaster>
+</file>
+
+<file path=ppt/notesSlides/notesSlide1.xml><?xml version="1.0" encoding="utf-8"?>
+<p:notes xmlns:a="http://schemas.openxmlformats.org/drawingml/2006/main" xmlns:r="http://schemas.openxmlformats.org/officeDocument/2006/relationships" xmlns:p="http://schemas.openxmlformats.org/presentationml/2006/main">
+  <p:cSld>
+    <p:spTree>
+      <p:nvGrpSpPr>
+        <p:cNvPr id="1" name=""/>
+        <p:cNvGrpSpPr/>
+        <p:nvPr/>
+      </p:nvGrpSpPr>
+      <p:grpSpPr>
+        <a:xfrm>
+          <a:off x="0" y="0"/>
+          <a:ext cx="0" cy="0"/>
+          <a:chOff x="0" y="0"/>
+          <a:chExt cx="0" cy="0"/>
+        </a:xfrm>
+      </p:grpSpPr>
+      <p:sp>
+        <p:nvSpPr>
+          <p:cNvPr id="2" name="Marcador de imagen de diapositiva 1"/>
+          <p:cNvSpPr>
+            <a:spLocks noGrp="1" noRot="1" noChangeAspect="1"/>
+          </p:cNvSpPr>
+          <p:nvPr>
+            <p:ph type="sldImg"/>
+          </p:nvPr>
+        </p:nvSpPr>
+        <p:spPr/>
+      </p:sp>
+      <p:sp>
+        <p:nvSpPr>
+          <p:cNvPr id="3" name="Marcador de notas 2"/>
+          <p:cNvSpPr>
+            <a:spLocks noGrp="1"/>
+          </p:cNvSpPr>
+          <p:nvPr>
+            <p:ph type="body" idx="1"/>
+          </p:nvPr>
+        </p:nvSpPr>
+        <p:spPr/>
+        <p:txBody>
+          <a:bodyPr/>
+          <a:lstStyle/>
+          <a:p>
+            <a:r>
+              <a:rPr lang="en-US" b="1" dirty="0"/>
+              <a:t>Slide 2: Presentation Objective</a:t>
+            </a:r>
+            <a:endParaRPr lang="en-US" dirty="0"/>
+          </a:p>
+          <a:p>
+            <a:pPr>
+              <a:buFont typeface="Arial" panose="020B0604020202020204" pitchFamily="34" charset="0"/>
+              <a:buChar char="•"/>
+            </a:pPr>
+            <a:r>
+              <a:rPr lang="en-US" dirty="0"/>
+              <a:t>Brief summary of the purpose of the presentation: to explain the technical solution developed and how this proposal can positively impact the business.</a:t>
+            </a:r>
+          </a:p>
+          <a:p>
+            <a:pPr>
+              <a:buFont typeface="Arial" panose="020B0604020202020204" pitchFamily="34" charset="0"/>
+              <a:buChar char="•"/>
+            </a:pPr>
+            <a:r>
+              <a:rPr lang="en-US" dirty="0"/>
+              <a:t>Highlight that the focus will be on creating a new, specialized insurance product for triathlons.</a:t>
+            </a:r>
+          </a:p>
+          <a:p>
+            <a:endParaRPr lang="en-US" dirty="0"/>
+          </a:p>
+        </p:txBody>
+      </p:sp>
+      <p:sp>
+        <p:nvSpPr>
+          <p:cNvPr id="4" name="Marcador de número de diapositiva 3"/>
+          <p:cNvSpPr>
+            <a:spLocks noGrp="1"/>
+          </p:cNvSpPr>
+          <p:nvPr>
+            <p:ph type="sldNum" sz="quarter" idx="5"/>
+          </p:nvPr>
+        </p:nvSpPr>
+        <p:spPr/>
+        <p:txBody>
+          <a:bodyPr/>
+          <a:lstStyle/>
+          <a:p>
+            <a:fld id="{E3B5C63D-6A1B-43CF-9299-618407E90AC1}" type="slidenum">
+              <a:rPr lang="en-US" smtClean="0"/>
+              <a:t>2</a:t>
+            </a:fld>
+            <a:endParaRPr lang="en-US"/>
+          </a:p>
+        </p:txBody>
+      </p:sp>
+    </p:spTree>
+    <p:extLst>
+      <p:ext uri="{BB962C8B-B14F-4D97-AF65-F5344CB8AC3E}">
+        <p14:creationId xmlns:p14="http://schemas.microsoft.com/office/powerpoint/2010/main" val="1238022560"/>
+      </p:ext>
+    </p:extLst>
+  </p:cSld>
+  <p:clrMapOvr>
+    <a:masterClrMapping/>
+  </p:clrMapOvr>
+</p:notes>
+</file>
+
+<file path=ppt/notesSlides/notesSlide2.xml><?xml version="1.0" encoding="utf-8"?>
+<p:notes xmlns:a="http://schemas.openxmlformats.org/drawingml/2006/main" xmlns:r="http://schemas.openxmlformats.org/officeDocument/2006/relationships" xmlns:p="http://schemas.openxmlformats.org/presentationml/2006/main">
+  <p:cSld>
+    <p:spTree>
+      <p:nvGrpSpPr>
+        <p:cNvPr id="1" name=""/>
+        <p:cNvGrpSpPr/>
+        <p:nvPr/>
+      </p:nvGrpSpPr>
+      <p:grpSpPr>
+        <a:xfrm>
+          <a:off x="0" y="0"/>
+          <a:ext cx="0" cy="0"/>
+          <a:chOff x="0" y="0"/>
+          <a:chExt cx="0" cy="0"/>
+        </a:xfrm>
+      </p:grpSpPr>
+      <p:sp>
+        <p:nvSpPr>
+          <p:cNvPr id="2" name="Marcador de imagen de diapositiva 1"/>
+          <p:cNvSpPr>
+            <a:spLocks noGrp="1" noRot="1" noChangeAspect="1"/>
+          </p:cNvSpPr>
+          <p:nvPr>
+            <p:ph type="sldImg"/>
+          </p:nvPr>
+        </p:nvSpPr>
+        <p:spPr/>
+      </p:sp>
+      <p:sp>
+        <p:nvSpPr>
+          <p:cNvPr id="3" name="Marcador de notas 2"/>
+          <p:cNvSpPr>
+            <a:spLocks noGrp="1"/>
+          </p:cNvSpPr>
+          <p:nvPr>
+            <p:ph type="body" idx="1"/>
+          </p:nvPr>
+        </p:nvSpPr>
+        <p:spPr/>
+        <p:txBody>
+          <a:bodyPr/>
+          <a:lstStyle/>
+          <a:p>
+            <a:r>
+              <a:rPr lang="en-US" b="1" dirty="0"/>
+              <a:t>Slide 2: Presentation Objective</a:t>
+            </a:r>
+            <a:endParaRPr lang="en-US" dirty="0"/>
+          </a:p>
+          <a:p>
+            <a:pPr>
+              <a:buFont typeface="Arial" panose="020B0604020202020204" pitchFamily="34" charset="0"/>
+              <a:buChar char="•"/>
+            </a:pPr>
+            <a:r>
+              <a:rPr lang="en-US" dirty="0"/>
+              <a:t>Brief summary of the purpose of the presentation: to explain the technical solution developed and how this proposal can positively impact the business.</a:t>
+            </a:r>
+          </a:p>
+          <a:p>
+            <a:pPr>
+              <a:buFont typeface="Arial" panose="020B0604020202020204" pitchFamily="34" charset="0"/>
+              <a:buChar char="•"/>
+            </a:pPr>
+            <a:r>
+              <a:rPr lang="en-US" dirty="0"/>
+              <a:t>Highlight that the focus will be on creating a new, specialized insurance product for triathlons.</a:t>
+            </a:r>
+          </a:p>
+          <a:p>
+            <a:endParaRPr lang="en-US" dirty="0"/>
+          </a:p>
+        </p:txBody>
+      </p:sp>
+      <p:sp>
+        <p:nvSpPr>
+          <p:cNvPr id="4" name="Marcador de número de diapositiva 3"/>
+          <p:cNvSpPr>
+            <a:spLocks noGrp="1"/>
+          </p:cNvSpPr>
+          <p:nvPr>
+            <p:ph type="sldNum" sz="quarter" idx="5"/>
+          </p:nvPr>
+        </p:nvSpPr>
+        <p:spPr/>
+        <p:txBody>
+          <a:bodyPr/>
+          <a:lstStyle/>
+          <a:p>
+            <a:fld id="{E3B5C63D-6A1B-43CF-9299-618407E90AC1}" type="slidenum">
+              <a:rPr lang="en-US" smtClean="0"/>
+              <a:t>3</a:t>
+            </a:fld>
+            <a:endParaRPr lang="en-US"/>
+          </a:p>
+        </p:txBody>
+      </p:sp>
+    </p:spTree>
+    <p:extLst>
+      <p:ext uri="{BB962C8B-B14F-4D97-AF65-F5344CB8AC3E}">
+        <p14:creationId xmlns:p14="http://schemas.microsoft.com/office/powerpoint/2010/main" val="1105968971"/>
+      </p:ext>
+    </p:extLst>
+  </p:cSld>
+  <p:clrMapOvr>
+    <a:masterClrMapping/>
+  </p:clrMapOvr>
+</p:notes>
+</file>
+
+<file path=ppt/notesSlides/notesSlide3.xml><?xml version="1.0" encoding="utf-8"?>
+<p:notes xmlns:a="http://schemas.openxmlformats.org/drawingml/2006/main" xmlns:r="http://schemas.openxmlformats.org/officeDocument/2006/relationships" xmlns:p="http://schemas.openxmlformats.org/presentationml/2006/main">
+  <p:cSld>
+    <p:spTree>
+      <p:nvGrpSpPr>
+        <p:cNvPr id="1" name=""/>
+        <p:cNvGrpSpPr/>
+        <p:nvPr/>
+      </p:nvGrpSpPr>
+      <p:grpSpPr>
+        <a:xfrm>
+          <a:off x="0" y="0"/>
+          <a:ext cx="0" cy="0"/>
+          <a:chOff x="0" y="0"/>
+          <a:chExt cx="0" cy="0"/>
+        </a:xfrm>
+      </p:grpSpPr>
+      <p:sp>
+        <p:nvSpPr>
+          <p:cNvPr id="2" name="Marcador de imagen de diapositiva 1"/>
+          <p:cNvSpPr>
+            <a:spLocks noGrp="1" noRot="1" noChangeAspect="1"/>
+          </p:cNvSpPr>
+          <p:nvPr>
+            <p:ph type="sldImg"/>
+          </p:nvPr>
+        </p:nvSpPr>
+        <p:spPr/>
+      </p:sp>
+      <p:sp>
+        <p:nvSpPr>
+          <p:cNvPr id="3" name="Marcador de notas 2"/>
+          <p:cNvSpPr>
+            <a:spLocks noGrp="1"/>
+          </p:cNvSpPr>
+          <p:nvPr>
+            <p:ph type="body" idx="1"/>
+          </p:nvPr>
+        </p:nvSpPr>
+        <p:spPr/>
+        <p:txBody>
+          <a:bodyPr/>
+          <a:lstStyle/>
+          <a:p>
+            <a:r>
+              <a:rPr lang="en-US" b="1" dirty="0"/>
+              <a:t>Slide 2: Presentation Objective</a:t>
+            </a:r>
+            <a:endParaRPr lang="en-US" dirty="0"/>
+          </a:p>
+          <a:p>
+            <a:pPr>
+              <a:buFont typeface="Arial" panose="020B0604020202020204" pitchFamily="34" charset="0"/>
+              <a:buChar char="•"/>
+            </a:pPr>
+            <a:r>
+              <a:rPr lang="en-US" dirty="0"/>
+              <a:t>Brief summary of the purpose of the presentation: to explain the technical solution developed and how this proposal can positively impact the business.</a:t>
+            </a:r>
+          </a:p>
+          <a:p>
+            <a:pPr>
+              <a:buFont typeface="Arial" panose="020B0604020202020204" pitchFamily="34" charset="0"/>
+              <a:buChar char="•"/>
+            </a:pPr>
+            <a:r>
+              <a:rPr lang="en-US" dirty="0"/>
+              <a:t>Highlight that the focus will be on creating a new, specialized insurance product for triathlons.</a:t>
+            </a:r>
+          </a:p>
+          <a:p>
+            <a:endParaRPr lang="en-US" dirty="0"/>
+          </a:p>
+        </p:txBody>
+      </p:sp>
+      <p:sp>
+        <p:nvSpPr>
+          <p:cNvPr id="4" name="Marcador de número de diapositiva 3"/>
+          <p:cNvSpPr>
+            <a:spLocks noGrp="1"/>
+          </p:cNvSpPr>
+          <p:nvPr>
+            <p:ph type="sldNum" sz="quarter" idx="5"/>
+          </p:nvPr>
+        </p:nvSpPr>
+        <p:spPr/>
+        <p:txBody>
+          <a:bodyPr/>
+          <a:lstStyle/>
+          <a:p>
+            <a:fld id="{E3B5C63D-6A1B-43CF-9299-618407E90AC1}" type="slidenum">
+              <a:rPr lang="en-US" smtClean="0"/>
+              <a:t>4</a:t>
+            </a:fld>
+            <a:endParaRPr lang="en-US"/>
+          </a:p>
+        </p:txBody>
+      </p:sp>
+    </p:spTree>
+    <p:extLst>
+      <p:ext uri="{BB962C8B-B14F-4D97-AF65-F5344CB8AC3E}">
+        <p14:creationId xmlns:p14="http://schemas.microsoft.com/office/powerpoint/2010/main" val="3043749926"/>
+      </p:ext>
+    </p:extLst>
+  </p:cSld>
+  <p:clrMapOvr>
+    <a:masterClrMapping/>
+  </p:clrMapOvr>
+</p:notes>
+</file>
+
+<file path=ppt/notesSlides/notesSlide4.xml><?xml version="1.0" encoding="utf-8"?>
+<p:notes xmlns:a="http://schemas.openxmlformats.org/drawingml/2006/main" xmlns:r="http://schemas.openxmlformats.org/officeDocument/2006/relationships" xmlns:p="http://schemas.openxmlformats.org/presentationml/2006/main">
+  <p:cSld>
+    <p:spTree>
+      <p:nvGrpSpPr>
+        <p:cNvPr id="1" name=""/>
+        <p:cNvGrpSpPr/>
+        <p:nvPr/>
+      </p:nvGrpSpPr>
+      <p:grpSpPr>
+        <a:xfrm>
+          <a:off x="0" y="0"/>
+          <a:ext cx="0" cy="0"/>
+          <a:chOff x="0" y="0"/>
+          <a:chExt cx="0" cy="0"/>
+        </a:xfrm>
+      </p:grpSpPr>
+      <p:sp>
+        <p:nvSpPr>
+          <p:cNvPr id="2" name="Marcador de imagen de diapositiva 1"/>
+          <p:cNvSpPr>
+            <a:spLocks noGrp="1" noRot="1" noChangeAspect="1"/>
+          </p:cNvSpPr>
+          <p:nvPr>
+            <p:ph type="sldImg"/>
+          </p:nvPr>
+        </p:nvSpPr>
+        <p:spPr/>
+      </p:sp>
+      <p:sp>
+        <p:nvSpPr>
+          <p:cNvPr id="3" name="Marcador de notas 2"/>
+          <p:cNvSpPr>
+            <a:spLocks noGrp="1"/>
+          </p:cNvSpPr>
+          <p:nvPr>
+            <p:ph type="body" idx="1"/>
+          </p:nvPr>
+        </p:nvSpPr>
+        <p:spPr/>
+        <p:txBody>
+          <a:bodyPr/>
+          <a:lstStyle/>
+          <a:p>
+            <a:r>
+              <a:rPr lang="en-US" b="1" dirty="0"/>
+              <a:t>Slide 2: Presentation Objective</a:t>
+            </a:r>
+            <a:endParaRPr lang="en-US" dirty="0"/>
+          </a:p>
+          <a:p>
+            <a:pPr>
+              <a:buFont typeface="Arial" panose="020B0604020202020204" pitchFamily="34" charset="0"/>
+              <a:buChar char="•"/>
+            </a:pPr>
+            <a:r>
+              <a:rPr lang="en-US" dirty="0"/>
+              <a:t>Brief summary of the purpose of the presentation: to explain the technical solution developed and how this proposal can positively impact the business.</a:t>
+            </a:r>
+          </a:p>
+          <a:p>
+            <a:pPr>
+              <a:buFont typeface="Arial" panose="020B0604020202020204" pitchFamily="34" charset="0"/>
+              <a:buChar char="•"/>
+            </a:pPr>
+            <a:r>
+              <a:rPr lang="en-US" dirty="0"/>
+              <a:t>Highlight that the focus will be on creating a new, specialized insurance product for triathlons.</a:t>
+            </a:r>
+          </a:p>
+          <a:p>
+            <a:endParaRPr lang="en-US" dirty="0"/>
+          </a:p>
+        </p:txBody>
+      </p:sp>
+      <p:sp>
+        <p:nvSpPr>
+          <p:cNvPr id="4" name="Marcador de número de diapositiva 3"/>
+          <p:cNvSpPr>
+            <a:spLocks noGrp="1"/>
+          </p:cNvSpPr>
+          <p:nvPr>
+            <p:ph type="sldNum" sz="quarter" idx="5"/>
+          </p:nvPr>
+        </p:nvSpPr>
+        <p:spPr/>
+        <p:txBody>
+          <a:bodyPr/>
+          <a:lstStyle/>
+          <a:p>
+            <a:fld id="{E3B5C63D-6A1B-43CF-9299-618407E90AC1}" type="slidenum">
+              <a:rPr lang="en-US" smtClean="0"/>
+              <a:t>5</a:t>
+            </a:fld>
+            <a:endParaRPr lang="en-US"/>
+          </a:p>
+        </p:txBody>
+      </p:sp>
+    </p:spTree>
+    <p:extLst>
+      <p:ext uri="{BB962C8B-B14F-4D97-AF65-F5344CB8AC3E}">
+        <p14:creationId xmlns:p14="http://schemas.microsoft.com/office/powerpoint/2010/main" val="383435796"/>
+      </p:ext>
+    </p:extLst>
+  </p:cSld>
+  <p:clrMapOvr>
+    <a:masterClrMapping/>
+  </p:clrMapOvr>
+</p:notes>
+</file>
+
+<file path=ppt/notesSlides/notesSlide5.xml><?xml version="1.0" encoding="utf-8"?>
+<p:notes xmlns:a="http://schemas.openxmlformats.org/drawingml/2006/main" xmlns:r="http://schemas.openxmlformats.org/officeDocument/2006/relationships" xmlns:p="http://schemas.openxmlformats.org/presentationml/2006/main">
+  <p:cSld>
+    <p:spTree>
+      <p:nvGrpSpPr>
+        <p:cNvPr id="1" name=""/>
+        <p:cNvGrpSpPr/>
+        <p:nvPr/>
+      </p:nvGrpSpPr>
+      <p:grpSpPr>
+        <a:xfrm>
+          <a:off x="0" y="0"/>
+          <a:ext cx="0" cy="0"/>
+          <a:chOff x="0" y="0"/>
+          <a:chExt cx="0" cy="0"/>
+        </a:xfrm>
+      </p:grpSpPr>
+      <p:sp>
+        <p:nvSpPr>
+          <p:cNvPr id="2" name="Marcador de imagen de diapositiva 1"/>
+          <p:cNvSpPr>
+            <a:spLocks noGrp="1" noRot="1" noChangeAspect="1"/>
+          </p:cNvSpPr>
+          <p:nvPr>
+            <p:ph type="sldImg"/>
+          </p:nvPr>
+        </p:nvSpPr>
+        <p:spPr/>
+      </p:sp>
+      <p:sp>
+        <p:nvSpPr>
+          <p:cNvPr id="3" name="Marcador de notas 2"/>
+          <p:cNvSpPr>
+            <a:spLocks noGrp="1"/>
+          </p:cNvSpPr>
+          <p:nvPr>
+            <p:ph type="body" idx="1"/>
+          </p:nvPr>
+        </p:nvSpPr>
+        <p:spPr/>
+        <p:txBody>
+          <a:bodyPr/>
+          <a:lstStyle/>
+          <a:p>
+            <a:r>
+              <a:rPr lang="en-US" b="1" dirty="0"/>
+              <a:t>Slide 2: Presentation Objective</a:t>
+            </a:r>
+            <a:endParaRPr lang="en-US" dirty="0"/>
+          </a:p>
+          <a:p>
+            <a:pPr>
+              <a:buFont typeface="Arial" panose="020B0604020202020204" pitchFamily="34" charset="0"/>
+              <a:buChar char="•"/>
+            </a:pPr>
+            <a:r>
+              <a:rPr lang="en-US" dirty="0"/>
+              <a:t>Brief summary of the purpose of the presentation: to explain the technical solution developed and how this proposal can positively impact the business.</a:t>
+            </a:r>
+          </a:p>
+          <a:p>
+            <a:pPr>
+              <a:buFont typeface="Arial" panose="020B0604020202020204" pitchFamily="34" charset="0"/>
+              <a:buChar char="•"/>
+            </a:pPr>
+            <a:r>
+              <a:rPr lang="en-US" dirty="0"/>
+              <a:t>Highlight that the focus will be on creating a new, specialized insurance product for triathlons.</a:t>
+            </a:r>
+          </a:p>
+          <a:p>
+            <a:endParaRPr lang="en-US" dirty="0"/>
+          </a:p>
+        </p:txBody>
+      </p:sp>
+      <p:sp>
+        <p:nvSpPr>
+          <p:cNvPr id="4" name="Marcador de número de diapositiva 3"/>
+          <p:cNvSpPr>
+            <a:spLocks noGrp="1"/>
+          </p:cNvSpPr>
+          <p:nvPr>
+            <p:ph type="sldNum" sz="quarter" idx="5"/>
+          </p:nvPr>
+        </p:nvSpPr>
+        <p:spPr/>
+        <p:txBody>
+          <a:bodyPr/>
+          <a:lstStyle/>
+          <a:p>
+            <a:fld id="{E3B5C63D-6A1B-43CF-9299-618407E90AC1}" type="slidenum">
+              <a:rPr lang="en-US" smtClean="0"/>
+              <a:t>6</a:t>
+            </a:fld>
+            <a:endParaRPr lang="en-US"/>
+          </a:p>
+        </p:txBody>
+      </p:sp>
+    </p:spTree>
+    <p:extLst>
+      <p:ext uri="{BB962C8B-B14F-4D97-AF65-F5344CB8AC3E}">
+        <p14:creationId xmlns:p14="http://schemas.microsoft.com/office/powerpoint/2010/main" val="2100289555"/>
+      </p:ext>
+    </p:extLst>
+  </p:cSld>
+  <p:clrMapOvr>
+    <a:masterClrMapping/>
+  </p:clrMapOvr>
+</p:notes>
 </file>
 
 <file path=ppt/slideLayouts/slideLayout1.xml><?xml version="1.0" encoding="utf-8"?>
@@ -129,7 +1056,7 @@
           <p:cNvPr id="2" name="Título 1">
             <a:extLst>
               <a:ext uri="{FF2B5EF4-FFF2-40B4-BE49-F238E27FC236}">
-                <a16:creationId xmlns:a16="http://schemas.microsoft.com/office/drawing/2014/main" id="{555CDA97-3CFF-6309-99DA-408B5F60618F}"/>
+                <a16:creationId xmlns:a16="http://schemas.microsoft.com/office/drawing/2014/main" id="{BCB899FE-62D4-81BF-7661-C96D51284D83}"/>
               </a:ext>
             </a:extLst>
           </p:cNvPr>
@@ -166,7 +1093,7 @@
           <p:cNvPr id="3" name="Subtítulo 2">
             <a:extLst>
               <a:ext uri="{FF2B5EF4-FFF2-40B4-BE49-F238E27FC236}">
-                <a16:creationId xmlns:a16="http://schemas.microsoft.com/office/drawing/2014/main" id="{2A89C3DA-D87C-4798-0C0B-A4F3F28FAA87}"/>
+                <a16:creationId xmlns:a16="http://schemas.microsoft.com/office/drawing/2014/main" id="{96761E38-DFDA-24C7-606A-385BB66D8F73}"/>
               </a:ext>
             </a:extLst>
           </p:cNvPr>
@@ -236,7 +1163,7 @@
           <p:cNvPr id="4" name="Marcador de fecha 3">
             <a:extLst>
               <a:ext uri="{FF2B5EF4-FFF2-40B4-BE49-F238E27FC236}">
-                <a16:creationId xmlns:a16="http://schemas.microsoft.com/office/drawing/2014/main" id="{EBAAE5CB-E6B2-8B5A-4792-1B0338F5B69B}"/>
+                <a16:creationId xmlns:a16="http://schemas.microsoft.com/office/drawing/2014/main" id="{B7815F14-255C-C9FC-E79B-5D22165B994F}"/>
               </a:ext>
             </a:extLst>
           </p:cNvPr>
@@ -254,7 +1181,7 @@
           <a:p>
             <a:fld id="{C9410864-F8D5-4059-A84B-1414294ACF8F}" type="datetimeFigureOut">
               <a:rPr lang="es-ES" smtClean="0"/>
-              <a:t>16/08/2024</a:t>
+              <a:t>20/08/2024</a:t>
             </a:fld>
             <a:endParaRPr lang="es-ES"/>
           </a:p>
@@ -265,7 +1192,7 @@
           <p:cNvPr id="5" name="Marcador de pie de página 4">
             <a:extLst>
               <a:ext uri="{FF2B5EF4-FFF2-40B4-BE49-F238E27FC236}">
-                <a16:creationId xmlns:a16="http://schemas.microsoft.com/office/drawing/2014/main" id="{91347A24-4BCE-4E23-530D-26864DDFD22A}"/>
+                <a16:creationId xmlns:a16="http://schemas.microsoft.com/office/drawing/2014/main" id="{77F3B6CE-A9FF-1AC2-000D-D4174ED71BF5}"/>
               </a:ext>
             </a:extLst>
           </p:cNvPr>
@@ -290,7 +1217,7 @@
           <p:cNvPr id="6" name="Marcador de número de diapositiva 5">
             <a:extLst>
               <a:ext uri="{FF2B5EF4-FFF2-40B4-BE49-F238E27FC236}">
-                <a16:creationId xmlns:a16="http://schemas.microsoft.com/office/drawing/2014/main" id="{08AD72F6-B287-8E6B-862E-0118D5B865B2}"/>
+                <a16:creationId xmlns:a16="http://schemas.microsoft.com/office/drawing/2014/main" id="{6C0EE732-E922-8364-DC9C-6E74F66E626A}"/>
               </a:ext>
             </a:extLst>
           </p:cNvPr>
@@ -317,7 +1244,7 @@
     </p:spTree>
     <p:extLst>
       <p:ext uri="{BB962C8B-B14F-4D97-AF65-F5344CB8AC3E}">
-        <p14:creationId xmlns:p14="http://schemas.microsoft.com/office/powerpoint/2010/main" val="743184626"/>
+        <p14:creationId xmlns:p14="http://schemas.microsoft.com/office/powerpoint/2010/main" val="3241466472"/>
       </p:ext>
     </p:extLst>
   </p:cSld>
@@ -349,7 +1276,7 @@
           <p:cNvPr id="2" name="Título 1">
             <a:extLst>
               <a:ext uri="{FF2B5EF4-FFF2-40B4-BE49-F238E27FC236}">
-                <a16:creationId xmlns:a16="http://schemas.microsoft.com/office/drawing/2014/main" id="{3092B3CE-53FA-EBC6-49F7-86FC692E4E97}"/>
+                <a16:creationId xmlns:a16="http://schemas.microsoft.com/office/drawing/2014/main" id="{834407CC-3880-4ABD-A1AF-02E155174909}"/>
               </a:ext>
             </a:extLst>
           </p:cNvPr>
@@ -377,7 +1304,7 @@
           <p:cNvPr id="3" name="Marcador de texto vertical 2">
             <a:extLst>
               <a:ext uri="{FF2B5EF4-FFF2-40B4-BE49-F238E27FC236}">
-                <a16:creationId xmlns:a16="http://schemas.microsoft.com/office/drawing/2014/main" id="{0512805E-A4EB-B253-1F3A-98ACCCF6B941}"/>
+                <a16:creationId xmlns:a16="http://schemas.microsoft.com/office/drawing/2014/main" id="{E7F14B80-A939-CD22-FEE6-6C2777196571}"/>
               </a:ext>
             </a:extLst>
           </p:cNvPr>
@@ -434,7 +1361,7 @@
           <p:cNvPr id="4" name="Marcador de fecha 3">
             <a:extLst>
               <a:ext uri="{FF2B5EF4-FFF2-40B4-BE49-F238E27FC236}">
-                <a16:creationId xmlns:a16="http://schemas.microsoft.com/office/drawing/2014/main" id="{04388C6E-FC0A-A82A-76AA-A19775A29C40}"/>
+                <a16:creationId xmlns:a16="http://schemas.microsoft.com/office/drawing/2014/main" id="{59B9F409-66FC-ACF4-3F97-FC4E9A01B174}"/>
               </a:ext>
             </a:extLst>
           </p:cNvPr>
@@ -452,7 +1379,7 @@
           <a:p>
             <a:fld id="{C9410864-F8D5-4059-A84B-1414294ACF8F}" type="datetimeFigureOut">
               <a:rPr lang="es-ES" smtClean="0"/>
-              <a:t>16/08/2024</a:t>
+              <a:t>20/08/2024</a:t>
             </a:fld>
             <a:endParaRPr lang="es-ES"/>
           </a:p>
@@ -463,7 +1390,7 @@
           <p:cNvPr id="5" name="Marcador de pie de página 4">
             <a:extLst>
               <a:ext uri="{FF2B5EF4-FFF2-40B4-BE49-F238E27FC236}">
-                <a16:creationId xmlns:a16="http://schemas.microsoft.com/office/drawing/2014/main" id="{B1D834EB-55EE-618E-67A6-3DC49DAB2E37}"/>
+                <a16:creationId xmlns:a16="http://schemas.microsoft.com/office/drawing/2014/main" id="{F12CD7A3-AB46-D08B-ECE6-B9CFA682D9AB}"/>
               </a:ext>
             </a:extLst>
           </p:cNvPr>
@@ -488,7 +1415,7 @@
           <p:cNvPr id="6" name="Marcador de número de diapositiva 5">
             <a:extLst>
               <a:ext uri="{FF2B5EF4-FFF2-40B4-BE49-F238E27FC236}">
-                <a16:creationId xmlns:a16="http://schemas.microsoft.com/office/drawing/2014/main" id="{E0D82B20-652B-9059-27B6-6F3EE19B404A}"/>
+                <a16:creationId xmlns:a16="http://schemas.microsoft.com/office/drawing/2014/main" id="{4457B0A2-421D-BB4D-9FA4-EB01DE447C47}"/>
               </a:ext>
             </a:extLst>
           </p:cNvPr>
@@ -515,7 +1442,7 @@
     </p:spTree>
     <p:extLst>
       <p:ext uri="{BB962C8B-B14F-4D97-AF65-F5344CB8AC3E}">
-        <p14:creationId xmlns:p14="http://schemas.microsoft.com/office/powerpoint/2010/main" val="1003211970"/>
+        <p14:creationId xmlns:p14="http://schemas.microsoft.com/office/powerpoint/2010/main" val="4153965790"/>
       </p:ext>
     </p:extLst>
   </p:cSld>
@@ -547,7 +1474,7 @@
           <p:cNvPr id="2" name="Título vertical 1">
             <a:extLst>
               <a:ext uri="{FF2B5EF4-FFF2-40B4-BE49-F238E27FC236}">
-                <a16:creationId xmlns:a16="http://schemas.microsoft.com/office/drawing/2014/main" id="{9EE7F146-516E-87CD-3348-50213988669A}"/>
+                <a16:creationId xmlns:a16="http://schemas.microsoft.com/office/drawing/2014/main" id="{DFAC1B3A-354F-5923-8A5E-91D9A43022DF}"/>
               </a:ext>
             </a:extLst>
           </p:cNvPr>
@@ -580,7 +1507,7 @@
           <p:cNvPr id="3" name="Marcador de texto vertical 2">
             <a:extLst>
               <a:ext uri="{FF2B5EF4-FFF2-40B4-BE49-F238E27FC236}">
-                <a16:creationId xmlns:a16="http://schemas.microsoft.com/office/drawing/2014/main" id="{D48D82D3-25E2-68BA-7B59-C1B8C84C689C}"/>
+                <a16:creationId xmlns:a16="http://schemas.microsoft.com/office/drawing/2014/main" id="{C0293BD2-80E3-AE53-11BD-D69BF2533EED}"/>
               </a:ext>
             </a:extLst>
           </p:cNvPr>
@@ -642,7 +1569,7 @@
           <p:cNvPr id="4" name="Marcador de fecha 3">
             <a:extLst>
               <a:ext uri="{FF2B5EF4-FFF2-40B4-BE49-F238E27FC236}">
-                <a16:creationId xmlns:a16="http://schemas.microsoft.com/office/drawing/2014/main" id="{E4326C2D-1068-01BC-6EE1-D0041764DA2A}"/>
+                <a16:creationId xmlns:a16="http://schemas.microsoft.com/office/drawing/2014/main" id="{225A1FF1-65EA-92A3-C4F3-524F00367C2A}"/>
               </a:ext>
             </a:extLst>
           </p:cNvPr>
@@ -660,7 +1587,7 @@
           <a:p>
             <a:fld id="{C9410864-F8D5-4059-A84B-1414294ACF8F}" type="datetimeFigureOut">
               <a:rPr lang="es-ES" smtClean="0"/>
-              <a:t>16/08/2024</a:t>
+              <a:t>20/08/2024</a:t>
             </a:fld>
             <a:endParaRPr lang="es-ES"/>
           </a:p>
@@ -671,7 +1598,7 @@
           <p:cNvPr id="5" name="Marcador de pie de página 4">
             <a:extLst>
               <a:ext uri="{FF2B5EF4-FFF2-40B4-BE49-F238E27FC236}">
-                <a16:creationId xmlns:a16="http://schemas.microsoft.com/office/drawing/2014/main" id="{5704FB58-53AE-3B5F-7E18-244A86E41BA2}"/>
+                <a16:creationId xmlns:a16="http://schemas.microsoft.com/office/drawing/2014/main" id="{38136982-9AF3-A1C6-04C2-325FB6233770}"/>
               </a:ext>
             </a:extLst>
           </p:cNvPr>
@@ -696,7 +1623,7 @@
           <p:cNvPr id="6" name="Marcador de número de diapositiva 5">
             <a:extLst>
               <a:ext uri="{FF2B5EF4-FFF2-40B4-BE49-F238E27FC236}">
-                <a16:creationId xmlns:a16="http://schemas.microsoft.com/office/drawing/2014/main" id="{A4191E17-11DF-3884-1886-A1231D3B5997}"/>
+                <a16:creationId xmlns:a16="http://schemas.microsoft.com/office/drawing/2014/main" id="{985AD606-3DAC-D046-AEC1-780AA00DFDE9}"/>
               </a:ext>
             </a:extLst>
           </p:cNvPr>
@@ -723,7 +1650,7 @@
     </p:spTree>
     <p:extLst>
       <p:ext uri="{BB962C8B-B14F-4D97-AF65-F5344CB8AC3E}">
-        <p14:creationId xmlns:p14="http://schemas.microsoft.com/office/powerpoint/2010/main" val="1110682590"/>
+        <p14:creationId xmlns:p14="http://schemas.microsoft.com/office/powerpoint/2010/main" val="3422920781"/>
       </p:ext>
     </p:extLst>
   </p:cSld>
@@ -755,7 +1682,7 @@
           <p:cNvPr id="2" name="Título 1">
             <a:extLst>
               <a:ext uri="{FF2B5EF4-FFF2-40B4-BE49-F238E27FC236}">
-                <a16:creationId xmlns:a16="http://schemas.microsoft.com/office/drawing/2014/main" id="{9748ECE5-A8EB-1AC1-E13C-E2B5D9885381}"/>
+                <a16:creationId xmlns:a16="http://schemas.microsoft.com/office/drawing/2014/main" id="{8D12EE0B-2090-DC84-7171-3A8DFFEA08CD}"/>
               </a:ext>
             </a:extLst>
           </p:cNvPr>
@@ -783,7 +1710,7 @@
           <p:cNvPr id="3" name="Marcador de contenido 2">
             <a:extLst>
               <a:ext uri="{FF2B5EF4-FFF2-40B4-BE49-F238E27FC236}">
-                <a16:creationId xmlns:a16="http://schemas.microsoft.com/office/drawing/2014/main" id="{CC937082-3EC7-D066-54B3-5E70A51D10C5}"/>
+                <a16:creationId xmlns:a16="http://schemas.microsoft.com/office/drawing/2014/main" id="{82D67357-42B4-B1CF-B277-140940E68BF9}"/>
               </a:ext>
             </a:extLst>
           </p:cNvPr>
@@ -840,7 +1767,7 @@
           <p:cNvPr id="4" name="Marcador de fecha 3">
             <a:extLst>
               <a:ext uri="{FF2B5EF4-FFF2-40B4-BE49-F238E27FC236}">
-                <a16:creationId xmlns:a16="http://schemas.microsoft.com/office/drawing/2014/main" id="{68E6CB0B-9E33-ED3F-24FE-5B7F6D8E718E}"/>
+                <a16:creationId xmlns:a16="http://schemas.microsoft.com/office/drawing/2014/main" id="{3D1EDF62-B7CF-6CCD-92E9-9D13EBBCB449}"/>
               </a:ext>
             </a:extLst>
           </p:cNvPr>
@@ -858,7 +1785,7 @@
           <a:p>
             <a:fld id="{C9410864-F8D5-4059-A84B-1414294ACF8F}" type="datetimeFigureOut">
               <a:rPr lang="es-ES" smtClean="0"/>
-              <a:t>16/08/2024</a:t>
+              <a:t>20/08/2024</a:t>
             </a:fld>
             <a:endParaRPr lang="es-ES"/>
           </a:p>
@@ -869,7 +1796,7 @@
           <p:cNvPr id="5" name="Marcador de pie de página 4">
             <a:extLst>
               <a:ext uri="{FF2B5EF4-FFF2-40B4-BE49-F238E27FC236}">
-                <a16:creationId xmlns:a16="http://schemas.microsoft.com/office/drawing/2014/main" id="{1196C084-7EB9-39BA-D70A-381D6E1CF2C6}"/>
+                <a16:creationId xmlns:a16="http://schemas.microsoft.com/office/drawing/2014/main" id="{5D8C345E-1668-F110-44D2-5B2943840FBC}"/>
               </a:ext>
             </a:extLst>
           </p:cNvPr>
@@ -894,7 +1821,7 @@
           <p:cNvPr id="6" name="Marcador de número de diapositiva 5">
             <a:extLst>
               <a:ext uri="{FF2B5EF4-FFF2-40B4-BE49-F238E27FC236}">
-                <a16:creationId xmlns:a16="http://schemas.microsoft.com/office/drawing/2014/main" id="{5AAAD9FE-AF77-1BC7-FA01-B6DE6D977CCA}"/>
+                <a16:creationId xmlns:a16="http://schemas.microsoft.com/office/drawing/2014/main" id="{86B21605-53FF-05FE-7EF1-6CB8E7F11393}"/>
               </a:ext>
             </a:extLst>
           </p:cNvPr>
@@ -921,7 +1848,7 @@
     </p:spTree>
     <p:extLst>
       <p:ext uri="{BB962C8B-B14F-4D97-AF65-F5344CB8AC3E}">
-        <p14:creationId xmlns:p14="http://schemas.microsoft.com/office/powerpoint/2010/main" val="3273381998"/>
+        <p14:creationId xmlns:p14="http://schemas.microsoft.com/office/powerpoint/2010/main" val="571187905"/>
       </p:ext>
     </p:extLst>
   </p:cSld>
@@ -953,7 +1880,7 @@
           <p:cNvPr id="2" name="Título 1">
             <a:extLst>
               <a:ext uri="{FF2B5EF4-FFF2-40B4-BE49-F238E27FC236}">
-                <a16:creationId xmlns:a16="http://schemas.microsoft.com/office/drawing/2014/main" id="{8D09A9E6-1347-40E1-8EBE-7647E72EABC3}"/>
+                <a16:creationId xmlns:a16="http://schemas.microsoft.com/office/drawing/2014/main" id="{2B97BF59-3BB5-7A6D-5A9F-33898AD774ED}"/>
               </a:ext>
             </a:extLst>
           </p:cNvPr>
@@ -990,7 +1917,7 @@
           <p:cNvPr id="3" name="Marcador de texto 2">
             <a:extLst>
               <a:ext uri="{FF2B5EF4-FFF2-40B4-BE49-F238E27FC236}">
-                <a16:creationId xmlns:a16="http://schemas.microsoft.com/office/drawing/2014/main" id="{2FF1E10E-FB39-C9C3-41B0-A08C416E054E}"/>
+                <a16:creationId xmlns:a16="http://schemas.microsoft.com/office/drawing/2014/main" id="{DE4F105C-DEB7-9FBD-05EE-AD17C27373D4}"/>
               </a:ext>
             </a:extLst>
           </p:cNvPr>
@@ -1115,7 +2042,7 @@
           <p:cNvPr id="4" name="Marcador de fecha 3">
             <a:extLst>
               <a:ext uri="{FF2B5EF4-FFF2-40B4-BE49-F238E27FC236}">
-                <a16:creationId xmlns:a16="http://schemas.microsoft.com/office/drawing/2014/main" id="{FE82A319-5C75-3319-F0E2-E1CD35F0EF55}"/>
+                <a16:creationId xmlns:a16="http://schemas.microsoft.com/office/drawing/2014/main" id="{A4FC1A42-5595-4AA1-6914-FC2E26031536}"/>
               </a:ext>
             </a:extLst>
           </p:cNvPr>
@@ -1133,7 +2060,7 @@
           <a:p>
             <a:fld id="{C9410864-F8D5-4059-A84B-1414294ACF8F}" type="datetimeFigureOut">
               <a:rPr lang="es-ES" smtClean="0"/>
-              <a:t>16/08/2024</a:t>
+              <a:t>20/08/2024</a:t>
             </a:fld>
             <a:endParaRPr lang="es-ES"/>
           </a:p>
@@ -1144,7 +2071,7 @@
           <p:cNvPr id="5" name="Marcador de pie de página 4">
             <a:extLst>
               <a:ext uri="{FF2B5EF4-FFF2-40B4-BE49-F238E27FC236}">
-                <a16:creationId xmlns:a16="http://schemas.microsoft.com/office/drawing/2014/main" id="{36C392A1-D1BF-91AF-A3BA-35D196F8A78C}"/>
+                <a16:creationId xmlns:a16="http://schemas.microsoft.com/office/drawing/2014/main" id="{25123F64-BE9D-D413-A6A1-577D49B2FC7D}"/>
               </a:ext>
             </a:extLst>
           </p:cNvPr>
@@ -1169,7 +2096,7 @@
           <p:cNvPr id="6" name="Marcador de número de diapositiva 5">
             <a:extLst>
               <a:ext uri="{FF2B5EF4-FFF2-40B4-BE49-F238E27FC236}">
-                <a16:creationId xmlns:a16="http://schemas.microsoft.com/office/drawing/2014/main" id="{5F7ECD50-51AC-374C-4D70-CC09941C7599}"/>
+                <a16:creationId xmlns:a16="http://schemas.microsoft.com/office/drawing/2014/main" id="{1A87D0D9-8702-7249-20C4-DCC4D6643751}"/>
               </a:ext>
             </a:extLst>
           </p:cNvPr>
@@ -1196,7 +2123,7 @@
     </p:spTree>
     <p:extLst>
       <p:ext uri="{BB962C8B-B14F-4D97-AF65-F5344CB8AC3E}">
-        <p14:creationId xmlns:p14="http://schemas.microsoft.com/office/powerpoint/2010/main" val="2690575056"/>
+        <p14:creationId xmlns:p14="http://schemas.microsoft.com/office/powerpoint/2010/main" val="1006587701"/>
       </p:ext>
     </p:extLst>
   </p:cSld>
@@ -1228,7 +2155,7 @@
           <p:cNvPr id="2" name="Título 1">
             <a:extLst>
               <a:ext uri="{FF2B5EF4-FFF2-40B4-BE49-F238E27FC236}">
-                <a16:creationId xmlns:a16="http://schemas.microsoft.com/office/drawing/2014/main" id="{DCD3F597-A3C9-2185-3421-996097C60DF0}"/>
+                <a16:creationId xmlns:a16="http://schemas.microsoft.com/office/drawing/2014/main" id="{9C4E1EC3-0322-FEBA-5575-D4EFACF766A1}"/>
               </a:ext>
             </a:extLst>
           </p:cNvPr>
@@ -1256,7 +2183,7 @@
           <p:cNvPr id="3" name="Marcador de contenido 2">
             <a:extLst>
               <a:ext uri="{FF2B5EF4-FFF2-40B4-BE49-F238E27FC236}">
-                <a16:creationId xmlns:a16="http://schemas.microsoft.com/office/drawing/2014/main" id="{958BCF92-040E-6831-6E3F-309083616B03}"/>
+                <a16:creationId xmlns:a16="http://schemas.microsoft.com/office/drawing/2014/main" id="{D4CD0DA1-7CF2-BA70-7B04-3B09099A9174}"/>
               </a:ext>
             </a:extLst>
           </p:cNvPr>
@@ -1318,7 +2245,7 @@
           <p:cNvPr id="4" name="Marcador de contenido 3">
             <a:extLst>
               <a:ext uri="{FF2B5EF4-FFF2-40B4-BE49-F238E27FC236}">
-                <a16:creationId xmlns:a16="http://schemas.microsoft.com/office/drawing/2014/main" id="{C03FF165-FF6C-E1D3-042A-C08BB39B4340}"/>
+                <a16:creationId xmlns:a16="http://schemas.microsoft.com/office/drawing/2014/main" id="{30B2473E-34F2-5139-D268-73A0D47DEF28}"/>
               </a:ext>
             </a:extLst>
           </p:cNvPr>
@@ -1380,7 +2307,7 @@
           <p:cNvPr id="5" name="Marcador de fecha 4">
             <a:extLst>
               <a:ext uri="{FF2B5EF4-FFF2-40B4-BE49-F238E27FC236}">
-                <a16:creationId xmlns:a16="http://schemas.microsoft.com/office/drawing/2014/main" id="{37009860-4E45-66E6-2C84-502B3E4B4CC8}"/>
+                <a16:creationId xmlns:a16="http://schemas.microsoft.com/office/drawing/2014/main" id="{8D65F3EF-F941-D59B-042F-BF54D76E102E}"/>
               </a:ext>
             </a:extLst>
           </p:cNvPr>
@@ -1398,7 +2325,7 @@
           <a:p>
             <a:fld id="{C9410864-F8D5-4059-A84B-1414294ACF8F}" type="datetimeFigureOut">
               <a:rPr lang="es-ES" smtClean="0"/>
-              <a:t>16/08/2024</a:t>
+              <a:t>20/08/2024</a:t>
             </a:fld>
             <a:endParaRPr lang="es-ES"/>
           </a:p>
@@ -1409,7 +2336,7 @@
           <p:cNvPr id="6" name="Marcador de pie de página 5">
             <a:extLst>
               <a:ext uri="{FF2B5EF4-FFF2-40B4-BE49-F238E27FC236}">
-                <a16:creationId xmlns:a16="http://schemas.microsoft.com/office/drawing/2014/main" id="{10D4FF26-01C6-CD00-5F7C-30D219F7502E}"/>
+                <a16:creationId xmlns:a16="http://schemas.microsoft.com/office/drawing/2014/main" id="{FD906064-506E-5FCF-2727-7BD6BDC30358}"/>
               </a:ext>
             </a:extLst>
           </p:cNvPr>
@@ -1434,7 +2361,7 @@
           <p:cNvPr id="7" name="Marcador de número de diapositiva 6">
             <a:extLst>
               <a:ext uri="{FF2B5EF4-FFF2-40B4-BE49-F238E27FC236}">
-                <a16:creationId xmlns:a16="http://schemas.microsoft.com/office/drawing/2014/main" id="{AA60B27A-E83B-D5B1-FC44-8DA356DAA633}"/>
+                <a16:creationId xmlns:a16="http://schemas.microsoft.com/office/drawing/2014/main" id="{148A6BEC-EB3F-0468-6E57-C15330E9D114}"/>
               </a:ext>
             </a:extLst>
           </p:cNvPr>
@@ -1461,7 +2388,7 @@
     </p:spTree>
     <p:extLst>
       <p:ext uri="{BB962C8B-B14F-4D97-AF65-F5344CB8AC3E}">
-        <p14:creationId xmlns:p14="http://schemas.microsoft.com/office/powerpoint/2010/main" val="2913561071"/>
+        <p14:creationId xmlns:p14="http://schemas.microsoft.com/office/powerpoint/2010/main" val="791545879"/>
       </p:ext>
     </p:extLst>
   </p:cSld>
@@ -1493,7 +2420,7 @@
           <p:cNvPr id="2" name="Título 1">
             <a:extLst>
               <a:ext uri="{FF2B5EF4-FFF2-40B4-BE49-F238E27FC236}">
-                <a16:creationId xmlns:a16="http://schemas.microsoft.com/office/drawing/2014/main" id="{566171A1-378B-721D-1190-48DCC7C467F1}"/>
+                <a16:creationId xmlns:a16="http://schemas.microsoft.com/office/drawing/2014/main" id="{2AB33BA8-E250-0F55-ECF6-31F331883D37}"/>
               </a:ext>
             </a:extLst>
           </p:cNvPr>
@@ -1526,7 +2453,7 @@
           <p:cNvPr id="3" name="Marcador de texto 2">
             <a:extLst>
               <a:ext uri="{FF2B5EF4-FFF2-40B4-BE49-F238E27FC236}">
-                <a16:creationId xmlns:a16="http://schemas.microsoft.com/office/drawing/2014/main" id="{8A87BC9D-2F82-0412-C1C6-DAC06F9E1012}"/>
+                <a16:creationId xmlns:a16="http://schemas.microsoft.com/office/drawing/2014/main" id="{A9937C0F-752B-4C71-DC01-D1631BCAA619}"/>
               </a:ext>
             </a:extLst>
           </p:cNvPr>
@@ -1597,7 +2524,7 @@
           <p:cNvPr id="4" name="Marcador de contenido 3">
             <a:extLst>
               <a:ext uri="{FF2B5EF4-FFF2-40B4-BE49-F238E27FC236}">
-                <a16:creationId xmlns:a16="http://schemas.microsoft.com/office/drawing/2014/main" id="{8819831C-8E30-83FF-16A8-F43EB6833874}"/>
+                <a16:creationId xmlns:a16="http://schemas.microsoft.com/office/drawing/2014/main" id="{BC1F2176-11BA-9BE8-28FD-0B6F8921F701}"/>
               </a:ext>
             </a:extLst>
           </p:cNvPr>
@@ -1659,7 +2586,7 @@
           <p:cNvPr id="5" name="Marcador de texto 4">
             <a:extLst>
               <a:ext uri="{FF2B5EF4-FFF2-40B4-BE49-F238E27FC236}">
-                <a16:creationId xmlns:a16="http://schemas.microsoft.com/office/drawing/2014/main" id="{15C21309-0579-B6C3-E101-365EBCA931F7}"/>
+                <a16:creationId xmlns:a16="http://schemas.microsoft.com/office/drawing/2014/main" id="{8EA44DD7-5990-A695-764D-7B2319A0C077}"/>
               </a:ext>
             </a:extLst>
           </p:cNvPr>
@@ -1730,7 +2657,7 @@
           <p:cNvPr id="6" name="Marcador de contenido 5">
             <a:extLst>
               <a:ext uri="{FF2B5EF4-FFF2-40B4-BE49-F238E27FC236}">
-                <a16:creationId xmlns:a16="http://schemas.microsoft.com/office/drawing/2014/main" id="{0D0DDE44-837C-9437-6114-4C8D7EC8EA9C}"/>
+                <a16:creationId xmlns:a16="http://schemas.microsoft.com/office/drawing/2014/main" id="{EE339497-D2B2-4D15-3EB3-66B072768500}"/>
               </a:ext>
             </a:extLst>
           </p:cNvPr>
@@ -1792,7 +2719,7 @@
           <p:cNvPr id="7" name="Marcador de fecha 6">
             <a:extLst>
               <a:ext uri="{FF2B5EF4-FFF2-40B4-BE49-F238E27FC236}">
-                <a16:creationId xmlns:a16="http://schemas.microsoft.com/office/drawing/2014/main" id="{A364900C-80F9-D977-820C-CAC12A903DFA}"/>
+                <a16:creationId xmlns:a16="http://schemas.microsoft.com/office/drawing/2014/main" id="{B6137E91-4776-EA41-6548-C73B05FDA848}"/>
               </a:ext>
             </a:extLst>
           </p:cNvPr>
@@ -1810,7 +2737,7 @@
           <a:p>
             <a:fld id="{C9410864-F8D5-4059-A84B-1414294ACF8F}" type="datetimeFigureOut">
               <a:rPr lang="es-ES" smtClean="0"/>
-              <a:t>16/08/2024</a:t>
+              <a:t>20/08/2024</a:t>
             </a:fld>
             <a:endParaRPr lang="es-ES"/>
           </a:p>
@@ -1821,7 +2748,7 @@
           <p:cNvPr id="8" name="Marcador de pie de página 7">
             <a:extLst>
               <a:ext uri="{FF2B5EF4-FFF2-40B4-BE49-F238E27FC236}">
-                <a16:creationId xmlns:a16="http://schemas.microsoft.com/office/drawing/2014/main" id="{9F506C64-B220-8364-E8F9-8F8C7F3CA49B}"/>
+                <a16:creationId xmlns:a16="http://schemas.microsoft.com/office/drawing/2014/main" id="{529BDEE0-B823-C899-CC86-DA7677C730CC}"/>
               </a:ext>
             </a:extLst>
           </p:cNvPr>
@@ -1846,7 +2773,7 @@
           <p:cNvPr id="9" name="Marcador de número de diapositiva 8">
             <a:extLst>
               <a:ext uri="{FF2B5EF4-FFF2-40B4-BE49-F238E27FC236}">
-                <a16:creationId xmlns:a16="http://schemas.microsoft.com/office/drawing/2014/main" id="{A3DE8E61-CD69-D0EF-9C0B-C2DCFC432B4D}"/>
+                <a16:creationId xmlns:a16="http://schemas.microsoft.com/office/drawing/2014/main" id="{51F694D9-0CFC-7C90-9CC2-97C012098059}"/>
               </a:ext>
             </a:extLst>
           </p:cNvPr>
@@ -1873,7 +2800,7 @@
     </p:spTree>
     <p:extLst>
       <p:ext uri="{BB962C8B-B14F-4D97-AF65-F5344CB8AC3E}">
-        <p14:creationId xmlns:p14="http://schemas.microsoft.com/office/powerpoint/2010/main" val="4190654567"/>
+        <p14:creationId xmlns:p14="http://schemas.microsoft.com/office/powerpoint/2010/main" val="4019563253"/>
       </p:ext>
     </p:extLst>
   </p:cSld>
@@ -1905,7 +2832,7 @@
           <p:cNvPr id="2" name="Título 1">
             <a:extLst>
               <a:ext uri="{FF2B5EF4-FFF2-40B4-BE49-F238E27FC236}">
-                <a16:creationId xmlns:a16="http://schemas.microsoft.com/office/drawing/2014/main" id="{97D036F7-A755-AF7A-C793-DB0F5A7B10F0}"/>
+                <a16:creationId xmlns:a16="http://schemas.microsoft.com/office/drawing/2014/main" id="{6A7D7572-12B1-35BF-CCE8-B149D878CCCF}"/>
               </a:ext>
             </a:extLst>
           </p:cNvPr>
@@ -1933,7 +2860,7 @@
           <p:cNvPr id="3" name="Marcador de fecha 2">
             <a:extLst>
               <a:ext uri="{FF2B5EF4-FFF2-40B4-BE49-F238E27FC236}">
-                <a16:creationId xmlns:a16="http://schemas.microsoft.com/office/drawing/2014/main" id="{37C92FB5-08E9-21FF-62A1-655DCFBFF3E3}"/>
+                <a16:creationId xmlns:a16="http://schemas.microsoft.com/office/drawing/2014/main" id="{38868001-ECE7-59EF-1CEF-F3F8927FABD8}"/>
               </a:ext>
             </a:extLst>
           </p:cNvPr>
@@ -1951,7 +2878,7 @@
           <a:p>
             <a:fld id="{C9410864-F8D5-4059-A84B-1414294ACF8F}" type="datetimeFigureOut">
               <a:rPr lang="es-ES" smtClean="0"/>
-              <a:t>16/08/2024</a:t>
+              <a:t>20/08/2024</a:t>
             </a:fld>
             <a:endParaRPr lang="es-ES"/>
           </a:p>
@@ -1962,7 +2889,7 @@
           <p:cNvPr id="4" name="Marcador de pie de página 3">
             <a:extLst>
               <a:ext uri="{FF2B5EF4-FFF2-40B4-BE49-F238E27FC236}">
-                <a16:creationId xmlns:a16="http://schemas.microsoft.com/office/drawing/2014/main" id="{C70B990C-5300-EEBE-8759-99D958285439}"/>
+                <a16:creationId xmlns:a16="http://schemas.microsoft.com/office/drawing/2014/main" id="{78486F7A-5F55-765C-BD0B-1F09EC461FDE}"/>
               </a:ext>
             </a:extLst>
           </p:cNvPr>
@@ -1987,7 +2914,7 @@
           <p:cNvPr id="5" name="Marcador de número de diapositiva 4">
             <a:extLst>
               <a:ext uri="{FF2B5EF4-FFF2-40B4-BE49-F238E27FC236}">
-                <a16:creationId xmlns:a16="http://schemas.microsoft.com/office/drawing/2014/main" id="{DC33D76D-ED2C-F782-02AA-7F78F0CE453F}"/>
+                <a16:creationId xmlns:a16="http://schemas.microsoft.com/office/drawing/2014/main" id="{19C013A2-CF5C-0DE3-2B5F-E4B8C1B07559}"/>
               </a:ext>
             </a:extLst>
           </p:cNvPr>
@@ -2014,7 +2941,7 @@
     </p:spTree>
     <p:extLst>
       <p:ext uri="{BB962C8B-B14F-4D97-AF65-F5344CB8AC3E}">
-        <p14:creationId xmlns:p14="http://schemas.microsoft.com/office/powerpoint/2010/main" val="643148911"/>
+        <p14:creationId xmlns:p14="http://schemas.microsoft.com/office/powerpoint/2010/main" val="2354190201"/>
       </p:ext>
     </p:extLst>
   </p:cSld>
@@ -2046,7 +2973,7 @@
           <p:cNvPr id="2" name="Marcador de fecha 1">
             <a:extLst>
               <a:ext uri="{FF2B5EF4-FFF2-40B4-BE49-F238E27FC236}">
-                <a16:creationId xmlns:a16="http://schemas.microsoft.com/office/drawing/2014/main" id="{35DDC6C4-9E00-48C8-6A9B-9AC73FF20FFF}"/>
+                <a16:creationId xmlns:a16="http://schemas.microsoft.com/office/drawing/2014/main" id="{C66EB9CF-9BF5-3A46-D4D0-8E4D65C84907}"/>
               </a:ext>
             </a:extLst>
           </p:cNvPr>
@@ -2064,7 +2991,7 @@
           <a:p>
             <a:fld id="{C9410864-F8D5-4059-A84B-1414294ACF8F}" type="datetimeFigureOut">
               <a:rPr lang="es-ES" smtClean="0"/>
-              <a:t>16/08/2024</a:t>
+              <a:t>20/08/2024</a:t>
             </a:fld>
             <a:endParaRPr lang="es-ES"/>
           </a:p>
@@ -2075,7 +3002,7 @@
           <p:cNvPr id="3" name="Marcador de pie de página 2">
             <a:extLst>
               <a:ext uri="{FF2B5EF4-FFF2-40B4-BE49-F238E27FC236}">
-                <a16:creationId xmlns:a16="http://schemas.microsoft.com/office/drawing/2014/main" id="{DC3BF0F7-2F95-3B1C-304C-D11CA04C2E01}"/>
+                <a16:creationId xmlns:a16="http://schemas.microsoft.com/office/drawing/2014/main" id="{EE071633-FB4C-FF69-6AE7-49BD1190F823}"/>
               </a:ext>
             </a:extLst>
           </p:cNvPr>
@@ -2100,7 +3027,7 @@
           <p:cNvPr id="4" name="Marcador de número de diapositiva 3">
             <a:extLst>
               <a:ext uri="{FF2B5EF4-FFF2-40B4-BE49-F238E27FC236}">
-                <a16:creationId xmlns:a16="http://schemas.microsoft.com/office/drawing/2014/main" id="{AD9E6D52-8321-F493-0C62-56BA37539060}"/>
+                <a16:creationId xmlns:a16="http://schemas.microsoft.com/office/drawing/2014/main" id="{190EF61E-062A-1EC9-1363-74A0C321C1F9}"/>
               </a:ext>
             </a:extLst>
           </p:cNvPr>
@@ -2127,7 +3054,7 @@
     </p:spTree>
     <p:extLst>
       <p:ext uri="{BB962C8B-B14F-4D97-AF65-F5344CB8AC3E}">
-        <p14:creationId xmlns:p14="http://schemas.microsoft.com/office/powerpoint/2010/main" val="1235203083"/>
+        <p14:creationId xmlns:p14="http://schemas.microsoft.com/office/powerpoint/2010/main" val="1015103302"/>
       </p:ext>
     </p:extLst>
   </p:cSld>
@@ -2159,7 +3086,7 @@
           <p:cNvPr id="2" name="Título 1">
             <a:extLst>
               <a:ext uri="{FF2B5EF4-FFF2-40B4-BE49-F238E27FC236}">
-                <a16:creationId xmlns:a16="http://schemas.microsoft.com/office/drawing/2014/main" id="{695D8BB9-D278-6011-CF3D-D132C26CC8D4}"/>
+                <a16:creationId xmlns:a16="http://schemas.microsoft.com/office/drawing/2014/main" id="{DD238210-3EF1-5EF0-0FC8-472C2BF08480}"/>
               </a:ext>
             </a:extLst>
           </p:cNvPr>
@@ -2196,7 +3123,7 @@
           <p:cNvPr id="3" name="Marcador de contenido 2">
             <a:extLst>
               <a:ext uri="{FF2B5EF4-FFF2-40B4-BE49-F238E27FC236}">
-                <a16:creationId xmlns:a16="http://schemas.microsoft.com/office/drawing/2014/main" id="{50F3803D-5A9E-D515-DEF6-E5BA6FC17648}"/>
+                <a16:creationId xmlns:a16="http://schemas.microsoft.com/office/drawing/2014/main" id="{B3A373E9-2248-4421-5128-40DEB4A62A85}"/>
               </a:ext>
             </a:extLst>
           </p:cNvPr>
@@ -2286,7 +3213,7 @@
           <p:cNvPr id="4" name="Marcador de texto 3">
             <a:extLst>
               <a:ext uri="{FF2B5EF4-FFF2-40B4-BE49-F238E27FC236}">
-                <a16:creationId xmlns:a16="http://schemas.microsoft.com/office/drawing/2014/main" id="{EBA1B328-ED76-142A-6712-697B400E65B3}"/>
+                <a16:creationId xmlns:a16="http://schemas.microsoft.com/office/drawing/2014/main" id="{38DEEA1E-E45B-5891-7E90-E3B98F7E4F9B}"/>
               </a:ext>
             </a:extLst>
           </p:cNvPr>
@@ -2357,7 +3284,7 @@
           <p:cNvPr id="5" name="Marcador de fecha 4">
             <a:extLst>
               <a:ext uri="{FF2B5EF4-FFF2-40B4-BE49-F238E27FC236}">
-                <a16:creationId xmlns:a16="http://schemas.microsoft.com/office/drawing/2014/main" id="{B39FC230-C828-1B32-F416-BD076B26D0A5}"/>
+                <a16:creationId xmlns:a16="http://schemas.microsoft.com/office/drawing/2014/main" id="{8F85C32B-8014-2CFE-CD20-BACC6BB0A4D1}"/>
               </a:ext>
             </a:extLst>
           </p:cNvPr>
@@ -2375,7 +3302,7 @@
           <a:p>
             <a:fld id="{C9410864-F8D5-4059-A84B-1414294ACF8F}" type="datetimeFigureOut">
               <a:rPr lang="es-ES" smtClean="0"/>
-              <a:t>16/08/2024</a:t>
+              <a:t>20/08/2024</a:t>
             </a:fld>
             <a:endParaRPr lang="es-ES"/>
           </a:p>
@@ -2386,7 +3313,7 @@
           <p:cNvPr id="6" name="Marcador de pie de página 5">
             <a:extLst>
               <a:ext uri="{FF2B5EF4-FFF2-40B4-BE49-F238E27FC236}">
-                <a16:creationId xmlns:a16="http://schemas.microsoft.com/office/drawing/2014/main" id="{D7E158F2-1937-3ECE-8927-CD890DE3ACF8}"/>
+                <a16:creationId xmlns:a16="http://schemas.microsoft.com/office/drawing/2014/main" id="{CCACB160-C446-CD67-7CD3-1CCC8DD16830}"/>
               </a:ext>
             </a:extLst>
           </p:cNvPr>
@@ -2411,7 +3338,7 @@
           <p:cNvPr id="7" name="Marcador de número de diapositiva 6">
             <a:extLst>
               <a:ext uri="{FF2B5EF4-FFF2-40B4-BE49-F238E27FC236}">
-                <a16:creationId xmlns:a16="http://schemas.microsoft.com/office/drawing/2014/main" id="{E4EAA5BC-EC87-1DFE-48D4-7DC47EC8A297}"/>
+                <a16:creationId xmlns:a16="http://schemas.microsoft.com/office/drawing/2014/main" id="{78C6D5CA-0363-E6D9-38E0-74F179F2FE92}"/>
               </a:ext>
             </a:extLst>
           </p:cNvPr>
@@ -2438,7 +3365,7 @@
     </p:spTree>
     <p:extLst>
       <p:ext uri="{BB962C8B-B14F-4D97-AF65-F5344CB8AC3E}">
-        <p14:creationId xmlns:p14="http://schemas.microsoft.com/office/powerpoint/2010/main" val="3910766793"/>
+        <p14:creationId xmlns:p14="http://schemas.microsoft.com/office/powerpoint/2010/main" val="978041661"/>
       </p:ext>
     </p:extLst>
   </p:cSld>
@@ -2470,7 +3397,7 @@
           <p:cNvPr id="2" name="Título 1">
             <a:extLst>
               <a:ext uri="{FF2B5EF4-FFF2-40B4-BE49-F238E27FC236}">
-                <a16:creationId xmlns:a16="http://schemas.microsoft.com/office/drawing/2014/main" id="{B66F2EDA-FBD0-70B4-1E22-3C4A724D0FB3}"/>
+                <a16:creationId xmlns:a16="http://schemas.microsoft.com/office/drawing/2014/main" id="{A21529BC-0855-E34D-DB43-579AF840FEE8}"/>
               </a:ext>
             </a:extLst>
           </p:cNvPr>
@@ -2507,7 +3434,7 @@
           <p:cNvPr id="3" name="Marcador de posición de imagen 2">
             <a:extLst>
               <a:ext uri="{FF2B5EF4-FFF2-40B4-BE49-F238E27FC236}">
-                <a16:creationId xmlns:a16="http://schemas.microsoft.com/office/drawing/2014/main" id="{C5053F92-9182-74CF-56ED-7638BD1E8C0A}"/>
+                <a16:creationId xmlns:a16="http://schemas.microsoft.com/office/drawing/2014/main" id="{C2801696-8721-6D8E-F816-F1CA03F760C8}"/>
               </a:ext>
             </a:extLst>
           </p:cNvPr>
@@ -2574,7 +3501,7 @@
           <p:cNvPr id="4" name="Marcador de texto 3">
             <a:extLst>
               <a:ext uri="{FF2B5EF4-FFF2-40B4-BE49-F238E27FC236}">
-                <a16:creationId xmlns:a16="http://schemas.microsoft.com/office/drawing/2014/main" id="{C8BD7C05-6BEC-C8D7-CEFA-E6C5A3A6B842}"/>
+                <a16:creationId xmlns:a16="http://schemas.microsoft.com/office/drawing/2014/main" id="{CF6F698F-BF17-F54E-12EA-BF12EB1DAE1A}"/>
               </a:ext>
             </a:extLst>
           </p:cNvPr>
@@ -2645,7 +3572,7 @@
           <p:cNvPr id="5" name="Marcador de fecha 4">
             <a:extLst>
               <a:ext uri="{FF2B5EF4-FFF2-40B4-BE49-F238E27FC236}">
-                <a16:creationId xmlns:a16="http://schemas.microsoft.com/office/drawing/2014/main" id="{7F764B0C-A623-A2B5-EC39-5676FAE1D8EA}"/>
+                <a16:creationId xmlns:a16="http://schemas.microsoft.com/office/drawing/2014/main" id="{1655F219-1BDF-8F14-C475-9901FAE9FA7C}"/>
               </a:ext>
             </a:extLst>
           </p:cNvPr>
@@ -2663,7 +3590,7 @@
           <a:p>
             <a:fld id="{C9410864-F8D5-4059-A84B-1414294ACF8F}" type="datetimeFigureOut">
               <a:rPr lang="es-ES" smtClean="0"/>
-              <a:t>16/08/2024</a:t>
+              <a:t>20/08/2024</a:t>
             </a:fld>
             <a:endParaRPr lang="es-ES"/>
           </a:p>
@@ -2674,7 +3601,7 @@
           <p:cNvPr id="6" name="Marcador de pie de página 5">
             <a:extLst>
               <a:ext uri="{FF2B5EF4-FFF2-40B4-BE49-F238E27FC236}">
-                <a16:creationId xmlns:a16="http://schemas.microsoft.com/office/drawing/2014/main" id="{DBB43157-404E-DE68-52D4-6E7A6D26E29C}"/>
+                <a16:creationId xmlns:a16="http://schemas.microsoft.com/office/drawing/2014/main" id="{DC7A66D2-AAFF-129B-090E-0544632A5DF5}"/>
               </a:ext>
             </a:extLst>
           </p:cNvPr>
@@ -2699,7 +3626,7 @@
           <p:cNvPr id="7" name="Marcador de número de diapositiva 6">
             <a:extLst>
               <a:ext uri="{FF2B5EF4-FFF2-40B4-BE49-F238E27FC236}">
-                <a16:creationId xmlns:a16="http://schemas.microsoft.com/office/drawing/2014/main" id="{D1844EB8-B949-D1E5-B4E9-9F58929E9920}"/>
+                <a16:creationId xmlns:a16="http://schemas.microsoft.com/office/drawing/2014/main" id="{37DA68BC-B0F7-323F-227F-47EF6B55CAD6}"/>
               </a:ext>
             </a:extLst>
           </p:cNvPr>
@@ -2726,7 +3653,7 @@
     </p:spTree>
     <p:extLst>
       <p:ext uri="{BB962C8B-B14F-4D97-AF65-F5344CB8AC3E}">
-        <p14:creationId xmlns:p14="http://schemas.microsoft.com/office/powerpoint/2010/main" val="131536913"/>
+        <p14:creationId xmlns:p14="http://schemas.microsoft.com/office/powerpoint/2010/main" val="1789976536"/>
       </p:ext>
     </p:extLst>
   </p:cSld>
@@ -2763,7 +3690,7 @@
           <p:cNvPr id="2" name="Marcador de título 1">
             <a:extLst>
               <a:ext uri="{FF2B5EF4-FFF2-40B4-BE49-F238E27FC236}">
-                <a16:creationId xmlns:a16="http://schemas.microsoft.com/office/drawing/2014/main" id="{586F7D85-9BA3-B03E-6CA8-76096F0290F0}"/>
+                <a16:creationId xmlns:a16="http://schemas.microsoft.com/office/drawing/2014/main" id="{EA8FCB36-5B23-A16B-73B4-FB17884A28D3}"/>
               </a:ext>
             </a:extLst>
           </p:cNvPr>
@@ -2801,7 +3728,7 @@
           <p:cNvPr id="3" name="Marcador de texto 2">
             <a:extLst>
               <a:ext uri="{FF2B5EF4-FFF2-40B4-BE49-F238E27FC236}">
-                <a16:creationId xmlns:a16="http://schemas.microsoft.com/office/drawing/2014/main" id="{323C56EC-9733-4588-8E77-73B87740EF1E}"/>
+                <a16:creationId xmlns:a16="http://schemas.microsoft.com/office/drawing/2014/main" id="{4EDA0867-29A5-629F-9707-84F3CB5727EA}"/>
               </a:ext>
             </a:extLst>
           </p:cNvPr>
@@ -2868,7 +3795,7 @@
           <p:cNvPr id="4" name="Marcador de fecha 3">
             <a:extLst>
               <a:ext uri="{FF2B5EF4-FFF2-40B4-BE49-F238E27FC236}">
-                <a16:creationId xmlns:a16="http://schemas.microsoft.com/office/drawing/2014/main" id="{684B842D-5AC9-B4F4-E1F2-FEEC6EDBAF8D}"/>
+                <a16:creationId xmlns:a16="http://schemas.microsoft.com/office/drawing/2014/main" id="{00EB7795-0990-CCC4-6C7D-91F438DE757A}"/>
               </a:ext>
             </a:extLst>
           </p:cNvPr>
@@ -2904,7 +3831,7 @@
           <a:p>
             <a:fld id="{C9410864-F8D5-4059-A84B-1414294ACF8F}" type="datetimeFigureOut">
               <a:rPr lang="es-ES" smtClean="0"/>
-              <a:t>16/08/2024</a:t>
+              <a:t>20/08/2024</a:t>
             </a:fld>
             <a:endParaRPr lang="es-ES"/>
           </a:p>
@@ -2915,7 +3842,7 @@
           <p:cNvPr id="5" name="Marcador de pie de página 4">
             <a:extLst>
               <a:ext uri="{FF2B5EF4-FFF2-40B4-BE49-F238E27FC236}">
-                <a16:creationId xmlns:a16="http://schemas.microsoft.com/office/drawing/2014/main" id="{AA21BC0E-8C39-CF1E-2808-D798E49B9AB3}"/>
+                <a16:creationId xmlns:a16="http://schemas.microsoft.com/office/drawing/2014/main" id="{DB71EB8C-6EF1-4EC2-ABBA-2C1C2131AE4A}"/>
               </a:ext>
             </a:extLst>
           </p:cNvPr>
@@ -2958,7 +3885,7 @@
           <p:cNvPr id="6" name="Marcador de número de diapositiva 5">
             <a:extLst>
               <a:ext uri="{FF2B5EF4-FFF2-40B4-BE49-F238E27FC236}">
-                <a16:creationId xmlns:a16="http://schemas.microsoft.com/office/drawing/2014/main" id="{AEE53258-3092-CFE8-B521-4B349B2F8EF9}"/>
+                <a16:creationId xmlns:a16="http://schemas.microsoft.com/office/drawing/2014/main" id="{167DCEBA-2EBF-F658-E658-D8F91AB95EB3}"/>
               </a:ext>
             </a:extLst>
           </p:cNvPr>
@@ -3003,23 +3930,23 @@
     </p:spTree>
     <p:extLst>
       <p:ext uri="{BB962C8B-B14F-4D97-AF65-F5344CB8AC3E}">
-        <p14:creationId xmlns:p14="http://schemas.microsoft.com/office/powerpoint/2010/main" val="2863276104"/>
+        <p14:creationId xmlns:p14="http://schemas.microsoft.com/office/powerpoint/2010/main" val="2356255431"/>
       </p:ext>
     </p:extLst>
   </p:cSld>
   <p:clrMap bg1="lt1" tx1="dk1" bg2="lt2" tx2="dk2" accent1="accent1" accent2="accent2" accent3="accent3" accent4="accent4" accent5="accent5" accent6="accent6" hlink="hlink" folHlink="folHlink"/>
   <p:sldLayoutIdLst>
-    <p:sldLayoutId id="2147483649" r:id="rId1"/>
-    <p:sldLayoutId id="2147483650" r:id="rId2"/>
-    <p:sldLayoutId id="2147483651" r:id="rId3"/>
-    <p:sldLayoutId id="2147483652" r:id="rId4"/>
-    <p:sldLayoutId id="2147483653" r:id="rId5"/>
-    <p:sldLayoutId id="2147483654" r:id="rId6"/>
-    <p:sldLayoutId id="2147483655" r:id="rId7"/>
-    <p:sldLayoutId id="2147483656" r:id="rId8"/>
-    <p:sldLayoutId id="2147483657" r:id="rId9"/>
-    <p:sldLayoutId id="2147483658" r:id="rId10"/>
-    <p:sldLayoutId id="2147483659" r:id="rId11"/>
+    <p:sldLayoutId id="2147483661" r:id="rId1"/>
+    <p:sldLayoutId id="2147483662" r:id="rId2"/>
+    <p:sldLayoutId id="2147483663" r:id="rId3"/>
+    <p:sldLayoutId id="2147483664" r:id="rId4"/>
+    <p:sldLayoutId id="2147483665" r:id="rId5"/>
+    <p:sldLayoutId id="2147483666" r:id="rId6"/>
+    <p:sldLayoutId id="2147483667" r:id="rId7"/>
+    <p:sldLayoutId id="2147483668" r:id="rId8"/>
+    <p:sldLayoutId id="2147483669" r:id="rId9"/>
+    <p:sldLayoutId id="2147483670" r:id="rId10"/>
+    <p:sldLayoutId id="2147483671" r:id="rId11"/>
   </p:sldLayoutIdLst>
   <p:txStyles>
     <p:titleStyle>
@@ -3307,6 +4234,425 @@
 <file path=ppt/slides/slide1.xml><?xml version="1.0" encoding="utf-8"?>
 <p:sld xmlns:a="http://schemas.openxmlformats.org/drawingml/2006/main" xmlns:r="http://schemas.openxmlformats.org/officeDocument/2006/relationships" xmlns:p="http://schemas.openxmlformats.org/presentationml/2006/main">
   <p:cSld>
+    <p:bg>
+      <p:bgPr>
+        <a:solidFill>
+          <a:schemeClr val="bg1"/>
+        </a:solidFill>
+        <a:effectLst/>
+      </p:bgPr>
+    </p:bg>
+    <p:spTree>
+      <p:nvGrpSpPr>
+        <p:cNvPr id="1" name=""/>
+        <p:cNvGrpSpPr/>
+        <p:nvPr/>
+      </p:nvGrpSpPr>
+      <p:grpSpPr>
+        <a:xfrm>
+          <a:off x="0" y="0"/>
+          <a:ext cx="0" cy="0"/>
+          <a:chOff x="0" y="0"/>
+          <a:chExt cx="0" cy="0"/>
+        </a:xfrm>
+      </p:grpSpPr>
+      <p:pic>
+        <p:nvPicPr>
+          <p:cNvPr id="3" name="Imagen 2">
+            <a:extLst>
+              <a:ext uri="{FF2B5EF4-FFF2-40B4-BE49-F238E27FC236}">
+                <a16:creationId xmlns:a16="http://schemas.microsoft.com/office/drawing/2014/main" id="{1AC56F17-2881-97AC-E020-B0EE530CBF55}"/>
+              </a:ext>
+            </a:extLst>
+          </p:cNvPr>
+          <p:cNvPicPr>
+            <a:picLocks noChangeAspect="1"/>
+          </p:cNvPicPr>
+          <p:nvPr/>
+        </p:nvPicPr>
+        <p:blipFill>
+          <a:blip r:embed="rId2"/>
+          <a:stretch>
+            <a:fillRect/>
+          </a:stretch>
+        </p:blipFill>
+        <p:spPr>
+          <a:xfrm>
+            <a:off x="904150" y="471383"/>
+            <a:ext cx="10383699" cy="1495634"/>
+          </a:xfrm>
+          <a:prstGeom prst="rect">
+            <a:avLst/>
+          </a:prstGeom>
+        </p:spPr>
+      </p:pic>
+      <p:sp>
+        <p:nvSpPr>
+          <p:cNvPr id="4" name="CuadroTexto 3">
+            <a:extLst>
+              <a:ext uri="{FF2B5EF4-FFF2-40B4-BE49-F238E27FC236}">
+                <a16:creationId xmlns:a16="http://schemas.microsoft.com/office/drawing/2014/main" id="{67F2B989-BA9F-48EF-E070-63E87F107896}"/>
+              </a:ext>
+            </a:extLst>
+          </p:cNvPr>
+          <p:cNvSpPr txBox="1"/>
+          <p:nvPr/>
+        </p:nvSpPr>
+        <p:spPr>
+          <a:xfrm>
+            <a:off x="9217231" y="5333117"/>
+            <a:ext cx="2699658" cy="1200329"/>
+          </a:xfrm>
+          <a:prstGeom prst="rect">
+            <a:avLst/>
+          </a:prstGeom>
+          <a:noFill/>
+        </p:spPr>
+        <p:txBody>
+          <a:bodyPr wrap="square" rtlCol="0">
+            <a:spAutoFit/>
+          </a:bodyPr>
+          <a:lstStyle/>
+          <a:p>
+            <a:pPr algn="ctr"/>
+            <a:r>
+              <a:rPr lang="es-ES" sz="2000" dirty="0">
+                <a:solidFill>
+                  <a:schemeClr val="tx2">
+                    <a:lumMod val="50000"/>
+                    <a:lumOff val="50000"/>
+                  </a:schemeClr>
+                </a:solidFill>
+                <a:latin typeface="Arial" panose="020B0604020202020204" pitchFamily="34" charset="0"/>
+                <a:cs typeface="Arial" panose="020B0604020202020204" pitchFamily="34" charset="0"/>
+              </a:rPr>
+              <a:t>Álvaro Puertas Puñal</a:t>
+            </a:r>
+          </a:p>
+          <a:p>
+            <a:pPr algn="ctr"/>
+            <a:r>
+              <a:rPr lang="es-ES" sz="2000" dirty="0">
+                <a:solidFill>
+                  <a:schemeClr val="tx2">
+                    <a:lumMod val="50000"/>
+                    <a:lumOff val="50000"/>
+                  </a:schemeClr>
+                </a:solidFill>
+                <a:latin typeface="Arial" panose="020B0604020202020204" pitchFamily="34" charset="0"/>
+                <a:cs typeface="Arial" panose="020B0604020202020204" pitchFamily="34" charset="0"/>
+              </a:rPr>
+              <a:t>Solution Architect</a:t>
+            </a:r>
+          </a:p>
+          <a:p>
+            <a:pPr algn="r"/>
+            <a:endParaRPr lang="es-ES" sz="2000" dirty="0">
+              <a:solidFill>
+                <a:schemeClr val="tx2">
+                  <a:lumMod val="50000"/>
+                  <a:lumOff val="50000"/>
+                </a:schemeClr>
+              </a:solidFill>
+              <a:latin typeface="Arial" panose="020B0604020202020204" pitchFamily="34" charset="0"/>
+              <a:cs typeface="Arial" panose="020B0604020202020204" pitchFamily="34" charset="0"/>
+            </a:endParaRPr>
+          </a:p>
+          <a:p>
+            <a:pPr algn="r"/>
+            <a:r>
+              <a:rPr lang="es-ES" sz="1200" dirty="0">
+                <a:solidFill>
+                  <a:schemeClr val="tx2">
+                    <a:lumMod val="50000"/>
+                    <a:lumOff val="50000"/>
+                  </a:schemeClr>
+                </a:solidFill>
+                <a:latin typeface="Arial" panose="020B0604020202020204" pitchFamily="34" charset="0"/>
+                <a:cs typeface="Arial" panose="020B0604020202020204" pitchFamily="34" charset="0"/>
+              </a:rPr>
+              <a:t>20 August 2024</a:t>
+            </a:r>
+          </a:p>
+        </p:txBody>
+      </p:sp>
+      <p:sp>
+        <p:nvSpPr>
+          <p:cNvPr id="6" name="CuadroTexto 5">
+            <a:extLst>
+              <a:ext uri="{FF2B5EF4-FFF2-40B4-BE49-F238E27FC236}">
+                <a16:creationId xmlns:a16="http://schemas.microsoft.com/office/drawing/2014/main" id="{82D30988-3B56-7307-070C-C8B93F8E3814}"/>
+              </a:ext>
+            </a:extLst>
+          </p:cNvPr>
+          <p:cNvSpPr txBox="1"/>
+          <p:nvPr/>
+        </p:nvSpPr>
+        <p:spPr>
+          <a:xfrm>
+            <a:off x="904150" y="2634403"/>
+            <a:ext cx="10383699" cy="1815882"/>
+          </a:xfrm>
+          <a:prstGeom prst="rect">
+            <a:avLst/>
+          </a:prstGeom>
+          <a:noFill/>
+        </p:spPr>
+        <p:txBody>
+          <a:bodyPr wrap="square" rtlCol="0">
+            <a:spAutoFit/>
+          </a:bodyPr>
+          <a:lstStyle/>
+          <a:p>
+            <a:r>
+              <a:rPr lang="es-ES" sz="3200" dirty="0">
+                <a:solidFill>
+                  <a:schemeClr val="tx2">
+                    <a:lumMod val="50000"/>
+                    <a:lumOff val="50000"/>
+                  </a:schemeClr>
+                </a:solidFill>
+                <a:latin typeface="Arial" panose="020B0604020202020204" pitchFamily="34" charset="0"/>
+                <a:cs typeface="Arial" panose="020B0604020202020204" pitchFamily="34" charset="0"/>
+              </a:rPr>
+              <a:t>New Triathlon </a:t>
+            </a:r>
+            <a:r>
+              <a:rPr lang="en-US" sz="3200" noProof="1">
+                <a:solidFill>
+                  <a:schemeClr val="tx2">
+                    <a:lumMod val="50000"/>
+                    <a:lumOff val="50000"/>
+                  </a:schemeClr>
+                </a:solidFill>
+                <a:latin typeface="Arial" panose="020B0604020202020204" pitchFamily="34" charset="0"/>
+                <a:cs typeface="Arial" panose="020B0604020202020204" pitchFamily="34" charset="0"/>
+              </a:rPr>
+              <a:t>Insurance</a:t>
+            </a:r>
+            <a:r>
+              <a:rPr lang="es-ES" sz="3200" dirty="0">
+                <a:solidFill>
+                  <a:schemeClr val="tx2">
+                    <a:lumMod val="50000"/>
+                    <a:lumOff val="50000"/>
+                  </a:schemeClr>
+                </a:solidFill>
+                <a:latin typeface="Arial" panose="020B0604020202020204" pitchFamily="34" charset="0"/>
+                <a:cs typeface="Arial" panose="020B0604020202020204" pitchFamily="34" charset="0"/>
+              </a:rPr>
+              <a:t> </a:t>
+            </a:r>
+            <a:r>
+              <a:rPr lang="es-ES" sz="3200" dirty="0" err="1">
+                <a:solidFill>
+                  <a:schemeClr val="tx2">
+                    <a:lumMod val="50000"/>
+                    <a:lumOff val="50000"/>
+                  </a:schemeClr>
+                </a:solidFill>
+                <a:latin typeface="Arial" panose="020B0604020202020204" pitchFamily="34" charset="0"/>
+                <a:cs typeface="Arial" panose="020B0604020202020204" pitchFamily="34" charset="0"/>
+              </a:rPr>
+              <a:t>Product</a:t>
+            </a:r>
+            <a:r>
+              <a:rPr lang="es-ES" sz="3200" dirty="0">
+                <a:solidFill>
+                  <a:schemeClr val="tx2">
+                    <a:lumMod val="50000"/>
+                    <a:lumOff val="50000"/>
+                  </a:schemeClr>
+                </a:solidFill>
+                <a:latin typeface="Arial" panose="020B0604020202020204" pitchFamily="34" charset="0"/>
+                <a:cs typeface="Arial" panose="020B0604020202020204" pitchFamily="34" charset="0"/>
+              </a:rPr>
+              <a:t> – </a:t>
+            </a:r>
+            <a:r>
+              <a:rPr lang="en-US" sz="3200" dirty="0">
+                <a:solidFill>
+                  <a:schemeClr val="tx2">
+                    <a:lumMod val="50000"/>
+                    <a:lumOff val="50000"/>
+                  </a:schemeClr>
+                </a:solidFill>
+                <a:latin typeface="Arial" panose="020B0604020202020204" pitchFamily="34" charset="0"/>
+                <a:cs typeface="Arial" panose="020B0604020202020204" pitchFamily="34" charset="0"/>
+              </a:rPr>
+              <a:t>Technical</a:t>
+            </a:r>
+            <a:r>
+              <a:rPr lang="es-ES" sz="3200" dirty="0">
+                <a:solidFill>
+                  <a:schemeClr val="tx2">
+                    <a:lumMod val="50000"/>
+                    <a:lumOff val="50000"/>
+                  </a:schemeClr>
+                </a:solidFill>
+                <a:latin typeface="Arial" panose="020B0604020202020204" pitchFamily="34" charset="0"/>
+                <a:cs typeface="Arial" panose="020B0604020202020204" pitchFamily="34" charset="0"/>
+              </a:rPr>
+              <a:t> Solution</a:t>
+            </a:r>
+          </a:p>
+          <a:p>
+            <a:endParaRPr lang="es-ES" sz="2000" dirty="0">
+              <a:solidFill>
+                <a:schemeClr val="tx2">
+                  <a:lumMod val="50000"/>
+                  <a:lumOff val="50000"/>
+                </a:schemeClr>
+              </a:solidFill>
+              <a:latin typeface="Arial" panose="020B0604020202020204" pitchFamily="34" charset="0"/>
+              <a:cs typeface="Arial" panose="020B0604020202020204" pitchFamily="34" charset="0"/>
+            </a:endParaRPr>
+          </a:p>
+          <a:p>
+            <a:endParaRPr lang="es-ES" sz="2000" dirty="0">
+              <a:solidFill>
+                <a:schemeClr val="tx2">
+                  <a:lumMod val="50000"/>
+                  <a:lumOff val="50000"/>
+                </a:schemeClr>
+              </a:solidFill>
+              <a:latin typeface="Arial" panose="020B0604020202020204" pitchFamily="34" charset="0"/>
+              <a:cs typeface="Arial" panose="020B0604020202020204" pitchFamily="34" charset="0"/>
+            </a:endParaRPr>
+          </a:p>
+          <a:p>
+            <a:endParaRPr lang="es-ES" sz="2000" dirty="0">
+              <a:solidFill>
+                <a:schemeClr val="tx2">
+                  <a:lumMod val="50000"/>
+                  <a:lumOff val="50000"/>
+                </a:schemeClr>
+              </a:solidFill>
+              <a:latin typeface="Arial" panose="020B0604020202020204" pitchFamily="34" charset="0"/>
+              <a:cs typeface="Arial" panose="020B0604020202020204" pitchFamily="34" charset="0"/>
+            </a:endParaRPr>
+          </a:p>
+          <a:p>
+            <a:r>
+              <a:rPr lang="en-US" sz="2000" dirty="0">
+                <a:solidFill>
+                  <a:schemeClr val="tx2">
+                    <a:lumMod val="50000"/>
+                    <a:lumOff val="50000"/>
+                  </a:schemeClr>
+                </a:solidFill>
+                <a:latin typeface="Arial" panose="020B0604020202020204" pitchFamily="34" charset="0"/>
+                <a:cs typeface="Arial" panose="020B0604020202020204" pitchFamily="34" charset="0"/>
+              </a:rPr>
+              <a:t>Presentation</a:t>
+            </a:r>
+            <a:r>
+              <a:rPr lang="es-ES" sz="2000" dirty="0">
+                <a:solidFill>
+                  <a:schemeClr val="tx2">
+                    <a:lumMod val="50000"/>
+                    <a:lumOff val="50000"/>
+                  </a:schemeClr>
+                </a:solidFill>
+                <a:latin typeface="Arial" panose="020B0604020202020204" pitchFamily="34" charset="0"/>
+                <a:cs typeface="Arial" panose="020B0604020202020204" pitchFamily="34" charset="0"/>
+              </a:rPr>
+              <a:t> </a:t>
+            </a:r>
+            <a:r>
+              <a:rPr lang="es-ES" sz="2000" dirty="0" err="1">
+                <a:solidFill>
+                  <a:schemeClr val="tx2">
+                    <a:lumMod val="50000"/>
+                    <a:lumOff val="50000"/>
+                  </a:schemeClr>
+                </a:solidFill>
+                <a:latin typeface="Arial" panose="020B0604020202020204" pitchFamily="34" charset="0"/>
+                <a:cs typeface="Arial" panose="020B0604020202020204" pitchFamily="34" charset="0"/>
+              </a:rPr>
+              <a:t>for</a:t>
+            </a:r>
+            <a:r>
+              <a:rPr lang="es-ES" sz="2000" dirty="0">
+                <a:solidFill>
+                  <a:schemeClr val="tx2">
+                    <a:lumMod val="50000"/>
+                    <a:lumOff val="50000"/>
+                  </a:schemeClr>
+                </a:solidFill>
+                <a:latin typeface="Arial" panose="020B0604020202020204" pitchFamily="34" charset="0"/>
+                <a:cs typeface="Arial" panose="020B0604020202020204" pitchFamily="34" charset="0"/>
+              </a:rPr>
+              <a:t> </a:t>
+            </a:r>
+            <a:r>
+              <a:rPr lang="es-ES" sz="2000" dirty="0" err="1">
+                <a:solidFill>
+                  <a:schemeClr val="tx2">
+                    <a:lumMod val="50000"/>
+                    <a:lumOff val="50000"/>
+                  </a:schemeClr>
+                </a:solidFill>
+                <a:latin typeface="Arial" panose="020B0604020202020204" pitchFamily="34" charset="0"/>
+                <a:cs typeface="Arial" panose="020B0604020202020204" pitchFamily="34" charset="0"/>
+              </a:rPr>
+              <a:t>the</a:t>
+            </a:r>
+            <a:r>
+              <a:rPr lang="es-ES" sz="2000" dirty="0">
+                <a:solidFill>
+                  <a:schemeClr val="tx2">
+                    <a:lumMod val="50000"/>
+                    <a:lumOff val="50000"/>
+                  </a:schemeClr>
+                </a:solidFill>
+                <a:latin typeface="Arial" panose="020B0604020202020204" pitchFamily="34" charset="0"/>
+                <a:cs typeface="Arial" panose="020B0604020202020204" pitchFamily="34" charset="0"/>
+              </a:rPr>
+              <a:t> Business </a:t>
+            </a:r>
+            <a:r>
+              <a:rPr lang="es-ES" sz="2000" dirty="0" err="1">
+                <a:solidFill>
+                  <a:schemeClr val="tx2">
+                    <a:lumMod val="50000"/>
+                    <a:lumOff val="50000"/>
+                  </a:schemeClr>
+                </a:solidFill>
+                <a:latin typeface="Arial" panose="020B0604020202020204" pitchFamily="34" charset="0"/>
+                <a:cs typeface="Arial" panose="020B0604020202020204" pitchFamily="34" charset="0"/>
+              </a:rPr>
+              <a:t>Stakeholders</a:t>
+            </a:r>
+            <a:endParaRPr lang="es-ES" sz="2000" dirty="0">
+              <a:solidFill>
+                <a:schemeClr val="tx2">
+                  <a:lumMod val="50000"/>
+                  <a:lumOff val="50000"/>
+                </a:schemeClr>
+              </a:solidFill>
+              <a:latin typeface="Arial" panose="020B0604020202020204" pitchFamily="34" charset="0"/>
+              <a:cs typeface="Arial" panose="020B0604020202020204" pitchFamily="34" charset="0"/>
+            </a:endParaRPr>
+          </a:p>
+        </p:txBody>
+      </p:sp>
+    </p:spTree>
+    <p:extLst>
+      <p:ext uri="{BB962C8B-B14F-4D97-AF65-F5344CB8AC3E}">
+        <p14:creationId xmlns:p14="http://schemas.microsoft.com/office/powerpoint/2010/main" val="3008461112"/>
+      </p:ext>
+    </p:extLst>
+  </p:cSld>
+  <p:clrMapOvr>
+    <a:masterClrMapping/>
+  </p:clrMapOvr>
+</p:sld>
+</file>
+
+<file path=ppt/slides/slide10.xml><?xml version="1.0" encoding="utf-8"?>
+<p:sld xmlns:a="http://schemas.openxmlformats.org/drawingml/2006/main" xmlns:r="http://schemas.openxmlformats.org/officeDocument/2006/relationships" xmlns:p="http://schemas.openxmlformats.org/presentationml/2006/main">
+  <p:cSld>
     <p:spTree>
       <p:nvGrpSpPr>
         <p:cNvPr id="1" name=""/>
@@ -3351,16 +4697,2619 @@
           </a:prstGeom>
         </p:spPr>
       </p:pic>
+      <p:pic>
+        <p:nvPicPr>
+          <p:cNvPr id="7" name="Imagen 6">
+            <a:extLst>
+              <a:ext uri="{FF2B5EF4-FFF2-40B4-BE49-F238E27FC236}">
+                <a16:creationId xmlns:a16="http://schemas.microsoft.com/office/drawing/2014/main" id="{B4F43EEF-432D-50E5-0448-D4090F319F8C}"/>
+              </a:ext>
+            </a:extLst>
+          </p:cNvPr>
+          <p:cNvPicPr>
+            <a:picLocks noChangeAspect="1"/>
+          </p:cNvPicPr>
+          <p:nvPr/>
+        </p:nvPicPr>
+        <p:blipFill>
+          <a:blip r:embed="rId3"/>
+          <a:stretch>
+            <a:fillRect/>
+          </a:stretch>
+        </p:blipFill>
+        <p:spPr>
+          <a:xfrm>
+            <a:off x="1650670" y="1018420"/>
+            <a:ext cx="8526968" cy="5839580"/>
+          </a:xfrm>
+          <a:prstGeom prst="rect">
+            <a:avLst/>
+          </a:prstGeom>
+        </p:spPr>
+      </p:pic>
+      <p:sp>
+        <p:nvSpPr>
+          <p:cNvPr id="10" name="CuadroTexto 9">
+            <a:extLst>
+              <a:ext uri="{FF2B5EF4-FFF2-40B4-BE49-F238E27FC236}">
+                <a16:creationId xmlns:a16="http://schemas.microsoft.com/office/drawing/2014/main" id="{12BBAD2E-9A6E-76ED-044E-74C470EF60C9}"/>
+              </a:ext>
+            </a:extLst>
+          </p:cNvPr>
+          <p:cNvSpPr txBox="1"/>
+          <p:nvPr/>
+        </p:nvSpPr>
+        <p:spPr>
+          <a:xfrm>
+            <a:off x="4422832" y="3164839"/>
+            <a:ext cx="3931920" cy="369332"/>
+          </a:xfrm>
+          <a:prstGeom prst="rect">
+            <a:avLst/>
+          </a:prstGeom>
+          <a:noFill/>
+        </p:spPr>
+        <p:txBody>
+          <a:bodyPr wrap="square" rtlCol="0">
+            <a:spAutoFit/>
+          </a:bodyPr>
+          <a:lstStyle/>
+          <a:p>
+            <a:r>
+              <a:rPr lang="en-US" dirty="0">
+                <a:solidFill>
+                  <a:schemeClr val="tx2">
+                    <a:lumMod val="50000"/>
+                    <a:lumOff val="50000"/>
+                  </a:schemeClr>
+                </a:solidFill>
+                <a:sym typeface="Wingdings" panose="05000000000000000000" pitchFamily="2" charset="2"/>
+              </a:rPr>
+              <a:t> </a:t>
+            </a:r>
+            <a:r>
+              <a:rPr lang="en-US" dirty="0">
+                <a:solidFill>
+                  <a:schemeClr val="tx2">
+                    <a:lumMod val="50000"/>
+                    <a:lumOff val="50000"/>
+                  </a:schemeClr>
+                </a:solidFill>
+              </a:rPr>
+              <a:t>Step 1 : Select the event</a:t>
+            </a:r>
+          </a:p>
+        </p:txBody>
+      </p:sp>
+      <p:pic>
+        <p:nvPicPr>
+          <p:cNvPr id="12" name="Imagen 11">
+            <a:extLst>
+              <a:ext uri="{FF2B5EF4-FFF2-40B4-BE49-F238E27FC236}">
+                <a16:creationId xmlns:a16="http://schemas.microsoft.com/office/drawing/2014/main" id="{49D50E83-81AD-E897-EC09-014FB8BB13AA}"/>
+              </a:ext>
+            </a:extLst>
+          </p:cNvPr>
+          <p:cNvPicPr>
+            <a:picLocks noChangeAspect="1"/>
+          </p:cNvPicPr>
+          <p:nvPr/>
+        </p:nvPicPr>
+        <p:blipFill>
+          <a:blip r:embed="rId4"/>
+          <a:stretch>
+            <a:fillRect/>
+          </a:stretch>
+        </p:blipFill>
+        <p:spPr>
+          <a:xfrm>
+            <a:off x="1650670" y="3062618"/>
+            <a:ext cx="2772162" cy="943107"/>
+          </a:xfrm>
+          <a:prstGeom prst="rect">
+            <a:avLst/>
+          </a:prstGeom>
+        </p:spPr>
+      </p:pic>
     </p:spTree>
     <p:extLst>
       <p:ext uri="{BB962C8B-B14F-4D97-AF65-F5344CB8AC3E}">
-        <p14:creationId xmlns:p14="http://schemas.microsoft.com/office/powerpoint/2010/main" val="3008461112"/>
+        <p14:creationId xmlns:p14="http://schemas.microsoft.com/office/powerpoint/2010/main" val="3856869341"/>
       </p:ext>
     </p:extLst>
   </p:cSld>
   <p:clrMapOvr>
     <a:masterClrMapping/>
   </p:clrMapOvr>
+  <mc:AlternateContent xmlns:mc="http://schemas.openxmlformats.org/markup-compatibility/2006" xmlns:p159="http://schemas.microsoft.com/office/powerpoint/2015/09/main">
+    <mc:Choice Requires="p159">
+      <p:transition xmlns:p14="http://schemas.microsoft.com/office/powerpoint/2010/main" spd="slow" p14:dur="2000">
+        <p159:morph option="byObject"/>
+      </p:transition>
+    </mc:Choice>
+    <mc:Fallback xmlns="">
+      <p:transition spd="slow">
+        <p:fade/>
+      </p:transition>
+    </mc:Fallback>
+  </mc:AlternateContent>
+</p:sld>
+</file>
+
+<file path=ppt/slides/slide11.xml><?xml version="1.0" encoding="utf-8"?>
+<p:sld xmlns:a="http://schemas.openxmlformats.org/drawingml/2006/main" xmlns:r="http://schemas.openxmlformats.org/officeDocument/2006/relationships" xmlns:p="http://schemas.openxmlformats.org/presentationml/2006/main">
+  <p:cSld>
+    <p:spTree>
+      <p:nvGrpSpPr>
+        <p:cNvPr id="1" name=""/>
+        <p:cNvGrpSpPr/>
+        <p:nvPr/>
+      </p:nvGrpSpPr>
+      <p:grpSpPr>
+        <a:xfrm>
+          <a:off x="0" y="0"/>
+          <a:ext cx="0" cy="0"/>
+          <a:chOff x="0" y="0"/>
+          <a:chExt cx="0" cy="0"/>
+        </a:xfrm>
+      </p:grpSpPr>
+      <p:pic>
+        <p:nvPicPr>
+          <p:cNvPr id="5" name="Imagen 4">
+            <a:extLst>
+              <a:ext uri="{FF2B5EF4-FFF2-40B4-BE49-F238E27FC236}">
+                <a16:creationId xmlns:a16="http://schemas.microsoft.com/office/drawing/2014/main" id="{174D030F-4697-BA08-B86C-5954C029D3EB}"/>
+              </a:ext>
+            </a:extLst>
+          </p:cNvPr>
+          <p:cNvPicPr>
+            <a:picLocks noChangeAspect="1"/>
+          </p:cNvPicPr>
+          <p:nvPr/>
+        </p:nvPicPr>
+        <p:blipFill>
+          <a:blip r:embed="rId2"/>
+          <a:stretch>
+            <a:fillRect/>
+          </a:stretch>
+        </p:blipFill>
+        <p:spPr>
+          <a:xfrm>
+            <a:off x="271352" y="288108"/>
+            <a:ext cx="2457793" cy="771633"/>
+          </a:xfrm>
+          <a:prstGeom prst="rect">
+            <a:avLst/>
+          </a:prstGeom>
+        </p:spPr>
+      </p:pic>
+      <p:pic>
+        <p:nvPicPr>
+          <p:cNvPr id="7" name="Imagen 6">
+            <a:extLst>
+              <a:ext uri="{FF2B5EF4-FFF2-40B4-BE49-F238E27FC236}">
+                <a16:creationId xmlns:a16="http://schemas.microsoft.com/office/drawing/2014/main" id="{B4F43EEF-432D-50E5-0448-D4090F319F8C}"/>
+              </a:ext>
+            </a:extLst>
+          </p:cNvPr>
+          <p:cNvPicPr>
+            <a:picLocks noChangeAspect="1"/>
+          </p:cNvPicPr>
+          <p:nvPr/>
+        </p:nvPicPr>
+        <p:blipFill>
+          <a:blip r:embed="rId3"/>
+          <a:stretch>
+            <a:fillRect/>
+          </a:stretch>
+        </p:blipFill>
+        <p:spPr>
+          <a:xfrm>
+            <a:off x="1650670" y="1018420"/>
+            <a:ext cx="8526968" cy="5839580"/>
+          </a:xfrm>
+          <a:prstGeom prst="rect">
+            <a:avLst/>
+          </a:prstGeom>
+        </p:spPr>
+      </p:pic>
+      <p:sp>
+        <p:nvSpPr>
+          <p:cNvPr id="10" name="CuadroTexto 9">
+            <a:extLst>
+              <a:ext uri="{FF2B5EF4-FFF2-40B4-BE49-F238E27FC236}">
+                <a16:creationId xmlns:a16="http://schemas.microsoft.com/office/drawing/2014/main" id="{12BBAD2E-9A6E-76ED-044E-74C470EF60C9}"/>
+              </a:ext>
+            </a:extLst>
+          </p:cNvPr>
+          <p:cNvSpPr txBox="1"/>
+          <p:nvPr/>
+        </p:nvSpPr>
+        <p:spPr>
+          <a:xfrm>
+            <a:off x="4422832" y="3753544"/>
+            <a:ext cx="3931920" cy="369332"/>
+          </a:xfrm>
+          <a:prstGeom prst="rect">
+            <a:avLst/>
+          </a:prstGeom>
+          <a:noFill/>
+        </p:spPr>
+        <p:txBody>
+          <a:bodyPr wrap="square" rtlCol="0">
+            <a:spAutoFit/>
+          </a:bodyPr>
+          <a:lstStyle/>
+          <a:p>
+            <a:r>
+              <a:rPr lang="en-US" dirty="0">
+                <a:solidFill>
+                  <a:schemeClr val="tx2">
+                    <a:lumMod val="50000"/>
+                    <a:lumOff val="50000"/>
+                  </a:schemeClr>
+                </a:solidFill>
+                <a:sym typeface="Wingdings" panose="05000000000000000000" pitchFamily="2" charset="2"/>
+              </a:rPr>
+              <a:t> </a:t>
+            </a:r>
+            <a:r>
+              <a:rPr lang="en-US" dirty="0">
+                <a:solidFill>
+                  <a:schemeClr val="tx2">
+                    <a:lumMod val="50000"/>
+                    <a:lumOff val="50000"/>
+                  </a:schemeClr>
+                </a:solidFill>
+              </a:rPr>
+              <a:t>Step 2 : Select the bike (optional)</a:t>
+            </a:r>
+          </a:p>
+        </p:txBody>
+      </p:sp>
+      <p:pic>
+        <p:nvPicPr>
+          <p:cNvPr id="3" name="Imagen 2">
+            <a:extLst>
+              <a:ext uri="{FF2B5EF4-FFF2-40B4-BE49-F238E27FC236}">
+                <a16:creationId xmlns:a16="http://schemas.microsoft.com/office/drawing/2014/main" id="{98916A5A-20CD-9933-1BD2-51D67F277EB7}"/>
+              </a:ext>
+            </a:extLst>
+          </p:cNvPr>
+          <p:cNvPicPr>
+            <a:picLocks noChangeAspect="1"/>
+          </p:cNvPicPr>
+          <p:nvPr/>
+        </p:nvPicPr>
+        <p:blipFill>
+          <a:blip r:embed="rId4"/>
+          <a:stretch>
+            <a:fillRect/>
+          </a:stretch>
+        </p:blipFill>
+        <p:spPr>
+          <a:xfrm>
+            <a:off x="1736250" y="3673082"/>
+            <a:ext cx="2257740" cy="1076475"/>
+          </a:xfrm>
+          <a:prstGeom prst="rect">
+            <a:avLst/>
+          </a:prstGeom>
+        </p:spPr>
+      </p:pic>
+    </p:spTree>
+    <p:extLst>
+      <p:ext uri="{BB962C8B-B14F-4D97-AF65-F5344CB8AC3E}">
+        <p14:creationId xmlns:p14="http://schemas.microsoft.com/office/powerpoint/2010/main" val="2833613996"/>
+      </p:ext>
+    </p:extLst>
+  </p:cSld>
+  <p:clrMapOvr>
+    <a:masterClrMapping/>
+  </p:clrMapOvr>
+  <mc:AlternateContent xmlns:mc="http://schemas.openxmlformats.org/markup-compatibility/2006" xmlns:p159="http://schemas.microsoft.com/office/powerpoint/2015/09/main">
+    <mc:Choice Requires="p159">
+      <p:transition xmlns:p14="http://schemas.microsoft.com/office/powerpoint/2010/main" spd="slow" p14:dur="2000">
+        <p159:morph option="byObject"/>
+      </p:transition>
+    </mc:Choice>
+    <mc:Fallback xmlns="">
+      <p:transition spd="slow">
+        <p:fade/>
+      </p:transition>
+    </mc:Fallback>
+  </mc:AlternateContent>
+</p:sld>
+</file>
+
+<file path=ppt/slides/slide12.xml><?xml version="1.0" encoding="utf-8"?>
+<p:sld xmlns:a="http://schemas.openxmlformats.org/drawingml/2006/main" xmlns:r="http://schemas.openxmlformats.org/officeDocument/2006/relationships" xmlns:p="http://schemas.openxmlformats.org/presentationml/2006/main">
+  <p:cSld>
+    <p:spTree>
+      <p:nvGrpSpPr>
+        <p:cNvPr id="1" name=""/>
+        <p:cNvGrpSpPr/>
+        <p:nvPr/>
+      </p:nvGrpSpPr>
+      <p:grpSpPr>
+        <a:xfrm>
+          <a:off x="0" y="0"/>
+          <a:ext cx="0" cy="0"/>
+          <a:chOff x="0" y="0"/>
+          <a:chExt cx="0" cy="0"/>
+        </a:xfrm>
+      </p:grpSpPr>
+      <p:pic>
+        <p:nvPicPr>
+          <p:cNvPr id="5" name="Imagen 4">
+            <a:extLst>
+              <a:ext uri="{FF2B5EF4-FFF2-40B4-BE49-F238E27FC236}">
+                <a16:creationId xmlns:a16="http://schemas.microsoft.com/office/drawing/2014/main" id="{174D030F-4697-BA08-B86C-5954C029D3EB}"/>
+              </a:ext>
+            </a:extLst>
+          </p:cNvPr>
+          <p:cNvPicPr>
+            <a:picLocks noChangeAspect="1"/>
+          </p:cNvPicPr>
+          <p:nvPr/>
+        </p:nvPicPr>
+        <p:blipFill>
+          <a:blip r:embed="rId2"/>
+          <a:stretch>
+            <a:fillRect/>
+          </a:stretch>
+        </p:blipFill>
+        <p:spPr>
+          <a:xfrm>
+            <a:off x="271352" y="288108"/>
+            <a:ext cx="2457793" cy="771633"/>
+          </a:xfrm>
+          <a:prstGeom prst="rect">
+            <a:avLst/>
+          </a:prstGeom>
+        </p:spPr>
+      </p:pic>
+      <p:pic>
+        <p:nvPicPr>
+          <p:cNvPr id="7" name="Imagen 6">
+            <a:extLst>
+              <a:ext uri="{FF2B5EF4-FFF2-40B4-BE49-F238E27FC236}">
+                <a16:creationId xmlns:a16="http://schemas.microsoft.com/office/drawing/2014/main" id="{B4F43EEF-432D-50E5-0448-D4090F319F8C}"/>
+              </a:ext>
+            </a:extLst>
+          </p:cNvPr>
+          <p:cNvPicPr>
+            <a:picLocks noChangeAspect="1"/>
+          </p:cNvPicPr>
+          <p:nvPr/>
+        </p:nvPicPr>
+        <p:blipFill>
+          <a:blip r:embed="rId3"/>
+          <a:stretch>
+            <a:fillRect/>
+          </a:stretch>
+        </p:blipFill>
+        <p:spPr>
+          <a:xfrm>
+            <a:off x="1650670" y="1018420"/>
+            <a:ext cx="8526968" cy="5839580"/>
+          </a:xfrm>
+          <a:prstGeom prst="rect">
+            <a:avLst/>
+          </a:prstGeom>
+        </p:spPr>
+      </p:pic>
+      <p:sp>
+        <p:nvSpPr>
+          <p:cNvPr id="10" name="CuadroTexto 9">
+            <a:extLst>
+              <a:ext uri="{FF2B5EF4-FFF2-40B4-BE49-F238E27FC236}">
+                <a16:creationId xmlns:a16="http://schemas.microsoft.com/office/drawing/2014/main" id="{12BBAD2E-9A6E-76ED-044E-74C470EF60C9}"/>
+              </a:ext>
+            </a:extLst>
+          </p:cNvPr>
+          <p:cNvSpPr txBox="1"/>
+          <p:nvPr/>
+        </p:nvSpPr>
+        <p:spPr>
+          <a:xfrm>
+            <a:off x="4341552" y="4352984"/>
+            <a:ext cx="5117408" cy="369332"/>
+          </a:xfrm>
+          <a:prstGeom prst="rect">
+            <a:avLst/>
+          </a:prstGeom>
+          <a:noFill/>
+        </p:spPr>
+        <p:txBody>
+          <a:bodyPr wrap="square" rtlCol="0">
+            <a:spAutoFit/>
+          </a:bodyPr>
+          <a:lstStyle/>
+          <a:p>
+            <a:r>
+              <a:rPr lang="en-US" dirty="0">
+                <a:solidFill>
+                  <a:schemeClr val="tx2">
+                    <a:lumMod val="50000"/>
+                    <a:lumOff val="50000"/>
+                  </a:schemeClr>
+                </a:solidFill>
+                <a:sym typeface="Wingdings" panose="05000000000000000000" pitchFamily="2" charset="2"/>
+              </a:rPr>
+              <a:t> </a:t>
+            </a:r>
+            <a:r>
+              <a:rPr lang="en-US" dirty="0">
+                <a:solidFill>
+                  <a:schemeClr val="tx2">
+                    <a:lumMod val="50000"/>
+                    <a:lumOff val="50000"/>
+                  </a:schemeClr>
+                </a:solidFill>
+              </a:rPr>
+              <a:t>Step 3 : Select the wetsuit (optional)</a:t>
+            </a:r>
+          </a:p>
+        </p:txBody>
+      </p:sp>
+      <p:pic>
+        <p:nvPicPr>
+          <p:cNvPr id="4" name="Imagen 3">
+            <a:extLst>
+              <a:ext uri="{FF2B5EF4-FFF2-40B4-BE49-F238E27FC236}">
+                <a16:creationId xmlns:a16="http://schemas.microsoft.com/office/drawing/2014/main" id="{4325F5F7-32CD-87F3-C144-7EC6D009487A}"/>
+              </a:ext>
+            </a:extLst>
+          </p:cNvPr>
+          <p:cNvPicPr>
+            <a:picLocks noChangeAspect="1"/>
+          </p:cNvPicPr>
+          <p:nvPr/>
+        </p:nvPicPr>
+        <p:blipFill>
+          <a:blip r:embed="rId4"/>
+          <a:stretch>
+            <a:fillRect/>
+          </a:stretch>
+        </p:blipFill>
+        <p:spPr>
+          <a:xfrm>
+            <a:off x="1650670" y="4352984"/>
+            <a:ext cx="1752845" cy="1133633"/>
+          </a:xfrm>
+          <a:prstGeom prst="rect">
+            <a:avLst/>
+          </a:prstGeom>
+        </p:spPr>
+      </p:pic>
+    </p:spTree>
+    <p:extLst>
+      <p:ext uri="{BB962C8B-B14F-4D97-AF65-F5344CB8AC3E}">
+        <p14:creationId xmlns:p14="http://schemas.microsoft.com/office/powerpoint/2010/main" val="161422473"/>
+      </p:ext>
+    </p:extLst>
+  </p:cSld>
+  <p:clrMapOvr>
+    <a:masterClrMapping/>
+  </p:clrMapOvr>
+  <mc:AlternateContent xmlns:mc="http://schemas.openxmlformats.org/markup-compatibility/2006" xmlns:p159="http://schemas.microsoft.com/office/powerpoint/2015/09/main">
+    <mc:Choice Requires="p159">
+      <p:transition xmlns:p14="http://schemas.microsoft.com/office/powerpoint/2010/main" spd="slow" p14:dur="2000">
+        <p159:morph option="byObject"/>
+      </p:transition>
+    </mc:Choice>
+    <mc:Fallback xmlns="">
+      <p:transition spd="slow">
+        <p:fade/>
+      </p:transition>
+    </mc:Fallback>
+  </mc:AlternateContent>
+</p:sld>
+</file>
+
+<file path=ppt/slides/slide13.xml><?xml version="1.0" encoding="utf-8"?>
+<p:sld xmlns:a="http://schemas.openxmlformats.org/drawingml/2006/main" xmlns:r="http://schemas.openxmlformats.org/officeDocument/2006/relationships" xmlns:p="http://schemas.openxmlformats.org/presentationml/2006/main">
+  <p:cSld>
+    <p:spTree>
+      <p:nvGrpSpPr>
+        <p:cNvPr id="1" name=""/>
+        <p:cNvGrpSpPr/>
+        <p:nvPr/>
+      </p:nvGrpSpPr>
+      <p:grpSpPr>
+        <a:xfrm>
+          <a:off x="0" y="0"/>
+          <a:ext cx="0" cy="0"/>
+          <a:chOff x="0" y="0"/>
+          <a:chExt cx="0" cy="0"/>
+        </a:xfrm>
+      </p:grpSpPr>
+      <p:pic>
+        <p:nvPicPr>
+          <p:cNvPr id="5" name="Imagen 4">
+            <a:extLst>
+              <a:ext uri="{FF2B5EF4-FFF2-40B4-BE49-F238E27FC236}">
+                <a16:creationId xmlns:a16="http://schemas.microsoft.com/office/drawing/2014/main" id="{174D030F-4697-BA08-B86C-5954C029D3EB}"/>
+              </a:ext>
+            </a:extLst>
+          </p:cNvPr>
+          <p:cNvPicPr>
+            <a:picLocks noChangeAspect="1"/>
+          </p:cNvPicPr>
+          <p:nvPr/>
+        </p:nvPicPr>
+        <p:blipFill>
+          <a:blip r:embed="rId2"/>
+          <a:stretch>
+            <a:fillRect/>
+          </a:stretch>
+        </p:blipFill>
+        <p:spPr>
+          <a:xfrm>
+            <a:off x="271352" y="288108"/>
+            <a:ext cx="2457793" cy="771633"/>
+          </a:xfrm>
+          <a:prstGeom prst="rect">
+            <a:avLst/>
+          </a:prstGeom>
+        </p:spPr>
+      </p:pic>
+      <p:pic>
+        <p:nvPicPr>
+          <p:cNvPr id="7" name="Imagen 6">
+            <a:extLst>
+              <a:ext uri="{FF2B5EF4-FFF2-40B4-BE49-F238E27FC236}">
+                <a16:creationId xmlns:a16="http://schemas.microsoft.com/office/drawing/2014/main" id="{B4F43EEF-432D-50E5-0448-D4090F319F8C}"/>
+              </a:ext>
+            </a:extLst>
+          </p:cNvPr>
+          <p:cNvPicPr>
+            <a:picLocks noChangeAspect="1"/>
+          </p:cNvPicPr>
+          <p:nvPr/>
+        </p:nvPicPr>
+        <p:blipFill>
+          <a:blip r:embed="rId3"/>
+          <a:stretch>
+            <a:fillRect/>
+          </a:stretch>
+        </p:blipFill>
+        <p:spPr>
+          <a:xfrm>
+            <a:off x="1650670" y="1018420"/>
+            <a:ext cx="8526968" cy="5839580"/>
+          </a:xfrm>
+          <a:prstGeom prst="rect">
+            <a:avLst/>
+          </a:prstGeom>
+        </p:spPr>
+      </p:pic>
+      <p:sp>
+        <p:nvSpPr>
+          <p:cNvPr id="10" name="CuadroTexto 9">
+            <a:extLst>
+              <a:ext uri="{FF2B5EF4-FFF2-40B4-BE49-F238E27FC236}">
+                <a16:creationId xmlns:a16="http://schemas.microsoft.com/office/drawing/2014/main" id="{12BBAD2E-9A6E-76ED-044E-74C470EF60C9}"/>
+              </a:ext>
+            </a:extLst>
+          </p:cNvPr>
+          <p:cNvSpPr txBox="1"/>
+          <p:nvPr/>
+        </p:nvSpPr>
+        <p:spPr>
+          <a:xfrm>
+            <a:off x="4280592" y="4921944"/>
+            <a:ext cx="4619568" cy="369332"/>
+          </a:xfrm>
+          <a:prstGeom prst="rect">
+            <a:avLst/>
+          </a:prstGeom>
+          <a:noFill/>
+        </p:spPr>
+        <p:txBody>
+          <a:bodyPr wrap="square" rtlCol="0">
+            <a:spAutoFit/>
+          </a:bodyPr>
+          <a:lstStyle/>
+          <a:p>
+            <a:r>
+              <a:rPr lang="en-US" dirty="0">
+                <a:solidFill>
+                  <a:schemeClr val="tx2">
+                    <a:lumMod val="50000"/>
+                    <a:lumOff val="50000"/>
+                  </a:schemeClr>
+                </a:solidFill>
+                <a:sym typeface="Wingdings" panose="05000000000000000000" pitchFamily="2" charset="2"/>
+              </a:rPr>
+              <a:t> </a:t>
+            </a:r>
+            <a:r>
+              <a:rPr lang="en-US" dirty="0">
+                <a:solidFill>
+                  <a:schemeClr val="tx2">
+                    <a:lumMod val="50000"/>
+                    <a:lumOff val="50000"/>
+                  </a:schemeClr>
+                </a:solidFill>
+              </a:rPr>
+              <a:t>Step 4 : Select the helmet (optional)</a:t>
+            </a:r>
+          </a:p>
+        </p:txBody>
+      </p:sp>
+      <p:pic>
+        <p:nvPicPr>
+          <p:cNvPr id="4" name="Imagen 3">
+            <a:extLst>
+              <a:ext uri="{FF2B5EF4-FFF2-40B4-BE49-F238E27FC236}">
+                <a16:creationId xmlns:a16="http://schemas.microsoft.com/office/drawing/2014/main" id="{DF685DB7-8979-636C-5CB1-29FE204BF3EE}"/>
+              </a:ext>
+            </a:extLst>
+          </p:cNvPr>
+          <p:cNvPicPr>
+            <a:picLocks noChangeAspect="1"/>
+          </p:cNvPicPr>
+          <p:nvPr/>
+        </p:nvPicPr>
+        <p:blipFill>
+          <a:blip r:embed="rId4"/>
+          <a:stretch>
+            <a:fillRect/>
+          </a:stretch>
+        </p:blipFill>
+        <p:spPr>
+          <a:xfrm>
+            <a:off x="1729301" y="4921944"/>
+            <a:ext cx="1743318" cy="1038370"/>
+          </a:xfrm>
+          <a:prstGeom prst="rect">
+            <a:avLst/>
+          </a:prstGeom>
+        </p:spPr>
+      </p:pic>
+    </p:spTree>
+    <p:extLst>
+      <p:ext uri="{BB962C8B-B14F-4D97-AF65-F5344CB8AC3E}">
+        <p14:creationId xmlns:p14="http://schemas.microsoft.com/office/powerpoint/2010/main" val="3259210616"/>
+      </p:ext>
+    </p:extLst>
+  </p:cSld>
+  <p:clrMapOvr>
+    <a:masterClrMapping/>
+  </p:clrMapOvr>
+  <mc:AlternateContent xmlns:mc="http://schemas.openxmlformats.org/markup-compatibility/2006" xmlns:p159="http://schemas.microsoft.com/office/powerpoint/2015/09/main">
+    <mc:Choice Requires="p159">
+      <p:transition xmlns:p14="http://schemas.microsoft.com/office/powerpoint/2010/main" spd="slow" p14:dur="2000">
+        <p159:morph option="byObject"/>
+      </p:transition>
+    </mc:Choice>
+    <mc:Fallback xmlns="">
+      <p:transition spd="slow">
+        <p:fade/>
+      </p:transition>
+    </mc:Fallback>
+  </mc:AlternateContent>
+</p:sld>
+</file>
+
+<file path=ppt/slides/slide14.xml><?xml version="1.0" encoding="utf-8"?>
+<p:sld xmlns:a="http://schemas.openxmlformats.org/drawingml/2006/main" xmlns:r="http://schemas.openxmlformats.org/officeDocument/2006/relationships" xmlns:p="http://schemas.openxmlformats.org/presentationml/2006/main">
+  <p:cSld>
+    <p:spTree>
+      <p:nvGrpSpPr>
+        <p:cNvPr id="1" name=""/>
+        <p:cNvGrpSpPr/>
+        <p:nvPr/>
+      </p:nvGrpSpPr>
+      <p:grpSpPr>
+        <a:xfrm>
+          <a:off x="0" y="0"/>
+          <a:ext cx="0" cy="0"/>
+          <a:chOff x="0" y="0"/>
+          <a:chExt cx="0" cy="0"/>
+        </a:xfrm>
+      </p:grpSpPr>
+      <p:pic>
+        <p:nvPicPr>
+          <p:cNvPr id="5" name="Imagen 4">
+            <a:extLst>
+              <a:ext uri="{FF2B5EF4-FFF2-40B4-BE49-F238E27FC236}">
+                <a16:creationId xmlns:a16="http://schemas.microsoft.com/office/drawing/2014/main" id="{174D030F-4697-BA08-B86C-5954C029D3EB}"/>
+              </a:ext>
+            </a:extLst>
+          </p:cNvPr>
+          <p:cNvPicPr>
+            <a:picLocks noChangeAspect="1"/>
+          </p:cNvPicPr>
+          <p:nvPr/>
+        </p:nvPicPr>
+        <p:blipFill>
+          <a:blip r:embed="rId2"/>
+          <a:stretch>
+            <a:fillRect/>
+          </a:stretch>
+        </p:blipFill>
+        <p:spPr>
+          <a:xfrm>
+            <a:off x="271352" y="288108"/>
+            <a:ext cx="2457793" cy="771633"/>
+          </a:xfrm>
+          <a:prstGeom prst="rect">
+            <a:avLst/>
+          </a:prstGeom>
+        </p:spPr>
+      </p:pic>
+      <p:pic>
+        <p:nvPicPr>
+          <p:cNvPr id="7" name="Imagen 6">
+            <a:extLst>
+              <a:ext uri="{FF2B5EF4-FFF2-40B4-BE49-F238E27FC236}">
+                <a16:creationId xmlns:a16="http://schemas.microsoft.com/office/drawing/2014/main" id="{B4F43EEF-432D-50E5-0448-D4090F319F8C}"/>
+              </a:ext>
+            </a:extLst>
+          </p:cNvPr>
+          <p:cNvPicPr>
+            <a:picLocks noChangeAspect="1"/>
+          </p:cNvPicPr>
+          <p:nvPr/>
+        </p:nvPicPr>
+        <p:blipFill>
+          <a:blip r:embed="rId3"/>
+          <a:stretch>
+            <a:fillRect/>
+          </a:stretch>
+        </p:blipFill>
+        <p:spPr>
+          <a:xfrm>
+            <a:off x="1650670" y="1018420"/>
+            <a:ext cx="8526968" cy="5839580"/>
+          </a:xfrm>
+          <a:prstGeom prst="rect">
+            <a:avLst/>
+          </a:prstGeom>
+        </p:spPr>
+      </p:pic>
+      <p:pic>
+        <p:nvPicPr>
+          <p:cNvPr id="9" name="Imagen 8">
+            <a:extLst>
+              <a:ext uri="{FF2B5EF4-FFF2-40B4-BE49-F238E27FC236}">
+                <a16:creationId xmlns:a16="http://schemas.microsoft.com/office/drawing/2014/main" id="{2612A58F-5983-9C7D-2264-1472EC66E640}"/>
+              </a:ext>
+            </a:extLst>
+          </p:cNvPr>
+          <p:cNvPicPr>
+            <a:picLocks noChangeAspect="1"/>
+          </p:cNvPicPr>
+          <p:nvPr/>
+        </p:nvPicPr>
+        <p:blipFill>
+          <a:blip r:embed="rId4"/>
+          <a:stretch>
+            <a:fillRect/>
+          </a:stretch>
+        </p:blipFill>
+        <p:spPr>
+          <a:xfrm>
+            <a:off x="1669983" y="962523"/>
+            <a:ext cx="8366795" cy="5839581"/>
+          </a:xfrm>
+          <a:prstGeom prst="rect">
+            <a:avLst/>
+          </a:prstGeom>
+        </p:spPr>
+      </p:pic>
+      <p:sp>
+        <p:nvSpPr>
+          <p:cNvPr id="2" name="CuadroTexto 1">
+            <a:extLst>
+              <a:ext uri="{FF2B5EF4-FFF2-40B4-BE49-F238E27FC236}">
+                <a16:creationId xmlns:a16="http://schemas.microsoft.com/office/drawing/2014/main" id="{EFFE0A6C-496E-440F-451D-77035228555C}"/>
+              </a:ext>
+            </a:extLst>
+          </p:cNvPr>
+          <p:cNvSpPr txBox="1"/>
+          <p:nvPr/>
+        </p:nvSpPr>
+        <p:spPr>
+          <a:xfrm>
+            <a:off x="4280592" y="5368984"/>
+            <a:ext cx="4619568" cy="369332"/>
+          </a:xfrm>
+          <a:prstGeom prst="rect">
+            <a:avLst/>
+          </a:prstGeom>
+          <a:noFill/>
+        </p:spPr>
+        <p:txBody>
+          <a:bodyPr wrap="square" rtlCol="0">
+            <a:spAutoFit/>
+          </a:bodyPr>
+          <a:lstStyle/>
+          <a:p>
+            <a:r>
+              <a:rPr lang="en-US" dirty="0">
+                <a:solidFill>
+                  <a:schemeClr val="tx2">
+                    <a:lumMod val="50000"/>
+                    <a:lumOff val="50000"/>
+                  </a:schemeClr>
+                </a:solidFill>
+                <a:sym typeface="Wingdings" panose="05000000000000000000" pitchFamily="2" charset="2"/>
+              </a:rPr>
+              <a:t> </a:t>
+            </a:r>
+            <a:r>
+              <a:rPr lang="en-US" dirty="0">
+                <a:solidFill>
+                  <a:schemeClr val="tx2">
+                    <a:lumMod val="50000"/>
+                    <a:lumOff val="50000"/>
+                  </a:schemeClr>
+                </a:solidFill>
+              </a:rPr>
+              <a:t>Step 5 : get the quote</a:t>
+            </a:r>
+          </a:p>
+        </p:txBody>
+      </p:sp>
+    </p:spTree>
+    <p:extLst>
+      <p:ext uri="{BB962C8B-B14F-4D97-AF65-F5344CB8AC3E}">
+        <p14:creationId xmlns:p14="http://schemas.microsoft.com/office/powerpoint/2010/main" val="1129009562"/>
+      </p:ext>
+    </p:extLst>
+  </p:cSld>
+  <p:clrMapOvr>
+    <a:masterClrMapping/>
+  </p:clrMapOvr>
+  <mc:AlternateContent xmlns:mc="http://schemas.openxmlformats.org/markup-compatibility/2006" xmlns:p159="http://schemas.microsoft.com/office/powerpoint/2015/09/main">
+    <mc:Choice Requires="p159">
+      <p:transition xmlns:p14="http://schemas.microsoft.com/office/powerpoint/2010/main" spd="slow" p14:dur="2000">
+        <p159:morph option="byObject"/>
+      </p:transition>
+    </mc:Choice>
+    <mc:Fallback xmlns="">
+      <p:transition spd="slow">
+        <p:fade/>
+      </p:transition>
+    </mc:Fallback>
+  </mc:AlternateContent>
+</p:sld>
+</file>
+
+<file path=ppt/slides/slide15.xml><?xml version="1.0" encoding="utf-8"?>
+<p:sld xmlns:a="http://schemas.openxmlformats.org/drawingml/2006/main" xmlns:r="http://schemas.openxmlformats.org/officeDocument/2006/relationships" xmlns:p="http://schemas.openxmlformats.org/presentationml/2006/main">
+  <p:cSld>
+    <p:spTree>
+      <p:nvGrpSpPr>
+        <p:cNvPr id="1" name=""/>
+        <p:cNvGrpSpPr/>
+        <p:nvPr/>
+      </p:nvGrpSpPr>
+      <p:grpSpPr>
+        <a:xfrm>
+          <a:off x="0" y="0"/>
+          <a:ext cx="0" cy="0"/>
+          <a:chOff x="0" y="0"/>
+          <a:chExt cx="0" cy="0"/>
+        </a:xfrm>
+      </p:grpSpPr>
+      <p:pic>
+        <p:nvPicPr>
+          <p:cNvPr id="5" name="Imagen 4">
+            <a:extLst>
+              <a:ext uri="{FF2B5EF4-FFF2-40B4-BE49-F238E27FC236}">
+                <a16:creationId xmlns:a16="http://schemas.microsoft.com/office/drawing/2014/main" id="{174D030F-4697-BA08-B86C-5954C029D3EB}"/>
+              </a:ext>
+            </a:extLst>
+          </p:cNvPr>
+          <p:cNvPicPr>
+            <a:picLocks noChangeAspect="1"/>
+          </p:cNvPicPr>
+          <p:nvPr/>
+        </p:nvPicPr>
+        <p:blipFill>
+          <a:blip r:embed="rId2"/>
+          <a:stretch>
+            <a:fillRect/>
+          </a:stretch>
+        </p:blipFill>
+        <p:spPr>
+          <a:xfrm>
+            <a:off x="271352" y="288108"/>
+            <a:ext cx="2457793" cy="771633"/>
+          </a:xfrm>
+          <a:prstGeom prst="rect">
+            <a:avLst/>
+          </a:prstGeom>
+        </p:spPr>
+      </p:pic>
+      <p:pic>
+        <p:nvPicPr>
+          <p:cNvPr id="7" name="Imagen 6">
+            <a:extLst>
+              <a:ext uri="{FF2B5EF4-FFF2-40B4-BE49-F238E27FC236}">
+                <a16:creationId xmlns:a16="http://schemas.microsoft.com/office/drawing/2014/main" id="{B4F43EEF-432D-50E5-0448-D4090F319F8C}"/>
+              </a:ext>
+            </a:extLst>
+          </p:cNvPr>
+          <p:cNvPicPr>
+            <a:picLocks noChangeAspect="1"/>
+          </p:cNvPicPr>
+          <p:nvPr/>
+        </p:nvPicPr>
+        <p:blipFill>
+          <a:blip r:embed="rId3"/>
+          <a:stretch>
+            <a:fillRect/>
+          </a:stretch>
+        </p:blipFill>
+        <p:spPr>
+          <a:xfrm>
+            <a:off x="1650670" y="1018420"/>
+            <a:ext cx="8526968" cy="5839580"/>
+          </a:xfrm>
+          <a:prstGeom prst="rect">
+            <a:avLst/>
+          </a:prstGeom>
+        </p:spPr>
+      </p:pic>
+      <p:pic>
+        <p:nvPicPr>
+          <p:cNvPr id="9" name="Imagen 8">
+            <a:extLst>
+              <a:ext uri="{FF2B5EF4-FFF2-40B4-BE49-F238E27FC236}">
+                <a16:creationId xmlns:a16="http://schemas.microsoft.com/office/drawing/2014/main" id="{2612A58F-5983-9C7D-2264-1472EC66E640}"/>
+              </a:ext>
+            </a:extLst>
+          </p:cNvPr>
+          <p:cNvPicPr>
+            <a:picLocks noChangeAspect="1"/>
+          </p:cNvPicPr>
+          <p:nvPr/>
+        </p:nvPicPr>
+        <p:blipFill>
+          <a:blip r:embed="rId4"/>
+          <a:stretch>
+            <a:fillRect/>
+          </a:stretch>
+        </p:blipFill>
+        <p:spPr>
+          <a:xfrm>
+            <a:off x="1669983" y="962523"/>
+            <a:ext cx="8366795" cy="5839581"/>
+          </a:xfrm>
+          <a:prstGeom prst="rect">
+            <a:avLst/>
+          </a:prstGeom>
+        </p:spPr>
+      </p:pic>
+      <p:sp>
+        <p:nvSpPr>
+          <p:cNvPr id="2" name="CuadroTexto 1">
+            <a:extLst>
+              <a:ext uri="{FF2B5EF4-FFF2-40B4-BE49-F238E27FC236}">
+                <a16:creationId xmlns:a16="http://schemas.microsoft.com/office/drawing/2014/main" id="{EFFE0A6C-496E-440F-451D-77035228555C}"/>
+              </a:ext>
+            </a:extLst>
+          </p:cNvPr>
+          <p:cNvSpPr txBox="1"/>
+          <p:nvPr/>
+        </p:nvSpPr>
+        <p:spPr>
+          <a:xfrm>
+            <a:off x="5853380" y="4916250"/>
+            <a:ext cx="6045711" cy="1846659"/>
+          </a:xfrm>
+          <a:prstGeom prst="rect">
+            <a:avLst/>
+          </a:prstGeom>
+          <a:noFill/>
+        </p:spPr>
+        <p:txBody>
+          <a:bodyPr wrap="square" rtlCol="0">
+            <a:spAutoFit/>
+          </a:bodyPr>
+          <a:lstStyle/>
+          <a:p>
+            <a:r>
+              <a:rPr lang="en-US" dirty="0">
+                <a:solidFill>
+                  <a:schemeClr val="tx2">
+                    <a:lumMod val="50000"/>
+                    <a:lumOff val="50000"/>
+                  </a:schemeClr>
+                </a:solidFill>
+                <a:sym typeface="Wingdings" panose="05000000000000000000" pitchFamily="2" charset="2"/>
+              </a:rPr>
+              <a:t>Result : </a:t>
+            </a:r>
+          </a:p>
+          <a:p>
+            <a:pPr marL="285750" indent="-285750">
+              <a:buFont typeface="Arial" panose="020B0604020202020204" pitchFamily="34" charset="0"/>
+              <a:buChar char="•"/>
+            </a:pPr>
+            <a:r>
+              <a:rPr lang="en-US" dirty="0">
+                <a:solidFill>
+                  <a:schemeClr val="tx2">
+                    <a:lumMod val="50000"/>
+                    <a:lumOff val="50000"/>
+                  </a:schemeClr>
+                </a:solidFill>
+                <a:sym typeface="Wingdings" panose="05000000000000000000" pitchFamily="2" charset="2"/>
+              </a:rPr>
+              <a:t>The information of the event</a:t>
+            </a:r>
+          </a:p>
+          <a:p>
+            <a:pPr marL="285750" indent="-285750">
+              <a:buFont typeface="Arial" panose="020B0604020202020204" pitchFamily="34" charset="0"/>
+              <a:buChar char="•"/>
+            </a:pPr>
+            <a:r>
+              <a:rPr lang="en-US" dirty="0">
+                <a:solidFill>
+                  <a:schemeClr val="tx2">
+                    <a:lumMod val="50000"/>
+                    <a:lumOff val="50000"/>
+                  </a:schemeClr>
+                </a:solidFill>
+                <a:sym typeface="Wingdings" panose="05000000000000000000" pitchFamily="2" charset="2"/>
+              </a:rPr>
+              <a:t>The price of the policy</a:t>
+            </a:r>
+          </a:p>
+          <a:p>
+            <a:pPr marL="285750" indent="-285750">
+              <a:buFont typeface="Arial" panose="020B0604020202020204" pitchFamily="34" charset="0"/>
+              <a:buChar char="•"/>
+            </a:pPr>
+            <a:r>
+              <a:rPr lang="en-US" dirty="0">
+                <a:solidFill>
+                  <a:schemeClr val="tx2">
+                    <a:lumMod val="50000"/>
+                    <a:lumOff val="50000"/>
+                  </a:schemeClr>
+                </a:solidFill>
+                <a:sym typeface="Wingdings" panose="05000000000000000000" pitchFamily="2" charset="2"/>
+              </a:rPr>
+              <a:t>Probability to rain during the competition</a:t>
+            </a:r>
+          </a:p>
+          <a:p>
+            <a:pPr marL="742950" lvl="1" indent="-285750">
+              <a:buFont typeface="Arial" panose="020B0604020202020204" pitchFamily="34" charset="0"/>
+              <a:buChar char="•"/>
+            </a:pPr>
+            <a:r>
+              <a:rPr lang="en-US" sz="1200" dirty="0">
+                <a:solidFill>
+                  <a:schemeClr val="tx2">
+                    <a:lumMod val="50000"/>
+                    <a:lumOff val="50000"/>
+                  </a:schemeClr>
+                </a:solidFill>
+                <a:sym typeface="Wingdings" panose="05000000000000000000" pitchFamily="2" charset="2"/>
+              </a:rPr>
+              <a:t>More probability to rain = more probability to have an accident riding the bike  increase the quote * 1.5</a:t>
+            </a:r>
+          </a:p>
+          <a:p>
+            <a:pPr marL="285750" indent="-285750">
+              <a:buFont typeface="Arial" panose="020B0604020202020204" pitchFamily="34" charset="0"/>
+              <a:buChar char="•"/>
+            </a:pPr>
+            <a:r>
+              <a:rPr lang="en-US" dirty="0">
+                <a:solidFill>
+                  <a:schemeClr val="tx2">
+                    <a:lumMod val="50000"/>
+                    <a:lumOff val="50000"/>
+                  </a:schemeClr>
+                </a:solidFill>
+                <a:sym typeface="Wingdings" panose="05000000000000000000" pitchFamily="2" charset="2"/>
+              </a:rPr>
+              <a:t>Sum of the market value of all the gear selected</a:t>
+            </a:r>
+            <a:endParaRPr lang="en-US" dirty="0">
+              <a:solidFill>
+                <a:schemeClr val="tx2">
+                  <a:lumMod val="50000"/>
+                  <a:lumOff val="50000"/>
+                </a:schemeClr>
+              </a:solidFill>
+            </a:endParaRPr>
+          </a:p>
+        </p:txBody>
+      </p:sp>
+    </p:spTree>
+    <p:extLst>
+      <p:ext uri="{BB962C8B-B14F-4D97-AF65-F5344CB8AC3E}">
+        <p14:creationId xmlns:p14="http://schemas.microsoft.com/office/powerpoint/2010/main" val="1376089184"/>
+      </p:ext>
+    </p:extLst>
+  </p:cSld>
+  <p:clrMapOvr>
+    <a:masterClrMapping/>
+  </p:clrMapOvr>
+  <mc:AlternateContent xmlns:mc="http://schemas.openxmlformats.org/markup-compatibility/2006" xmlns:p159="http://schemas.microsoft.com/office/powerpoint/2015/09/main">
+    <mc:Choice Requires="p159">
+      <p:transition xmlns:p14="http://schemas.microsoft.com/office/powerpoint/2010/main" spd="slow" p14:dur="2000">
+        <p159:morph option="byObject"/>
+      </p:transition>
+    </mc:Choice>
+    <mc:Fallback xmlns="">
+      <p:transition spd="slow">
+        <p:fade/>
+      </p:transition>
+    </mc:Fallback>
+  </mc:AlternateContent>
+</p:sld>
+</file>
+
+<file path=ppt/slides/slide2.xml><?xml version="1.0" encoding="utf-8"?>
+<p:sld xmlns:a="http://schemas.openxmlformats.org/drawingml/2006/main" xmlns:r="http://schemas.openxmlformats.org/officeDocument/2006/relationships" xmlns:p="http://schemas.openxmlformats.org/presentationml/2006/main">
+  <p:cSld>
+    <p:spTree>
+      <p:nvGrpSpPr>
+        <p:cNvPr id="1" name=""/>
+        <p:cNvGrpSpPr/>
+        <p:nvPr/>
+      </p:nvGrpSpPr>
+      <p:grpSpPr>
+        <a:xfrm>
+          <a:off x="0" y="0"/>
+          <a:ext cx="0" cy="0"/>
+          <a:chOff x="0" y="0"/>
+          <a:chExt cx="0" cy="0"/>
+        </a:xfrm>
+      </p:grpSpPr>
+      <p:pic>
+        <p:nvPicPr>
+          <p:cNvPr id="5" name="Imagen 4">
+            <a:extLst>
+              <a:ext uri="{FF2B5EF4-FFF2-40B4-BE49-F238E27FC236}">
+                <a16:creationId xmlns:a16="http://schemas.microsoft.com/office/drawing/2014/main" id="{174D030F-4697-BA08-B86C-5954C029D3EB}"/>
+              </a:ext>
+            </a:extLst>
+          </p:cNvPr>
+          <p:cNvPicPr>
+            <a:picLocks noChangeAspect="1"/>
+          </p:cNvPicPr>
+          <p:nvPr/>
+        </p:nvPicPr>
+        <p:blipFill>
+          <a:blip r:embed="rId3"/>
+          <a:stretch>
+            <a:fillRect/>
+          </a:stretch>
+        </p:blipFill>
+        <p:spPr>
+          <a:xfrm>
+            <a:off x="271352" y="288108"/>
+            <a:ext cx="2457793" cy="771633"/>
+          </a:xfrm>
+          <a:prstGeom prst="rect">
+            <a:avLst/>
+          </a:prstGeom>
+        </p:spPr>
+      </p:pic>
+      <p:sp>
+        <p:nvSpPr>
+          <p:cNvPr id="7" name="CuadroTexto 6">
+            <a:extLst>
+              <a:ext uri="{FF2B5EF4-FFF2-40B4-BE49-F238E27FC236}">
+                <a16:creationId xmlns:a16="http://schemas.microsoft.com/office/drawing/2014/main" id="{662D7AEB-E024-9C67-A770-76987979D9C7}"/>
+              </a:ext>
+            </a:extLst>
+          </p:cNvPr>
+          <p:cNvSpPr txBox="1"/>
+          <p:nvPr/>
+        </p:nvSpPr>
+        <p:spPr>
+          <a:xfrm>
+            <a:off x="465532" y="1600200"/>
+            <a:ext cx="10266636" cy="4031873"/>
+          </a:xfrm>
+          <a:prstGeom prst="rect">
+            <a:avLst/>
+          </a:prstGeom>
+          <a:noFill/>
+        </p:spPr>
+        <p:txBody>
+          <a:bodyPr wrap="square" rtlCol="0">
+            <a:spAutoFit/>
+          </a:bodyPr>
+          <a:lstStyle/>
+          <a:p>
+            <a:pPr algn="just"/>
+            <a:r>
+              <a:rPr lang="en-US" sz="3200" dirty="0">
+                <a:solidFill>
+                  <a:schemeClr val="tx2">
+                    <a:lumMod val="50000"/>
+                    <a:lumOff val="50000"/>
+                  </a:schemeClr>
+                </a:solidFill>
+                <a:latin typeface="Arial" panose="020B0604020202020204" pitchFamily="34" charset="0"/>
+                <a:cs typeface="Arial" panose="020B0604020202020204" pitchFamily="34" charset="0"/>
+              </a:rPr>
+              <a:t>The new Triathlon Insurance product is designed specifically to meet the needs of triathletes, providing comprehensive coverage that traditional insurance policies do not offer.</a:t>
+            </a:r>
+          </a:p>
+          <a:p>
+            <a:pPr algn="just"/>
+            <a:endParaRPr lang="en-US" sz="3200" dirty="0">
+              <a:solidFill>
+                <a:schemeClr val="tx2">
+                  <a:lumMod val="50000"/>
+                  <a:lumOff val="50000"/>
+                </a:schemeClr>
+              </a:solidFill>
+              <a:latin typeface="Arial" panose="020B0604020202020204" pitchFamily="34" charset="0"/>
+              <a:cs typeface="Arial" panose="020B0604020202020204" pitchFamily="34" charset="0"/>
+            </a:endParaRPr>
+          </a:p>
+          <a:p>
+            <a:pPr algn="just"/>
+            <a:r>
+              <a:rPr lang="en-US" sz="3200" dirty="0">
+                <a:solidFill>
+                  <a:schemeClr val="tx2">
+                    <a:lumMod val="50000"/>
+                    <a:lumOff val="50000"/>
+                  </a:schemeClr>
+                </a:solidFill>
+              </a:rPr>
+              <a:t>Current insurance products often fail to cover the unique risks associated with triathlons, such as equipment damage during the competition.</a:t>
+            </a:r>
+            <a:endParaRPr lang="en-US" sz="3200" dirty="0">
+              <a:solidFill>
+                <a:schemeClr val="tx2">
+                  <a:lumMod val="50000"/>
+                  <a:lumOff val="50000"/>
+                </a:schemeClr>
+              </a:solidFill>
+              <a:latin typeface="Arial" panose="020B0604020202020204" pitchFamily="34" charset="0"/>
+              <a:cs typeface="Arial" panose="020B0604020202020204" pitchFamily="34" charset="0"/>
+            </a:endParaRPr>
+          </a:p>
+        </p:txBody>
+      </p:sp>
+    </p:spTree>
+    <p:extLst>
+      <p:ext uri="{BB962C8B-B14F-4D97-AF65-F5344CB8AC3E}">
+        <p14:creationId xmlns:p14="http://schemas.microsoft.com/office/powerpoint/2010/main" val="2774334923"/>
+      </p:ext>
+    </p:extLst>
+  </p:cSld>
+  <p:clrMapOvr>
+    <a:masterClrMapping/>
+  </p:clrMapOvr>
+</p:sld>
+</file>
+
+<file path=ppt/slides/slide3.xml><?xml version="1.0" encoding="utf-8"?>
+<p:sld xmlns:a="http://schemas.openxmlformats.org/drawingml/2006/main" xmlns:r="http://schemas.openxmlformats.org/officeDocument/2006/relationships" xmlns:p="http://schemas.openxmlformats.org/presentationml/2006/main">
+  <p:cSld>
+    <p:spTree>
+      <p:nvGrpSpPr>
+        <p:cNvPr id="1" name=""/>
+        <p:cNvGrpSpPr/>
+        <p:nvPr/>
+      </p:nvGrpSpPr>
+      <p:grpSpPr>
+        <a:xfrm>
+          <a:off x="0" y="0"/>
+          <a:ext cx="0" cy="0"/>
+          <a:chOff x="0" y="0"/>
+          <a:chExt cx="0" cy="0"/>
+        </a:xfrm>
+      </p:grpSpPr>
+      <p:pic>
+        <p:nvPicPr>
+          <p:cNvPr id="5" name="Imagen 4">
+            <a:extLst>
+              <a:ext uri="{FF2B5EF4-FFF2-40B4-BE49-F238E27FC236}">
+                <a16:creationId xmlns:a16="http://schemas.microsoft.com/office/drawing/2014/main" id="{174D030F-4697-BA08-B86C-5954C029D3EB}"/>
+              </a:ext>
+            </a:extLst>
+          </p:cNvPr>
+          <p:cNvPicPr>
+            <a:picLocks noChangeAspect="1"/>
+          </p:cNvPicPr>
+          <p:nvPr/>
+        </p:nvPicPr>
+        <p:blipFill>
+          <a:blip r:embed="rId3"/>
+          <a:stretch>
+            <a:fillRect/>
+          </a:stretch>
+        </p:blipFill>
+        <p:spPr>
+          <a:xfrm>
+            <a:off x="271352" y="288108"/>
+            <a:ext cx="2457793" cy="771633"/>
+          </a:xfrm>
+          <a:prstGeom prst="rect">
+            <a:avLst/>
+          </a:prstGeom>
+        </p:spPr>
+      </p:pic>
+      <p:sp>
+        <p:nvSpPr>
+          <p:cNvPr id="7" name="CuadroTexto 6">
+            <a:extLst>
+              <a:ext uri="{FF2B5EF4-FFF2-40B4-BE49-F238E27FC236}">
+                <a16:creationId xmlns:a16="http://schemas.microsoft.com/office/drawing/2014/main" id="{662D7AEB-E024-9C67-A770-76987979D9C7}"/>
+              </a:ext>
+            </a:extLst>
+          </p:cNvPr>
+          <p:cNvSpPr txBox="1"/>
+          <p:nvPr/>
+        </p:nvSpPr>
+        <p:spPr>
+          <a:xfrm>
+            <a:off x="271352" y="1335505"/>
+            <a:ext cx="7104006" cy="5324535"/>
+          </a:xfrm>
+          <a:prstGeom prst="rect">
+            <a:avLst/>
+          </a:prstGeom>
+          <a:noFill/>
+        </p:spPr>
+        <p:txBody>
+          <a:bodyPr wrap="square" rtlCol="0">
+            <a:spAutoFit/>
+          </a:bodyPr>
+          <a:lstStyle/>
+          <a:p>
+            <a:pPr algn="just"/>
+            <a:r>
+              <a:rPr lang="en-US" sz="2800" dirty="0">
+                <a:solidFill>
+                  <a:schemeClr val="tx2">
+                    <a:lumMod val="50000"/>
+                    <a:lumOff val="50000"/>
+                  </a:schemeClr>
+                </a:solidFill>
+              </a:rPr>
+              <a:t>Regarding triathlons, they do not attract as many athletes as pure runners, but the target audience has a high purchasing power. According to USA Triathlon (USAT), these athletes spend more than average: 80% of Americans who chose this discipline had a college education and a household income of 130,000 euros per year, which allows them to invest 2,100 euros annually in nutrition and sports equipment, and 990 euros in training.</a:t>
+            </a:r>
+            <a:endParaRPr lang="en-US" sz="2800" dirty="0">
+              <a:solidFill>
+                <a:schemeClr val="tx2">
+                  <a:lumMod val="50000"/>
+                  <a:lumOff val="50000"/>
+                </a:schemeClr>
+              </a:solidFill>
+              <a:latin typeface="Arial" panose="020B0604020202020204" pitchFamily="34" charset="0"/>
+              <a:cs typeface="Arial" panose="020B0604020202020204" pitchFamily="34" charset="0"/>
+            </a:endParaRPr>
+          </a:p>
+          <a:p>
+            <a:pPr algn="just"/>
+            <a:endParaRPr lang="en-US" sz="3200" dirty="0">
+              <a:solidFill>
+                <a:schemeClr val="tx2">
+                  <a:lumMod val="50000"/>
+                  <a:lumOff val="50000"/>
+                </a:schemeClr>
+              </a:solidFill>
+              <a:latin typeface="Arial" panose="020B0604020202020204" pitchFamily="34" charset="0"/>
+              <a:cs typeface="Arial" panose="020B0604020202020204" pitchFamily="34" charset="0"/>
+            </a:endParaRPr>
+          </a:p>
+        </p:txBody>
+      </p:sp>
+      <p:pic>
+        <p:nvPicPr>
+          <p:cNvPr id="6" name="Imagen 5">
+            <a:extLst>
+              <a:ext uri="{FF2B5EF4-FFF2-40B4-BE49-F238E27FC236}">
+                <a16:creationId xmlns:a16="http://schemas.microsoft.com/office/drawing/2014/main" id="{4D3ABCC1-87F4-DD43-48B6-6662D3607830}"/>
+              </a:ext>
+            </a:extLst>
+          </p:cNvPr>
+          <p:cNvPicPr>
+            <a:picLocks noChangeAspect="1"/>
+          </p:cNvPicPr>
+          <p:nvPr/>
+        </p:nvPicPr>
+        <p:blipFill>
+          <a:blip r:embed="rId4"/>
+          <a:stretch>
+            <a:fillRect/>
+          </a:stretch>
+        </p:blipFill>
+        <p:spPr>
+          <a:xfrm>
+            <a:off x="8056075" y="2138204"/>
+            <a:ext cx="4135925" cy="4388353"/>
+          </a:xfrm>
+          <a:prstGeom prst="rect">
+            <a:avLst/>
+          </a:prstGeom>
+        </p:spPr>
+      </p:pic>
+      <p:sp>
+        <p:nvSpPr>
+          <p:cNvPr id="8" name="CuadroTexto 7">
+            <a:extLst>
+              <a:ext uri="{FF2B5EF4-FFF2-40B4-BE49-F238E27FC236}">
+                <a16:creationId xmlns:a16="http://schemas.microsoft.com/office/drawing/2014/main" id="{F333B8EC-3CDE-CBCB-ED76-8E73B5E12C5A}"/>
+              </a:ext>
+            </a:extLst>
+          </p:cNvPr>
+          <p:cNvSpPr txBox="1"/>
+          <p:nvPr/>
+        </p:nvSpPr>
+        <p:spPr>
+          <a:xfrm>
+            <a:off x="8376918" y="1993825"/>
+            <a:ext cx="2979510" cy="738664"/>
+          </a:xfrm>
+          <a:prstGeom prst="rect">
+            <a:avLst/>
+          </a:prstGeom>
+          <a:noFill/>
+        </p:spPr>
+        <p:txBody>
+          <a:bodyPr wrap="square" rtlCol="0">
+            <a:spAutoFit/>
+          </a:bodyPr>
+          <a:lstStyle/>
+          <a:p>
+            <a:pPr algn="just"/>
+            <a:r>
+              <a:rPr lang="en-US" sz="1000" dirty="0">
+                <a:solidFill>
+                  <a:schemeClr val="tx2">
+                    <a:lumMod val="50000"/>
+                    <a:lumOff val="50000"/>
+                  </a:schemeClr>
+                </a:solidFill>
+                <a:latin typeface="Arial" panose="020B0604020202020204" pitchFamily="34" charset="0"/>
+                <a:cs typeface="Arial" panose="020B0604020202020204" pitchFamily="34" charset="0"/>
+              </a:rPr>
+              <a:t>The evolution of the business in millions of euro</a:t>
+            </a:r>
+          </a:p>
+          <a:p>
+            <a:pPr algn="just"/>
+            <a:endParaRPr lang="en-US" sz="3200" dirty="0">
+              <a:solidFill>
+                <a:schemeClr val="tx2">
+                  <a:lumMod val="50000"/>
+                  <a:lumOff val="50000"/>
+                </a:schemeClr>
+              </a:solidFill>
+              <a:latin typeface="Arial" panose="020B0604020202020204" pitchFamily="34" charset="0"/>
+              <a:cs typeface="Arial" panose="020B0604020202020204" pitchFamily="34" charset="0"/>
+            </a:endParaRPr>
+          </a:p>
+        </p:txBody>
+      </p:sp>
+    </p:spTree>
+    <p:extLst>
+      <p:ext uri="{BB962C8B-B14F-4D97-AF65-F5344CB8AC3E}">
+        <p14:creationId xmlns:p14="http://schemas.microsoft.com/office/powerpoint/2010/main" val="1744462753"/>
+      </p:ext>
+    </p:extLst>
+  </p:cSld>
+  <p:clrMapOvr>
+    <a:masterClrMapping/>
+  </p:clrMapOvr>
+</p:sld>
+</file>
+
+<file path=ppt/slides/slide4.xml><?xml version="1.0" encoding="utf-8"?>
+<p:sld xmlns:a="http://schemas.openxmlformats.org/drawingml/2006/main" xmlns:r="http://schemas.openxmlformats.org/officeDocument/2006/relationships" xmlns:p="http://schemas.openxmlformats.org/presentationml/2006/main">
+  <p:cSld>
+    <p:spTree>
+      <p:nvGrpSpPr>
+        <p:cNvPr id="1" name=""/>
+        <p:cNvGrpSpPr/>
+        <p:nvPr/>
+      </p:nvGrpSpPr>
+      <p:grpSpPr>
+        <a:xfrm>
+          <a:off x="0" y="0"/>
+          <a:ext cx="0" cy="0"/>
+          <a:chOff x="0" y="0"/>
+          <a:chExt cx="0" cy="0"/>
+        </a:xfrm>
+      </p:grpSpPr>
+      <p:pic>
+        <p:nvPicPr>
+          <p:cNvPr id="5" name="Imagen 4">
+            <a:extLst>
+              <a:ext uri="{FF2B5EF4-FFF2-40B4-BE49-F238E27FC236}">
+                <a16:creationId xmlns:a16="http://schemas.microsoft.com/office/drawing/2014/main" id="{174D030F-4697-BA08-B86C-5954C029D3EB}"/>
+              </a:ext>
+            </a:extLst>
+          </p:cNvPr>
+          <p:cNvPicPr>
+            <a:picLocks noChangeAspect="1"/>
+          </p:cNvPicPr>
+          <p:nvPr/>
+        </p:nvPicPr>
+        <p:blipFill>
+          <a:blip r:embed="rId3"/>
+          <a:stretch>
+            <a:fillRect/>
+          </a:stretch>
+        </p:blipFill>
+        <p:spPr>
+          <a:xfrm>
+            <a:off x="271352" y="288108"/>
+            <a:ext cx="2457793" cy="771633"/>
+          </a:xfrm>
+          <a:prstGeom prst="rect">
+            <a:avLst/>
+          </a:prstGeom>
+        </p:spPr>
+      </p:pic>
+      <p:sp>
+        <p:nvSpPr>
+          <p:cNvPr id="7" name="CuadroTexto 6">
+            <a:extLst>
+              <a:ext uri="{FF2B5EF4-FFF2-40B4-BE49-F238E27FC236}">
+                <a16:creationId xmlns:a16="http://schemas.microsoft.com/office/drawing/2014/main" id="{662D7AEB-E024-9C67-A770-76987979D9C7}"/>
+              </a:ext>
+            </a:extLst>
+          </p:cNvPr>
+          <p:cNvSpPr txBox="1"/>
+          <p:nvPr/>
+        </p:nvSpPr>
+        <p:spPr>
+          <a:xfrm>
+            <a:off x="271352" y="1335505"/>
+            <a:ext cx="11375216" cy="5386090"/>
+          </a:xfrm>
+          <a:prstGeom prst="rect">
+            <a:avLst/>
+          </a:prstGeom>
+          <a:noFill/>
+        </p:spPr>
+        <p:txBody>
+          <a:bodyPr wrap="square" rtlCol="0">
+            <a:spAutoFit/>
+          </a:bodyPr>
+          <a:lstStyle/>
+          <a:p>
+            <a:r>
+              <a:rPr lang="en-US" sz="2600" dirty="0">
+                <a:solidFill>
+                  <a:schemeClr val="tx2">
+                    <a:lumMod val="50000"/>
+                    <a:lumOff val="50000"/>
+                  </a:schemeClr>
+                </a:solidFill>
+                <a:latin typeface="Arial" panose="020B0604020202020204" pitchFamily="34" charset="0"/>
+                <a:cs typeface="Arial" panose="020B0604020202020204" pitchFamily="34" charset="0"/>
+              </a:rPr>
+              <a:t>Customer Benefits:</a:t>
+            </a:r>
+          </a:p>
+          <a:p>
+            <a:endParaRPr lang="en-US" sz="2600" dirty="0">
+              <a:solidFill>
+                <a:schemeClr val="tx2">
+                  <a:lumMod val="50000"/>
+                  <a:lumOff val="50000"/>
+                </a:schemeClr>
+              </a:solidFill>
+              <a:latin typeface="Arial" panose="020B0604020202020204" pitchFamily="34" charset="0"/>
+              <a:cs typeface="Arial" panose="020B0604020202020204" pitchFamily="34" charset="0"/>
+            </a:endParaRPr>
+          </a:p>
+          <a:p>
+            <a:pPr>
+              <a:buFont typeface="Arial" panose="020B0604020202020204" pitchFamily="34" charset="0"/>
+              <a:buChar char="•"/>
+            </a:pPr>
+            <a:r>
+              <a:rPr lang="en-US" sz="2600" dirty="0">
+                <a:solidFill>
+                  <a:schemeClr val="tx2">
+                    <a:lumMod val="50000"/>
+                    <a:lumOff val="50000"/>
+                  </a:schemeClr>
+                </a:solidFill>
+                <a:latin typeface="Arial" panose="020B0604020202020204" pitchFamily="34" charset="0"/>
+                <a:cs typeface="Arial" panose="020B0604020202020204" pitchFamily="34" charset="0"/>
+              </a:rPr>
+              <a:t>This product specifically benefits the triathlete, making their experience safer and more secure.</a:t>
+            </a:r>
+          </a:p>
+          <a:p>
+            <a:pPr>
+              <a:buFont typeface="Arial" panose="020B0604020202020204" pitchFamily="34" charset="0"/>
+              <a:buChar char="•"/>
+            </a:pPr>
+            <a:endParaRPr lang="en-US" sz="2600" dirty="0">
+              <a:solidFill>
+                <a:schemeClr val="tx2">
+                  <a:lumMod val="50000"/>
+                  <a:lumOff val="50000"/>
+                </a:schemeClr>
+              </a:solidFill>
+              <a:latin typeface="Arial" panose="020B0604020202020204" pitchFamily="34" charset="0"/>
+              <a:cs typeface="Arial" panose="020B0604020202020204" pitchFamily="34" charset="0"/>
+            </a:endParaRPr>
+          </a:p>
+          <a:p>
+            <a:pPr marL="742950" lvl="1" indent="-285750">
+              <a:buFont typeface="Arial" panose="020B0604020202020204" pitchFamily="34" charset="0"/>
+              <a:buChar char="•"/>
+            </a:pPr>
+            <a:r>
+              <a:rPr lang="en-US" sz="2600" dirty="0">
+                <a:solidFill>
+                  <a:schemeClr val="tx2">
+                    <a:lumMod val="50000"/>
+                    <a:lumOff val="50000"/>
+                  </a:schemeClr>
+                </a:solidFill>
+                <a:latin typeface="Arial" panose="020B0604020202020204" pitchFamily="34" charset="0"/>
+                <a:cs typeface="Arial" panose="020B0604020202020204" pitchFamily="34" charset="0"/>
+              </a:rPr>
+              <a:t>Comprehensive Coverage: Covers equipment, injuries, and unforeseen events like cancellations or delays.</a:t>
+            </a:r>
+          </a:p>
+          <a:p>
+            <a:pPr marL="742950" lvl="1" indent="-285750">
+              <a:buFont typeface="Arial" panose="020B0604020202020204" pitchFamily="34" charset="0"/>
+              <a:buChar char="•"/>
+            </a:pPr>
+            <a:r>
+              <a:rPr lang="en-US" sz="2600" dirty="0">
+                <a:solidFill>
+                  <a:schemeClr val="tx2">
+                    <a:lumMod val="50000"/>
+                    <a:lumOff val="50000"/>
+                  </a:schemeClr>
+                </a:solidFill>
+                <a:latin typeface="Arial" panose="020B0604020202020204" pitchFamily="34" charset="0"/>
+                <a:cs typeface="Arial" panose="020B0604020202020204" pitchFamily="34" charset="0"/>
+              </a:rPr>
+              <a:t>Peace of Mind: Allows athletes to focus on competing, knowing they are fully protected.</a:t>
+            </a:r>
+          </a:p>
+          <a:p>
+            <a:pPr marL="742950" lvl="1" indent="-285750">
+              <a:buFont typeface="Arial" panose="020B0604020202020204" pitchFamily="34" charset="0"/>
+              <a:buChar char="•"/>
+            </a:pPr>
+            <a:r>
+              <a:rPr lang="en-US" sz="2600" dirty="0">
+                <a:solidFill>
+                  <a:schemeClr val="tx2">
+                    <a:lumMod val="50000"/>
+                    <a:lumOff val="50000"/>
+                  </a:schemeClr>
+                </a:solidFill>
+                <a:latin typeface="Arial" panose="020B0604020202020204" pitchFamily="34" charset="0"/>
+                <a:cs typeface="Arial" panose="020B0604020202020204" pitchFamily="34" charset="0"/>
+              </a:rPr>
+              <a:t>Tailored Protection: Policies can be customized based on the athlete's level (amateur vs. professional) and the type of triathlon (sprint, ironman, etc.).</a:t>
+            </a:r>
+          </a:p>
+          <a:p>
+            <a:pPr algn="just"/>
+            <a:endParaRPr lang="en-US" sz="3200" dirty="0">
+              <a:solidFill>
+                <a:schemeClr val="tx2">
+                  <a:lumMod val="50000"/>
+                  <a:lumOff val="50000"/>
+                </a:schemeClr>
+              </a:solidFill>
+              <a:latin typeface="Arial" panose="020B0604020202020204" pitchFamily="34" charset="0"/>
+              <a:cs typeface="Arial" panose="020B0604020202020204" pitchFamily="34" charset="0"/>
+            </a:endParaRPr>
+          </a:p>
+        </p:txBody>
+      </p:sp>
+    </p:spTree>
+    <p:extLst>
+      <p:ext uri="{BB962C8B-B14F-4D97-AF65-F5344CB8AC3E}">
+        <p14:creationId xmlns:p14="http://schemas.microsoft.com/office/powerpoint/2010/main" val="4108804555"/>
+      </p:ext>
+    </p:extLst>
+  </p:cSld>
+  <p:clrMapOvr>
+    <a:masterClrMapping/>
+  </p:clrMapOvr>
+</p:sld>
+</file>
+
+<file path=ppt/slides/slide5.xml><?xml version="1.0" encoding="utf-8"?>
+<p:sld xmlns:a="http://schemas.openxmlformats.org/drawingml/2006/main" xmlns:r="http://schemas.openxmlformats.org/officeDocument/2006/relationships" xmlns:p="http://schemas.openxmlformats.org/presentationml/2006/main">
+  <p:cSld>
+    <p:spTree>
+      <p:nvGrpSpPr>
+        <p:cNvPr id="1" name=""/>
+        <p:cNvGrpSpPr/>
+        <p:nvPr/>
+      </p:nvGrpSpPr>
+      <p:grpSpPr>
+        <a:xfrm>
+          <a:off x="0" y="0"/>
+          <a:ext cx="0" cy="0"/>
+          <a:chOff x="0" y="0"/>
+          <a:chExt cx="0" cy="0"/>
+        </a:xfrm>
+      </p:grpSpPr>
+      <p:pic>
+        <p:nvPicPr>
+          <p:cNvPr id="5" name="Imagen 4">
+            <a:extLst>
+              <a:ext uri="{FF2B5EF4-FFF2-40B4-BE49-F238E27FC236}">
+                <a16:creationId xmlns:a16="http://schemas.microsoft.com/office/drawing/2014/main" id="{174D030F-4697-BA08-B86C-5954C029D3EB}"/>
+              </a:ext>
+            </a:extLst>
+          </p:cNvPr>
+          <p:cNvPicPr>
+            <a:picLocks noChangeAspect="1"/>
+          </p:cNvPicPr>
+          <p:nvPr/>
+        </p:nvPicPr>
+        <p:blipFill>
+          <a:blip r:embed="rId3"/>
+          <a:stretch>
+            <a:fillRect/>
+          </a:stretch>
+        </p:blipFill>
+        <p:spPr>
+          <a:xfrm>
+            <a:off x="271352" y="288108"/>
+            <a:ext cx="2457793" cy="771633"/>
+          </a:xfrm>
+          <a:prstGeom prst="rect">
+            <a:avLst/>
+          </a:prstGeom>
+        </p:spPr>
+      </p:pic>
+      <p:sp>
+        <p:nvSpPr>
+          <p:cNvPr id="7" name="CuadroTexto 6">
+            <a:extLst>
+              <a:ext uri="{FF2B5EF4-FFF2-40B4-BE49-F238E27FC236}">
+                <a16:creationId xmlns:a16="http://schemas.microsoft.com/office/drawing/2014/main" id="{662D7AEB-E024-9C67-A770-76987979D9C7}"/>
+              </a:ext>
+            </a:extLst>
+          </p:cNvPr>
+          <p:cNvSpPr txBox="1"/>
+          <p:nvPr/>
+        </p:nvSpPr>
+        <p:spPr>
+          <a:xfrm>
+            <a:off x="271352" y="1335505"/>
+            <a:ext cx="11375216" cy="4493538"/>
+          </a:xfrm>
+          <a:prstGeom prst="rect">
+            <a:avLst/>
+          </a:prstGeom>
+          <a:noFill/>
+        </p:spPr>
+        <p:txBody>
+          <a:bodyPr wrap="square" rtlCol="0">
+            <a:spAutoFit/>
+          </a:bodyPr>
+          <a:lstStyle/>
+          <a:p>
+            <a:r>
+              <a:rPr lang="en-US" sz="2600" dirty="0">
+                <a:solidFill>
+                  <a:schemeClr val="tx2">
+                    <a:lumMod val="50000"/>
+                    <a:lumOff val="50000"/>
+                  </a:schemeClr>
+                </a:solidFill>
+                <a:latin typeface="Arial" panose="020B0604020202020204" pitchFamily="34" charset="0"/>
+                <a:cs typeface="Arial" panose="020B0604020202020204" pitchFamily="34" charset="0"/>
+              </a:rPr>
+              <a:t>Business Benefits:</a:t>
+            </a:r>
+          </a:p>
+          <a:p>
+            <a:endParaRPr lang="en-US" sz="2600" dirty="0">
+              <a:solidFill>
+                <a:schemeClr val="tx2">
+                  <a:lumMod val="50000"/>
+                  <a:lumOff val="50000"/>
+                </a:schemeClr>
+              </a:solidFill>
+              <a:latin typeface="Arial" panose="020B0604020202020204" pitchFamily="34" charset="0"/>
+              <a:cs typeface="Arial" panose="020B0604020202020204" pitchFamily="34" charset="0"/>
+            </a:endParaRPr>
+          </a:p>
+          <a:p>
+            <a:pPr>
+              <a:buFont typeface="Arial" panose="020B0604020202020204" pitchFamily="34" charset="0"/>
+              <a:buChar char="•"/>
+            </a:pPr>
+            <a:r>
+              <a:rPr lang="en-US" sz="2600" dirty="0">
+                <a:solidFill>
+                  <a:schemeClr val="tx2">
+                    <a:lumMod val="50000"/>
+                    <a:lumOff val="50000"/>
+                  </a:schemeClr>
+                </a:solidFill>
+                <a:latin typeface="Arial" panose="020B0604020202020204" pitchFamily="34" charset="0"/>
+                <a:cs typeface="Arial" panose="020B0604020202020204" pitchFamily="34" charset="0"/>
+              </a:rPr>
+              <a:t>This product  will create a new revenue stream for Zurich and helps differentiate the brand in a competitive market.</a:t>
+            </a:r>
+          </a:p>
+          <a:p>
+            <a:pPr>
+              <a:buFont typeface="Arial" panose="020B0604020202020204" pitchFamily="34" charset="0"/>
+              <a:buChar char="•"/>
+            </a:pPr>
+            <a:endParaRPr lang="en-US" sz="2600" dirty="0">
+              <a:solidFill>
+                <a:schemeClr val="tx2">
+                  <a:lumMod val="50000"/>
+                  <a:lumOff val="50000"/>
+                </a:schemeClr>
+              </a:solidFill>
+              <a:latin typeface="Arial" panose="020B0604020202020204" pitchFamily="34" charset="0"/>
+              <a:cs typeface="Arial" panose="020B0604020202020204" pitchFamily="34" charset="0"/>
+            </a:endParaRPr>
+          </a:p>
+          <a:p>
+            <a:pPr marL="742950" lvl="1" indent="-285750">
+              <a:buFont typeface="Arial" panose="020B0604020202020204" pitchFamily="34" charset="0"/>
+              <a:buChar char="•"/>
+            </a:pPr>
+            <a:r>
+              <a:rPr lang="en-US" sz="2600" dirty="0">
+                <a:solidFill>
+                  <a:schemeClr val="tx2">
+                    <a:lumMod val="50000"/>
+                    <a:lumOff val="50000"/>
+                  </a:schemeClr>
+                </a:solidFill>
+                <a:latin typeface="Arial" panose="020B0604020202020204" pitchFamily="34" charset="0"/>
+                <a:cs typeface="Arial" panose="020B0604020202020204" pitchFamily="34" charset="0"/>
+              </a:rPr>
+              <a:t>Market Differentiation: Zurich becomes the go-to insurer for triathletes, enhancing brand loyalty and attracting a new customer segment.</a:t>
+            </a:r>
+          </a:p>
+          <a:p>
+            <a:pPr marL="742950" lvl="1" indent="-285750">
+              <a:buFont typeface="Arial" panose="020B0604020202020204" pitchFamily="34" charset="0"/>
+              <a:buChar char="•"/>
+            </a:pPr>
+            <a:r>
+              <a:rPr lang="en-US" sz="2600" dirty="0">
+                <a:solidFill>
+                  <a:schemeClr val="tx2">
+                    <a:lumMod val="50000"/>
+                    <a:lumOff val="50000"/>
+                  </a:schemeClr>
+                </a:solidFill>
+                <a:latin typeface="Arial" panose="020B0604020202020204" pitchFamily="34" charset="0"/>
+                <a:cs typeface="Arial" panose="020B0604020202020204" pitchFamily="34" charset="0"/>
+              </a:rPr>
+              <a:t>Revenue Growth: Capture a growing market with specific needs, leading to increased policy sales.</a:t>
+            </a:r>
+          </a:p>
+          <a:p>
+            <a:pPr marL="742950" lvl="1" indent="-285750">
+              <a:buFont typeface="Arial" panose="020B0604020202020204" pitchFamily="34" charset="0"/>
+              <a:buChar char="•"/>
+            </a:pPr>
+            <a:r>
+              <a:rPr lang="en-US" sz="2600" dirty="0">
+                <a:solidFill>
+                  <a:schemeClr val="tx2">
+                    <a:lumMod val="50000"/>
+                    <a:lumOff val="50000"/>
+                  </a:schemeClr>
+                </a:solidFill>
+                <a:latin typeface="Arial" panose="020B0604020202020204" pitchFamily="34" charset="0"/>
+                <a:cs typeface="Arial" panose="020B0604020202020204" pitchFamily="34" charset="0"/>
+              </a:rPr>
+              <a:t>Cross-Selling Opportunities: Potential to offer other Zurich products to triathletes, such as travel insurance or personal accident insurance.</a:t>
+            </a:r>
+          </a:p>
+        </p:txBody>
+      </p:sp>
+    </p:spTree>
+    <p:extLst>
+      <p:ext uri="{BB962C8B-B14F-4D97-AF65-F5344CB8AC3E}">
+        <p14:creationId xmlns:p14="http://schemas.microsoft.com/office/powerpoint/2010/main" val="1846318508"/>
+      </p:ext>
+    </p:extLst>
+  </p:cSld>
+  <p:clrMapOvr>
+    <a:masterClrMapping/>
+  </p:clrMapOvr>
+</p:sld>
+</file>
+
+<file path=ppt/slides/slide6.xml><?xml version="1.0" encoding="utf-8"?>
+<p:sld xmlns:a="http://schemas.openxmlformats.org/drawingml/2006/main" xmlns:r="http://schemas.openxmlformats.org/officeDocument/2006/relationships" xmlns:p="http://schemas.openxmlformats.org/presentationml/2006/main">
+  <p:cSld>
+    <p:spTree>
+      <p:nvGrpSpPr>
+        <p:cNvPr id="1" name=""/>
+        <p:cNvGrpSpPr/>
+        <p:nvPr/>
+      </p:nvGrpSpPr>
+      <p:grpSpPr>
+        <a:xfrm>
+          <a:off x="0" y="0"/>
+          <a:ext cx="0" cy="0"/>
+          <a:chOff x="0" y="0"/>
+          <a:chExt cx="0" cy="0"/>
+        </a:xfrm>
+      </p:grpSpPr>
+      <p:pic>
+        <p:nvPicPr>
+          <p:cNvPr id="5" name="Imagen 4">
+            <a:extLst>
+              <a:ext uri="{FF2B5EF4-FFF2-40B4-BE49-F238E27FC236}">
+                <a16:creationId xmlns:a16="http://schemas.microsoft.com/office/drawing/2014/main" id="{174D030F-4697-BA08-B86C-5954C029D3EB}"/>
+              </a:ext>
+            </a:extLst>
+          </p:cNvPr>
+          <p:cNvPicPr>
+            <a:picLocks noChangeAspect="1"/>
+          </p:cNvPicPr>
+          <p:nvPr/>
+        </p:nvPicPr>
+        <p:blipFill>
+          <a:blip r:embed="rId3"/>
+          <a:stretch>
+            <a:fillRect/>
+          </a:stretch>
+        </p:blipFill>
+        <p:spPr>
+          <a:xfrm>
+            <a:off x="271352" y="288108"/>
+            <a:ext cx="2457793" cy="771633"/>
+          </a:xfrm>
+          <a:prstGeom prst="rect">
+            <a:avLst/>
+          </a:prstGeom>
+        </p:spPr>
+      </p:pic>
+      <p:sp>
+        <p:nvSpPr>
+          <p:cNvPr id="7" name="CuadroTexto 6">
+            <a:extLst>
+              <a:ext uri="{FF2B5EF4-FFF2-40B4-BE49-F238E27FC236}">
+                <a16:creationId xmlns:a16="http://schemas.microsoft.com/office/drawing/2014/main" id="{662D7AEB-E024-9C67-A770-76987979D9C7}"/>
+              </a:ext>
+            </a:extLst>
+          </p:cNvPr>
+          <p:cNvSpPr txBox="1"/>
+          <p:nvPr/>
+        </p:nvSpPr>
+        <p:spPr>
+          <a:xfrm>
+            <a:off x="271352" y="1335505"/>
+            <a:ext cx="11375216" cy="4893647"/>
+          </a:xfrm>
+          <a:prstGeom prst="rect">
+            <a:avLst/>
+          </a:prstGeom>
+          <a:noFill/>
+        </p:spPr>
+        <p:txBody>
+          <a:bodyPr wrap="square" rtlCol="0">
+            <a:spAutoFit/>
+          </a:bodyPr>
+          <a:lstStyle/>
+          <a:p>
+            <a:r>
+              <a:rPr lang="en-US" sz="2600" dirty="0">
+                <a:solidFill>
+                  <a:schemeClr val="tx2">
+                    <a:lumMod val="50000"/>
+                    <a:lumOff val="50000"/>
+                  </a:schemeClr>
+                </a:solidFill>
+                <a:latin typeface="Arial" panose="020B0604020202020204" pitchFamily="34" charset="0"/>
+                <a:cs typeface="Arial" panose="020B0604020202020204" pitchFamily="34" charset="0"/>
+              </a:rPr>
+              <a:t>Product features:</a:t>
+            </a:r>
+          </a:p>
+          <a:p>
+            <a:endParaRPr lang="en-US" sz="2600" dirty="0">
+              <a:solidFill>
+                <a:schemeClr val="tx2">
+                  <a:lumMod val="50000"/>
+                  <a:lumOff val="50000"/>
+                </a:schemeClr>
+              </a:solidFill>
+              <a:latin typeface="Arial" panose="020B0604020202020204" pitchFamily="34" charset="0"/>
+              <a:cs typeface="Arial" panose="020B0604020202020204" pitchFamily="34" charset="0"/>
+            </a:endParaRPr>
+          </a:p>
+          <a:p>
+            <a:r>
+              <a:rPr lang="en-US" sz="2600" dirty="0">
+                <a:solidFill>
+                  <a:schemeClr val="tx2">
+                    <a:lumMod val="50000"/>
+                    <a:lumOff val="50000"/>
+                  </a:schemeClr>
+                </a:solidFill>
+                <a:latin typeface="Arial" panose="020B0604020202020204" pitchFamily="34" charset="0"/>
+                <a:cs typeface="Arial" panose="020B0604020202020204" pitchFamily="34" charset="0"/>
+              </a:rPr>
+              <a:t>Provide a more granular look at what the product covers, including specific features like:</a:t>
+            </a:r>
+          </a:p>
+          <a:p>
+            <a:endParaRPr lang="en-US" sz="2600" dirty="0">
+              <a:solidFill>
+                <a:schemeClr val="tx2">
+                  <a:lumMod val="50000"/>
+                  <a:lumOff val="50000"/>
+                </a:schemeClr>
+              </a:solidFill>
+              <a:latin typeface="Arial" panose="020B0604020202020204" pitchFamily="34" charset="0"/>
+              <a:cs typeface="Arial" panose="020B0604020202020204" pitchFamily="34" charset="0"/>
+            </a:endParaRPr>
+          </a:p>
+          <a:p>
+            <a:pPr marL="742950" lvl="1" indent="-285750">
+              <a:buFont typeface="Arial" panose="020B0604020202020204" pitchFamily="34" charset="0"/>
+              <a:buChar char="•"/>
+            </a:pPr>
+            <a:r>
+              <a:rPr lang="en-US" sz="2600" b="1" dirty="0">
+                <a:latin typeface="Arial" panose="020B0604020202020204" pitchFamily="34" charset="0"/>
+                <a:cs typeface="Arial" panose="020B0604020202020204" pitchFamily="34" charset="0"/>
+              </a:rPr>
+              <a:t>Equipment Coverage</a:t>
+            </a:r>
+            <a:r>
+              <a:rPr lang="en-US" sz="2600" dirty="0">
+                <a:solidFill>
+                  <a:schemeClr val="tx2">
+                    <a:lumMod val="50000"/>
+                    <a:lumOff val="50000"/>
+                  </a:schemeClr>
+                </a:solidFill>
+                <a:latin typeface="Arial" panose="020B0604020202020204" pitchFamily="34" charset="0"/>
+                <a:cs typeface="Arial" panose="020B0604020202020204" pitchFamily="34" charset="0"/>
+              </a:rPr>
+              <a:t>: Covers bikes, wetsuits, helmet and other gear used in triathlons. </a:t>
+            </a:r>
+          </a:p>
+          <a:p>
+            <a:pPr marL="742950" lvl="1" indent="-285750">
+              <a:buFont typeface="Arial" panose="020B0604020202020204" pitchFamily="34" charset="0"/>
+              <a:buChar char="•"/>
+            </a:pPr>
+            <a:r>
+              <a:rPr lang="en-US" sz="2600" dirty="0">
+                <a:solidFill>
+                  <a:schemeClr val="tx2">
+                    <a:lumMod val="50000"/>
+                    <a:lumOff val="50000"/>
+                  </a:schemeClr>
+                </a:solidFill>
+                <a:latin typeface="Arial" panose="020B0604020202020204" pitchFamily="34" charset="0"/>
+                <a:cs typeface="Arial" panose="020B0604020202020204" pitchFamily="34" charset="0"/>
+              </a:rPr>
+              <a:t>Event Coverage: Covers entry fees, travel expenses, and accommodation costs if the event is canceled or postponed.</a:t>
+            </a:r>
+          </a:p>
+          <a:p>
+            <a:pPr marL="742950" lvl="1" indent="-285750">
+              <a:buFont typeface="Arial" panose="020B0604020202020204" pitchFamily="34" charset="0"/>
+              <a:buChar char="•"/>
+            </a:pPr>
+            <a:r>
+              <a:rPr lang="en-US" sz="2600" dirty="0">
+                <a:solidFill>
+                  <a:schemeClr val="tx2">
+                    <a:lumMod val="50000"/>
+                    <a:lumOff val="50000"/>
+                  </a:schemeClr>
+                </a:solidFill>
+                <a:latin typeface="Arial" panose="020B0604020202020204" pitchFamily="34" charset="0"/>
+                <a:cs typeface="Arial" panose="020B0604020202020204" pitchFamily="34" charset="0"/>
+              </a:rPr>
+              <a:t>International Coverage: Ensures coverage for athletes competing in events worldwide.</a:t>
+            </a:r>
+          </a:p>
+          <a:p>
+            <a:pPr marL="742950" lvl="1" indent="-285750">
+              <a:buFont typeface="Arial" panose="020B0604020202020204" pitchFamily="34" charset="0"/>
+              <a:buChar char="•"/>
+            </a:pPr>
+            <a:endParaRPr lang="en-US" sz="2600" dirty="0">
+              <a:solidFill>
+                <a:schemeClr val="tx2">
+                  <a:lumMod val="50000"/>
+                  <a:lumOff val="50000"/>
+                </a:schemeClr>
+              </a:solidFill>
+              <a:latin typeface="Arial" panose="020B0604020202020204" pitchFamily="34" charset="0"/>
+              <a:cs typeface="Arial" panose="020B0604020202020204" pitchFamily="34" charset="0"/>
+            </a:endParaRPr>
+          </a:p>
+        </p:txBody>
+      </p:sp>
+    </p:spTree>
+    <p:extLst>
+      <p:ext uri="{BB962C8B-B14F-4D97-AF65-F5344CB8AC3E}">
+        <p14:creationId xmlns:p14="http://schemas.microsoft.com/office/powerpoint/2010/main" val="329914100"/>
+      </p:ext>
+    </p:extLst>
+  </p:cSld>
+  <p:clrMapOvr>
+    <a:masterClrMapping/>
+  </p:clrMapOvr>
+</p:sld>
+</file>
+
+<file path=ppt/slides/slide7.xml><?xml version="1.0" encoding="utf-8"?>
+<p:sld xmlns:a="http://schemas.openxmlformats.org/drawingml/2006/main" xmlns:r="http://schemas.openxmlformats.org/officeDocument/2006/relationships" xmlns:p="http://schemas.openxmlformats.org/presentationml/2006/main">
+  <p:cSld>
+    <p:spTree>
+      <p:nvGrpSpPr>
+        <p:cNvPr id="1" name=""/>
+        <p:cNvGrpSpPr/>
+        <p:nvPr/>
+      </p:nvGrpSpPr>
+      <p:grpSpPr>
+        <a:xfrm>
+          <a:off x="0" y="0"/>
+          <a:ext cx="0" cy="0"/>
+          <a:chOff x="0" y="0"/>
+          <a:chExt cx="0" cy="0"/>
+        </a:xfrm>
+      </p:grpSpPr>
+      <p:pic>
+        <p:nvPicPr>
+          <p:cNvPr id="5" name="Imagen 4">
+            <a:extLst>
+              <a:ext uri="{FF2B5EF4-FFF2-40B4-BE49-F238E27FC236}">
+                <a16:creationId xmlns:a16="http://schemas.microsoft.com/office/drawing/2014/main" id="{174D030F-4697-BA08-B86C-5954C029D3EB}"/>
+              </a:ext>
+            </a:extLst>
+          </p:cNvPr>
+          <p:cNvPicPr>
+            <a:picLocks noChangeAspect="1"/>
+          </p:cNvPicPr>
+          <p:nvPr/>
+        </p:nvPicPr>
+        <p:blipFill>
+          <a:blip r:embed="rId2"/>
+          <a:stretch>
+            <a:fillRect/>
+          </a:stretch>
+        </p:blipFill>
+        <p:spPr>
+          <a:xfrm>
+            <a:off x="271352" y="288108"/>
+            <a:ext cx="2457793" cy="771633"/>
+          </a:xfrm>
+          <a:prstGeom prst="rect">
+            <a:avLst/>
+          </a:prstGeom>
+        </p:spPr>
+      </p:pic>
+      <p:pic>
+        <p:nvPicPr>
+          <p:cNvPr id="6" name="Imagen 5">
+            <a:extLst>
+              <a:ext uri="{FF2B5EF4-FFF2-40B4-BE49-F238E27FC236}">
+                <a16:creationId xmlns:a16="http://schemas.microsoft.com/office/drawing/2014/main" id="{4AB9095F-760B-38A9-4732-A39D0F6FB7F1}"/>
+              </a:ext>
+            </a:extLst>
+          </p:cNvPr>
+          <p:cNvPicPr>
+            <a:picLocks noChangeAspect="1"/>
+          </p:cNvPicPr>
+          <p:nvPr/>
+        </p:nvPicPr>
+        <p:blipFill>
+          <a:blip r:embed="rId3"/>
+          <a:stretch>
+            <a:fillRect/>
+          </a:stretch>
+        </p:blipFill>
+        <p:spPr>
+          <a:xfrm>
+            <a:off x="4015111" y="2269731"/>
+            <a:ext cx="7643489" cy="4404533"/>
+          </a:xfrm>
+          <a:prstGeom prst="rect">
+            <a:avLst/>
+          </a:prstGeom>
+        </p:spPr>
+      </p:pic>
+      <p:sp>
+        <p:nvSpPr>
+          <p:cNvPr id="2" name="CuadroTexto 1">
+            <a:extLst>
+              <a:ext uri="{FF2B5EF4-FFF2-40B4-BE49-F238E27FC236}">
+                <a16:creationId xmlns:a16="http://schemas.microsoft.com/office/drawing/2014/main" id="{4B8DB746-35DA-F1AC-2F0E-CA8075240BDD}"/>
+              </a:ext>
+            </a:extLst>
+          </p:cNvPr>
+          <p:cNvSpPr txBox="1"/>
+          <p:nvPr/>
+        </p:nvSpPr>
+        <p:spPr>
+          <a:xfrm>
+            <a:off x="465532" y="1600200"/>
+            <a:ext cx="11193068" cy="1569660"/>
+          </a:xfrm>
+          <a:prstGeom prst="rect">
+            <a:avLst/>
+          </a:prstGeom>
+          <a:noFill/>
+        </p:spPr>
+        <p:txBody>
+          <a:bodyPr wrap="square" rtlCol="0">
+            <a:spAutoFit/>
+          </a:bodyPr>
+          <a:lstStyle/>
+          <a:p>
+            <a:pPr algn="just"/>
+            <a:r>
+              <a:rPr lang="en-US" sz="3200" dirty="0">
+                <a:solidFill>
+                  <a:schemeClr val="tx2">
+                    <a:lumMod val="50000"/>
+                    <a:lumOff val="50000"/>
+                  </a:schemeClr>
+                </a:solidFill>
+                <a:latin typeface="Arial" panose="020B0604020202020204" pitchFamily="34" charset="0"/>
+                <a:cs typeface="Arial" panose="020B0604020202020204" pitchFamily="34" charset="0"/>
+              </a:rPr>
+              <a:t>As a part of klinc.com, we can add the new product quickly to the market.</a:t>
+            </a:r>
+          </a:p>
+          <a:p>
+            <a:pPr algn="just"/>
+            <a:endParaRPr lang="en-US" sz="3200" dirty="0">
+              <a:solidFill>
+                <a:schemeClr val="tx2">
+                  <a:lumMod val="50000"/>
+                  <a:lumOff val="50000"/>
+                </a:schemeClr>
+              </a:solidFill>
+              <a:latin typeface="Arial" panose="020B0604020202020204" pitchFamily="34" charset="0"/>
+              <a:cs typeface="Arial" panose="020B0604020202020204" pitchFamily="34" charset="0"/>
+            </a:endParaRPr>
+          </a:p>
+        </p:txBody>
+      </p:sp>
+    </p:spTree>
+    <p:extLst>
+      <p:ext uri="{BB962C8B-B14F-4D97-AF65-F5344CB8AC3E}">
+        <p14:creationId xmlns:p14="http://schemas.microsoft.com/office/powerpoint/2010/main" val="1922170558"/>
+      </p:ext>
+    </p:extLst>
+  </p:cSld>
+  <p:clrMapOvr>
+    <a:masterClrMapping/>
+  </p:clrMapOvr>
+  <mc:AlternateContent xmlns:mc="http://schemas.openxmlformats.org/markup-compatibility/2006" xmlns:p159="http://schemas.microsoft.com/office/powerpoint/2015/09/main">
+    <mc:Choice Requires="p159">
+      <p:transition xmlns:p14="http://schemas.microsoft.com/office/powerpoint/2010/main" spd="slow" p14:dur="2000">
+        <p159:morph option="byObject"/>
+      </p:transition>
+    </mc:Choice>
+    <mc:Fallback xmlns="">
+      <p:transition spd="slow">
+        <p:fade/>
+      </p:transition>
+    </mc:Fallback>
+  </mc:AlternateContent>
+</p:sld>
+</file>
+
+<file path=ppt/slides/slide8.xml><?xml version="1.0" encoding="utf-8"?>
+<p:sld xmlns:a="http://schemas.openxmlformats.org/drawingml/2006/main" xmlns:r="http://schemas.openxmlformats.org/officeDocument/2006/relationships" xmlns:p="http://schemas.openxmlformats.org/presentationml/2006/main">
+  <p:cSld>
+    <p:spTree>
+      <p:nvGrpSpPr>
+        <p:cNvPr id="1" name=""/>
+        <p:cNvGrpSpPr/>
+        <p:nvPr/>
+      </p:nvGrpSpPr>
+      <p:grpSpPr>
+        <a:xfrm>
+          <a:off x="0" y="0"/>
+          <a:ext cx="0" cy="0"/>
+          <a:chOff x="0" y="0"/>
+          <a:chExt cx="0" cy="0"/>
+        </a:xfrm>
+      </p:grpSpPr>
+      <p:pic>
+        <p:nvPicPr>
+          <p:cNvPr id="5" name="Imagen 4">
+            <a:extLst>
+              <a:ext uri="{FF2B5EF4-FFF2-40B4-BE49-F238E27FC236}">
+                <a16:creationId xmlns:a16="http://schemas.microsoft.com/office/drawing/2014/main" id="{174D030F-4697-BA08-B86C-5954C029D3EB}"/>
+              </a:ext>
+            </a:extLst>
+          </p:cNvPr>
+          <p:cNvPicPr>
+            <a:picLocks noChangeAspect="1"/>
+          </p:cNvPicPr>
+          <p:nvPr/>
+        </p:nvPicPr>
+        <p:blipFill>
+          <a:blip r:embed="rId2"/>
+          <a:stretch>
+            <a:fillRect/>
+          </a:stretch>
+        </p:blipFill>
+        <p:spPr>
+          <a:xfrm>
+            <a:off x="271352" y="288108"/>
+            <a:ext cx="2457793" cy="771633"/>
+          </a:xfrm>
+          <a:prstGeom prst="rect">
+            <a:avLst/>
+          </a:prstGeom>
+        </p:spPr>
+      </p:pic>
+      <p:pic>
+        <p:nvPicPr>
+          <p:cNvPr id="6" name="Imagen 5">
+            <a:extLst>
+              <a:ext uri="{FF2B5EF4-FFF2-40B4-BE49-F238E27FC236}">
+                <a16:creationId xmlns:a16="http://schemas.microsoft.com/office/drawing/2014/main" id="{4AB9095F-760B-38A9-4732-A39D0F6FB7F1}"/>
+              </a:ext>
+            </a:extLst>
+          </p:cNvPr>
+          <p:cNvPicPr>
+            <a:picLocks noChangeAspect="1"/>
+          </p:cNvPicPr>
+          <p:nvPr/>
+        </p:nvPicPr>
+        <p:blipFill>
+          <a:blip r:embed="rId3"/>
+          <a:stretch>
+            <a:fillRect/>
+          </a:stretch>
+        </p:blipFill>
+        <p:spPr>
+          <a:xfrm>
+            <a:off x="4015111" y="2269731"/>
+            <a:ext cx="7643489" cy="4404533"/>
+          </a:xfrm>
+          <a:prstGeom prst="rect">
+            <a:avLst/>
+          </a:prstGeom>
+        </p:spPr>
+      </p:pic>
+      <p:sp>
+        <p:nvSpPr>
+          <p:cNvPr id="2" name="CuadroTexto 1">
+            <a:extLst>
+              <a:ext uri="{FF2B5EF4-FFF2-40B4-BE49-F238E27FC236}">
+                <a16:creationId xmlns:a16="http://schemas.microsoft.com/office/drawing/2014/main" id="{4B8DB746-35DA-F1AC-2F0E-CA8075240BDD}"/>
+              </a:ext>
+            </a:extLst>
+          </p:cNvPr>
+          <p:cNvSpPr txBox="1"/>
+          <p:nvPr/>
+        </p:nvSpPr>
+        <p:spPr>
+          <a:xfrm>
+            <a:off x="465532" y="1600200"/>
+            <a:ext cx="11193068" cy="1569660"/>
+          </a:xfrm>
+          <a:prstGeom prst="rect">
+            <a:avLst/>
+          </a:prstGeom>
+          <a:noFill/>
+        </p:spPr>
+        <p:txBody>
+          <a:bodyPr wrap="square" rtlCol="0">
+            <a:spAutoFit/>
+          </a:bodyPr>
+          <a:lstStyle/>
+          <a:p>
+            <a:pPr algn="just"/>
+            <a:r>
+              <a:rPr lang="en-US" sz="3200" dirty="0">
+                <a:solidFill>
+                  <a:schemeClr val="tx2">
+                    <a:lumMod val="50000"/>
+                    <a:lumOff val="50000"/>
+                  </a:schemeClr>
+                </a:solidFill>
+                <a:latin typeface="Arial" panose="020B0604020202020204" pitchFamily="34" charset="0"/>
+                <a:cs typeface="Arial" panose="020B0604020202020204" pitchFamily="34" charset="0"/>
+              </a:rPr>
+              <a:t>As a part of klinc.com, we can add the new product quickly to the market.</a:t>
+            </a:r>
+          </a:p>
+          <a:p>
+            <a:pPr algn="just"/>
+            <a:endParaRPr lang="en-US" sz="3200" dirty="0">
+              <a:solidFill>
+                <a:schemeClr val="tx2">
+                  <a:lumMod val="50000"/>
+                  <a:lumOff val="50000"/>
+                </a:schemeClr>
+              </a:solidFill>
+              <a:latin typeface="Arial" panose="020B0604020202020204" pitchFamily="34" charset="0"/>
+              <a:cs typeface="Arial" panose="020B0604020202020204" pitchFamily="34" charset="0"/>
+            </a:endParaRPr>
+          </a:p>
+        </p:txBody>
+      </p:sp>
+      <p:pic>
+        <p:nvPicPr>
+          <p:cNvPr id="3" name="Imagen 2">
+            <a:extLst>
+              <a:ext uri="{FF2B5EF4-FFF2-40B4-BE49-F238E27FC236}">
+                <a16:creationId xmlns:a16="http://schemas.microsoft.com/office/drawing/2014/main" id="{EBE5058C-2E79-CB7A-9C80-C02CBC6B010C}"/>
+              </a:ext>
+            </a:extLst>
+          </p:cNvPr>
+          <p:cNvPicPr>
+            <a:picLocks noChangeAspect="1"/>
+          </p:cNvPicPr>
+          <p:nvPr/>
+        </p:nvPicPr>
+        <p:blipFill>
+          <a:blip r:embed="rId4"/>
+          <a:stretch>
+            <a:fillRect/>
+          </a:stretch>
+        </p:blipFill>
+        <p:spPr>
+          <a:xfrm>
+            <a:off x="4075271" y="2892740"/>
+            <a:ext cx="2373655" cy="1727387"/>
+          </a:xfrm>
+          <a:prstGeom prst="rect">
+            <a:avLst/>
+          </a:prstGeom>
+        </p:spPr>
+      </p:pic>
+    </p:spTree>
+    <p:extLst>
+      <p:ext uri="{BB962C8B-B14F-4D97-AF65-F5344CB8AC3E}">
+        <p14:creationId xmlns:p14="http://schemas.microsoft.com/office/powerpoint/2010/main" val="299838484"/>
+      </p:ext>
+    </p:extLst>
+  </p:cSld>
+  <p:clrMapOvr>
+    <a:masterClrMapping/>
+  </p:clrMapOvr>
+  <mc:AlternateContent xmlns:mc="http://schemas.openxmlformats.org/markup-compatibility/2006" xmlns:p159="http://schemas.microsoft.com/office/powerpoint/2015/09/main">
+    <mc:Choice Requires="p159">
+      <p:transition xmlns:p14="http://schemas.microsoft.com/office/powerpoint/2010/main" spd="slow" p14:dur="2000">
+        <p159:morph option="byObject"/>
+      </p:transition>
+    </mc:Choice>
+    <mc:Fallback xmlns="">
+      <p:transition spd="slow">
+        <p:fade/>
+      </p:transition>
+    </mc:Fallback>
+  </mc:AlternateContent>
+</p:sld>
+</file>
+
+<file path=ppt/slides/slide9.xml><?xml version="1.0" encoding="utf-8"?>
+<p:sld xmlns:a="http://schemas.openxmlformats.org/drawingml/2006/main" xmlns:r="http://schemas.openxmlformats.org/officeDocument/2006/relationships" xmlns:p="http://schemas.openxmlformats.org/presentationml/2006/main">
+  <p:cSld>
+    <p:spTree>
+      <p:nvGrpSpPr>
+        <p:cNvPr id="1" name=""/>
+        <p:cNvGrpSpPr/>
+        <p:nvPr/>
+      </p:nvGrpSpPr>
+      <p:grpSpPr>
+        <a:xfrm>
+          <a:off x="0" y="0"/>
+          <a:ext cx="0" cy="0"/>
+          <a:chOff x="0" y="0"/>
+          <a:chExt cx="0" cy="0"/>
+        </a:xfrm>
+      </p:grpSpPr>
+      <p:pic>
+        <p:nvPicPr>
+          <p:cNvPr id="5" name="Imagen 4">
+            <a:extLst>
+              <a:ext uri="{FF2B5EF4-FFF2-40B4-BE49-F238E27FC236}">
+                <a16:creationId xmlns:a16="http://schemas.microsoft.com/office/drawing/2014/main" id="{174D030F-4697-BA08-B86C-5954C029D3EB}"/>
+              </a:ext>
+            </a:extLst>
+          </p:cNvPr>
+          <p:cNvPicPr>
+            <a:picLocks noChangeAspect="1"/>
+          </p:cNvPicPr>
+          <p:nvPr/>
+        </p:nvPicPr>
+        <p:blipFill>
+          <a:blip r:embed="rId2"/>
+          <a:stretch>
+            <a:fillRect/>
+          </a:stretch>
+        </p:blipFill>
+        <p:spPr>
+          <a:xfrm>
+            <a:off x="271352" y="288108"/>
+            <a:ext cx="2457793" cy="771633"/>
+          </a:xfrm>
+          <a:prstGeom prst="rect">
+            <a:avLst/>
+          </a:prstGeom>
+        </p:spPr>
+      </p:pic>
+      <p:pic>
+        <p:nvPicPr>
+          <p:cNvPr id="7" name="Imagen 6">
+            <a:extLst>
+              <a:ext uri="{FF2B5EF4-FFF2-40B4-BE49-F238E27FC236}">
+                <a16:creationId xmlns:a16="http://schemas.microsoft.com/office/drawing/2014/main" id="{B4F43EEF-432D-50E5-0448-D4090F319F8C}"/>
+              </a:ext>
+            </a:extLst>
+          </p:cNvPr>
+          <p:cNvPicPr>
+            <a:picLocks noChangeAspect="1"/>
+          </p:cNvPicPr>
+          <p:nvPr/>
+        </p:nvPicPr>
+        <p:blipFill>
+          <a:blip r:embed="rId3"/>
+          <a:stretch>
+            <a:fillRect/>
+          </a:stretch>
+        </p:blipFill>
+        <p:spPr>
+          <a:xfrm>
+            <a:off x="1650670" y="1018420"/>
+            <a:ext cx="8526968" cy="5839580"/>
+          </a:xfrm>
+          <a:prstGeom prst="rect">
+            <a:avLst/>
+          </a:prstGeom>
+        </p:spPr>
+      </p:pic>
+    </p:spTree>
+    <p:extLst>
+      <p:ext uri="{BB962C8B-B14F-4D97-AF65-F5344CB8AC3E}">
+        <p14:creationId xmlns:p14="http://schemas.microsoft.com/office/powerpoint/2010/main" val="3781273322"/>
+      </p:ext>
+    </p:extLst>
+  </p:cSld>
+  <p:clrMapOvr>
+    <a:masterClrMapping/>
+  </p:clrMapOvr>
+  <mc:AlternateContent xmlns:mc="http://schemas.openxmlformats.org/markup-compatibility/2006" xmlns:p159="http://schemas.microsoft.com/office/powerpoint/2015/09/main">
+    <mc:Choice Requires="p159">
+      <p:transition xmlns:p14="http://schemas.microsoft.com/office/powerpoint/2010/main" spd="slow" p14:dur="2000">
+        <p159:morph option="byObject"/>
+      </p:transition>
+    </mc:Choice>
+    <mc:Fallback xmlns="">
+      <p:transition spd="slow">
+        <p:fade/>
+      </p:transition>
+    </mc:Fallback>
+  </mc:AlternateContent>
 </p:sld>
 </file>
 
@@ -3677,4 +7626,319 @@
     </a:ext>
   </a:extLst>
 </a:theme>
+</file>
+
+<file path=ppt/theme/theme2.xml><?xml version="1.0" encoding="utf-8"?>
+<a:theme xmlns:a="http://schemas.openxmlformats.org/drawingml/2006/main" name="Tema de Office">
+  <a:themeElements>
+    <a:clrScheme name="Office">
+      <a:dk1>
+        <a:sysClr val="windowText" lastClr="000000"/>
+      </a:dk1>
+      <a:lt1>
+        <a:sysClr val="window" lastClr="FFFFFF"/>
+      </a:lt1>
+      <a:dk2>
+        <a:srgbClr val="0E2841"/>
+      </a:dk2>
+      <a:lt2>
+        <a:srgbClr val="E8E8E8"/>
+      </a:lt2>
+      <a:accent1>
+        <a:srgbClr val="156082"/>
+      </a:accent1>
+      <a:accent2>
+        <a:srgbClr val="E97132"/>
+      </a:accent2>
+      <a:accent3>
+        <a:srgbClr val="196B24"/>
+      </a:accent3>
+      <a:accent4>
+        <a:srgbClr val="0F9ED5"/>
+      </a:accent4>
+      <a:accent5>
+        <a:srgbClr val="A02B93"/>
+      </a:accent5>
+      <a:accent6>
+        <a:srgbClr val="4EA72E"/>
+      </a:accent6>
+      <a:hlink>
+        <a:srgbClr val="467886"/>
+      </a:hlink>
+      <a:folHlink>
+        <a:srgbClr val="96607D"/>
+      </a:folHlink>
+    </a:clrScheme>
+    <a:fontScheme name="Office">
+      <a:majorFont>
+        <a:latin typeface="Aptos Display" panose="02110004020202020204"/>
+        <a:ea typeface=""/>
+        <a:cs typeface=""/>
+        <a:font script="Jpan" typeface="游ゴシック Light"/>
+        <a:font script="Hang" typeface="맑은 고딕"/>
+        <a:font script="Hans" typeface="等线 Light"/>
+        <a:font script="Hant" typeface="新細明體"/>
+        <a:font script="Arab" typeface="Times New Roman"/>
+        <a:font script="Hebr" typeface="Times New Roman"/>
+        <a:font script="Thai" typeface="Angsana New"/>
+        <a:font script="Ethi" typeface="Nyala"/>
+        <a:font script="Beng" typeface="Vrinda"/>
+        <a:font script="Gujr" typeface="Shruti"/>
+        <a:font script="Khmr" typeface="MoolBoran"/>
+        <a:font script="Knda" typeface="Tunga"/>
+        <a:font script="Guru" typeface="Raavi"/>
+        <a:font script="Cans" typeface="Euphemia"/>
+        <a:font script="Cher" typeface="Plantagenet Cherokee"/>
+        <a:font script="Yiii" typeface="Microsoft Yi Baiti"/>
+        <a:font script="Tibt" typeface="Microsoft Himalaya"/>
+        <a:font script="Thaa" typeface="MV Boli"/>
+        <a:font script="Deva" typeface="Mangal"/>
+        <a:font script="Telu" typeface="Gautami"/>
+        <a:font script="Taml" typeface="Latha"/>
+        <a:font script="Syrc" typeface="Estrangelo Edessa"/>
+        <a:font script="Orya" typeface="Kalinga"/>
+        <a:font script="Mlym" typeface="Kartika"/>
+        <a:font script="Laoo" typeface="DokChampa"/>
+        <a:font script="Sinh" typeface="Iskoola Pota"/>
+        <a:font script="Mong" typeface="Mongolian Baiti"/>
+        <a:font script="Viet" typeface="Times New Roman"/>
+        <a:font script="Uigh" typeface="Microsoft Uighur"/>
+        <a:font script="Geor" typeface="Sylfaen"/>
+        <a:font script="Armn" typeface="Arial"/>
+        <a:font script="Bugi" typeface="Leelawadee UI"/>
+        <a:font script="Bopo" typeface="Microsoft JhengHei"/>
+        <a:font script="Java" typeface="Javanese Text"/>
+        <a:font script="Lisu" typeface="Segoe UI"/>
+        <a:font script="Mymr" typeface="Myanmar Text"/>
+        <a:font script="Nkoo" typeface="Ebrima"/>
+        <a:font script="Olck" typeface="Nirmala UI"/>
+        <a:font script="Osma" typeface="Ebrima"/>
+        <a:font script="Phag" typeface="Phagspa"/>
+        <a:font script="Syrn" typeface="Estrangelo Edessa"/>
+        <a:font script="Syrj" typeface="Estrangelo Edessa"/>
+        <a:font script="Syre" typeface="Estrangelo Edessa"/>
+        <a:font script="Sora" typeface="Nirmala UI"/>
+        <a:font script="Tale" typeface="Microsoft Tai Le"/>
+        <a:font script="Talu" typeface="Microsoft New Tai Lue"/>
+        <a:font script="Tfng" typeface="Ebrima"/>
+      </a:majorFont>
+      <a:minorFont>
+        <a:latin typeface="Aptos" panose="02110004020202020204"/>
+        <a:ea typeface=""/>
+        <a:cs typeface=""/>
+        <a:font script="Jpan" typeface="游ゴシック"/>
+        <a:font script="Hang" typeface="맑은 고딕"/>
+        <a:font script="Hans" typeface="等线"/>
+        <a:font script="Hant" typeface="新細明體"/>
+        <a:font script="Arab" typeface="Arial"/>
+        <a:font script="Hebr" typeface="Arial"/>
+        <a:font script="Thai" typeface="Cordia New"/>
+        <a:font script="Ethi" typeface="Nyala"/>
+        <a:font script="Beng" typeface="Vrinda"/>
+        <a:font script="Gujr" typeface="Shruti"/>
+        <a:font script="Khmr" typeface="DaunPenh"/>
+        <a:font script="Knda" typeface="Tunga"/>
+        <a:font script="Guru" typeface="Raavi"/>
+        <a:font script="Cans" typeface="Euphemia"/>
+        <a:font script="Cher" typeface="Plantagenet Cherokee"/>
+        <a:font script="Yiii" typeface="Microsoft Yi Baiti"/>
+        <a:font script="Tibt" typeface="Microsoft Himalaya"/>
+        <a:font script="Thaa" typeface="MV Boli"/>
+        <a:font script="Deva" typeface="Mangal"/>
+        <a:font script="Telu" typeface="Gautami"/>
+        <a:font script="Taml" typeface="Latha"/>
+        <a:font script="Syrc" typeface="Estrangelo Edessa"/>
+        <a:font script="Orya" typeface="Kalinga"/>
+        <a:font script="Mlym" typeface="Kartika"/>
+        <a:font script="Laoo" typeface="DokChampa"/>
+        <a:font script="Sinh" typeface="Iskoola Pota"/>
+        <a:font script="Mong" typeface="Mongolian Baiti"/>
+        <a:font script="Viet" typeface="Arial"/>
+        <a:font script="Uigh" typeface="Microsoft Uighur"/>
+        <a:font script="Geor" typeface="Sylfaen"/>
+        <a:font script="Armn" typeface="Arial"/>
+        <a:font script="Bugi" typeface="Leelawadee UI"/>
+        <a:font script="Bopo" typeface="Microsoft JhengHei"/>
+        <a:font script="Java" typeface="Javanese Text"/>
+        <a:font script="Lisu" typeface="Segoe UI"/>
+        <a:font script="Mymr" typeface="Myanmar Text"/>
+        <a:font script="Nkoo" typeface="Ebrima"/>
+        <a:font script="Olck" typeface="Nirmala UI"/>
+        <a:font script="Osma" typeface="Ebrima"/>
+        <a:font script="Phag" typeface="Phagspa"/>
+        <a:font script="Syrn" typeface="Estrangelo Edessa"/>
+        <a:font script="Syrj" typeface="Estrangelo Edessa"/>
+        <a:font script="Syre" typeface="Estrangelo Edessa"/>
+        <a:font script="Sora" typeface="Nirmala UI"/>
+        <a:font script="Tale" typeface="Microsoft Tai Le"/>
+        <a:font script="Talu" typeface="Microsoft New Tai Lue"/>
+        <a:font script="Tfng" typeface="Ebrima"/>
+      </a:minorFont>
+    </a:fontScheme>
+    <a:fmtScheme name="Office">
+      <a:fillStyleLst>
+        <a:solidFill>
+          <a:schemeClr val="phClr"/>
+        </a:solidFill>
+        <a:gradFill rotWithShape="1">
+          <a:gsLst>
+            <a:gs pos="0">
+              <a:schemeClr val="phClr">
+                <a:lumMod val="110000"/>
+                <a:satMod val="105000"/>
+                <a:tint val="67000"/>
+              </a:schemeClr>
+            </a:gs>
+            <a:gs pos="50000">
+              <a:schemeClr val="phClr">
+                <a:lumMod val="105000"/>
+                <a:satMod val="103000"/>
+                <a:tint val="73000"/>
+              </a:schemeClr>
+            </a:gs>
+            <a:gs pos="100000">
+              <a:schemeClr val="phClr">
+                <a:lumMod val="105000"/>
+                <a:satMod val="109000"/>
+                <a:tint val="81000"/>
+              </a:schemeClr>
+            </a:gs>
+          </a:gsLst>
+          <a:lin ang="5400000" scaled="0"/>
+        </a:gradFill>
+        <a:gradFill rotWithShape="1">
+          <a:gsLst>
+            <a:gs pos="0">
+              <a:schemeClr val="phClr">
+                <a:satMod val="103000"/>
+                <a:lumMod val="102000"/>
+                <a:tint val="94000"/>
+              </a:schemeClr>
+            </a:gs>
+            <a:gs pos="50000">
+              <a:schemeClr val="phClr">
+                <a:satMod val="110000"/>
+                <a:lumMod val="100000"/>
+                <a:shade val="100000"/>
+              </a:schemeClr>
+            </a:gs>
+            <a:gs pos="100000">
+              <a:schemeClr val="phClr">
+                <a:lumMod val="99000"/>
+                <a:satMod val="120000"/>
+                <a:shade val="78000"/>
+              </a:schemeClr>
+            </a:gs>
+          </a:gsLst>
+          <a:lin ang="5400000" scaled="0"/>
+        </a:gradFill>
+      </a:fillStyleLst>
+      <a:lnStyleLst>
+        <a:ln w="12700" cap="flat" cmpd="sng" algn="ctr">
+          <a:solidFill>
+            <a:schemeClr val="phClr"/>
+          </a:solidFill>
+          <a:prstDash val="solid"/>
+          <a:miter lim="800000"/>
+        </a:ln>
+        <a:ln w="19050" cap="flat" cmpd="sng" algn="ctr">
+          <a:solidFill>
+            <a:schemeClr val="phClr"/>
+          </a:solidFill>
+          <a:prstDash val="solid"/>
+          <a:miter lim="800000"/>
+        </a:ln>
+        <a:ln w="25400" cap="flat" cmpd="sng" algn="ctr">
+          <a:solidFill>
+            <a:schemeClr val="phClr"/>
+          </a:solidFill>
+          <a:prstDash val="solid"/>
+          <a:miter lim="800000"/>
+        </a:ln>
+      </a:lnStyleLst>
+      <a:effectStyleLst>
+        <a:effectStyle>
+          <a:effectLst/>
+        </a:effectStyle>
+        <a:effectStyle>
+          <a:effectLst/>
+        </a:effectStyle>
+        <a:effectStyle>
+          <a:effectLst>
+            <a:outerShdw blurRad="57150" dist="19050" dir="5400000" algn="ctr" rotWithShape="0">
+              <a:srgbClr val="000000">
+                <a:alpha val="63000"/>
+              </a:srgbClr>
+            </a:outerShdw>
+          </a:effectLst>
+        </a:effectStyle>
+      </a:effectStyleLst>
+      <a:bgFillStyleLst>
+        <a:solidFill>
+          <a:schemeClr val="phClr"/>
+        </a:solidFill>
+        <a:solidFill>
+          <a:schemeClr val="phClr">
+            <a:tint val="95000"/>
+            <a:satMod val="170000"/>
+          </a:schemeClr>
+        </a:solidFill>
+        <a:gradFill rotWithShape="1">
+          <a:gsLst>
+            <a:gs pos="0">
+              <a:schemeClr val="phClr">
+                <a:tint val="93000"/>
+                <a:satMod val="150000"/>
+                <a:shade val="98000"/>
+                <a:lumMod val="102000"/>
+              </a:schemeClr>
+            </a:gs>
+            <a:gs pos="50000">
+              <a:schemeClr val="phClr">
+                <a:tint val="98000"/>
+                <a:satMod val="130000"/>
+                <a:shade val="90000"/>
+                <a:lumMod val="103000"/>
+              </a:schemeClr>
+            </a:gs>
+            <a:gs pos="100000">
+              <a:schemeClr val="phClr">
+                <a:shade val="63000"/>
+                <a:satMod val="120000"/>
+              </a:schemeClr>
+            </a:gs>
+          </a:gsLst>
+          <a:lin ang="5400000" scaled="0"/>
+        </a:gradFill>
+      </a:bgFillStyleLst>
+    </a:fmtScheme>
+  </a:themeElements>
+  <a:objectDefaults>
+    <a:lnDef>
+      <a:spPr/>
+      <a:bodyPr/>
+      <a:lstStyle/>
+      <a:style>
+        <a:lnRef idx="2">
+          <a:schemeClr val="accent1"/>
+        </a:lnRef>
+        <a:fillRef idx="0">
+          <a:schemeClr val="accent1"/>
+        </a:fillRef>
+        <a:effectRef idx="1">
+          <a:schemeClr val="accent1"/>
+        </a:effectRef>
+        <a:fontRef idx="minor">
+          <a:schemeClr val="tx1"/>
+        </a:fontRef>
+      </a:style>
+    </a:lnDef>
+  </a:objectDefaults>
+  <a:extraClrSchemeLst/>
+  <a:extLst>
+    <a:ext uri="{05A4C25C-085E-4340-85A3-A5531E510DB2}">
+      <thm15:themeFamily xmlns:thm15="http://schemas.microsoft.com/office/thememl/2012/main" name="Office Theme" id="{2E142A2C-CD16-42D6-873A-C26D2A0506FA}" vid="{1BDDFF52-6CD6-40A5-AB3C-68EB2F1E4D0A}"/>
+    </a:ext>
+  </a:extLst>
+</a:theme>
 </file>
--- a/Presentation Sport Product Insurance.pptx
+++ b/Presentation Sport Product Insurance.pptx
@@ -5,7 +5,7 @@
     <p:sldMasterId id="2147483660" r:id="rId1"/>
   </p:sldMasterIdLst>
   <p:notesMasterIdLst>
-    <p:notesMasterId r:id="rId17"/>
+    <p:notesMasterId r:id="rId18"/>
   </p:notesMasterIdLst>
   <p:sldIdLst>
     <p:sldId id="256" r:id="rId2"/>
@@ -23,6 +23,7 @@
     <p:sldId id="270" r:id="rId14"/>
     <p:sldId id="266" r:id="rId15"/>
     <p:sldId id="271" r:id="rId16"/>
+    <p:sldId id="272" r:id="rId17"/>
   </p:sldIdLst>
   <p:sldSz cx="12192000" cy="6858000"/>
   <p:notesSz cx="6858000" cy="9144000"/>
@@ -370,7 +371,7 @@
           <a:p>
             <a:fld id="{E3B5C63D-6A1B-43CF-9299-618407E90AC1}" type="slidenum">
               <a:rPr lang="en-US" smtClean="0"/>
-              <a:t>‹Nº›</a:t>
+              <a:t>‹#›</a:t>
             </a:fld>
             <a:endParaRPr lang="en-US"/>
           </a:p>
@@ -1235,7 +1236,7 @@
           <a:p>
             <a:fld id="{DF9B7FD1-364D-44FC-BB0E-DC221458BC48}" type="slidenum">
               <a:rPr lang="es-ES" smtClean="0"/>
-              <a:t>‹Nº›</a:t>
+              <a:t>‹#›</a:t>
             </a:fld>
             <a:endParaRPr lang="es-ES"/>
           </a:p>
@@ -1433,7 +1434,7 @@
           <a:p>
             <a:fld id="{DF9B7FD1-364D-44FC-BB0E-DC221458BC48}" type="slidenum">
               <a:rPr lang="es-ES" smtClean="0"/>
-              <a:t>‹Nº›</a:t>
+              <a:t>‹#›</a:t>
             </a:fld>
             <a:endParaRPr lang="es-ES"/>
           </a:p>
@@ -1641,7 +1642,7 @@
           <a:p>
             <a:fld id="{DF9B7FD1-364D-44FC-BB0E-DC221458BC48}" type="slidenum">
               <a:rPr lang="es-ES" smtClean="0"/>
-              <a:t>‹Nº›</a:t>
+              <a:t>‹#›</a:t>
             </a:fld>
             <a:endParaRPr lang="es-ES"/>
           </a:p>
@@ -1839,7 +1840,7 @@
           <a:p>
             <a:fld id="{DF9B7FD1-364D-44FC-BB0E-DC221458BC48}" type="slidenum">
               <a:rPr lang="es-ES" smtClean="0"/>
-              <a:t>‹Nº›</a:t>
+              <a:t>‹#›</a:t>
             </a:fld>
             <a:endParaRPr lang="es-ES"/>
           </a:p>
@@ -2114,7 +2115,7 @@
           <a:p>
             <a:fld id="{DF9B7FD1-364D-44FC-BB0E-DC221458BC48}" type="slidenum">
               <a:rPr lang="es-ES" smtClean="0"/>
-              <a:t>‹Nº›</a:t>
+              <a:t>‹#›</a:t>
             </a:fld>
             <a:endParaRPr lang="es-ES"/>
           </a:p>
@@ -2379,7 +2380,7 @@
           <a:p>
             <a:fld id="{DF9B7FD1-364D-44FC-BB0E-DC221458BC48}" type="slidenum">
               <a:rPr lang="es-ES" smtClean="0"/>
-              <a:t>‹Nº›</a:t>
+              <a:t>‹#›</a:t>
             </a:fld>
             <a:endParaRPr lang="es-ES"/>
           </a:p>
@@ -2791,7 +2792,7 @@
           <a:p>
             <a:fld id="{DF9B7FD1-364D-44FC-BB0E-DC221458BC48}" type="slidenum">
               <a:rPr lang="es-ES" smtClean="0"/>
-              <a:t>‹Nº›</a:t>
+              <a:t>‹#›</a:t>
             </a:fld>
             <a:endParaRPr lang="es-ES"/>
           </a:p>
@@ -2932,7 +2933,7 @@
           <a:p>
             <a:fld id="{DF9B7FD1-364D-44FC-BB0E-DC221458BC48}" type="slidenum">
               <a:rPr lang="es-ES" smtClean="0"/>
-              <a:t>‹Nº›</a:t>
+              <a:t>‹#›</a:t>
             </a:fld>
             <a:endParaRPr lang="es-ES"/>
           </a:p>
@@ -3045,7 +3046,7 @@
           <a:p>
             <a:fld id="{DF9B7FD1-364D-44FC-BB0E-DC221458BC48}" type="slidenum">
               <a:rPr lang="es-ES" smtClean="0"/>
-              <a:t>‹Nº›</a:t>
+              <a:t>‹#›</a:t>
             </a:fld>
             <a:endParaRPr lang="es-ES"/>
           </a:p>
@@ -3356,7 +3357,7 @@
           <a:p>
             <a:fld id="{DF9B7FD1-364D-44FC-BB0E-DC221458BC48}" type="slidenum">
               <a:rPr lang="es-ES" smtClean="0"/>
-              <a:t>‹Nº›</a:t>
+              <a:t>‹#›</a:t>
             </a:fld>
             <a:endParaRPr lang="es-ES"/>
           </a:p>
@@ -3644,7 +3645,7 @@
           <a:p>
             <a:fld id="{DF9B7FD1-364D-44FC-BB0E-DC221458BC48}" type="slidenum">
               <a:rPr lang="es-ES" smtClean="0"/>
-              <a:t>‹Nº›</a:t>
+              <a:t>‹#›</a:t>
             </a:fld>
             <a:endParaRPr lang="es-ES"/>
           </a:p>
@@ -3921,7 +3922,7 @@
           <a:p>
             <a:fld id="{DF9B7FD1-364D-44FC-BB0E-DC221458BC48}" type="slidenum">
               <a:rPr lang="es-ES" smtClean="0"/>
-              <a:t>‹Nº›</a:t>
+              <a:t>‹#›</a:t>
             </a:fld>
             <a:endParaRPr lang="es-ES"/>
           </a:p>
@@ -4316,7 +4317,7 @@
           <a:p>
             <a:pPr algn="ctr"/>
             <a:r>
-              <a:rPr lang="es-ES" sz="2000" dirty="0">
+              <a:rPr lang="en-US" sz="2000" dirty="0">
                 <a:solidFill>
                   <a:schemeClr val="tx2">
                     <a:lumMod val="50000"/>
@@ -4332,7 +4333,7 @@
           <a:p>
             <a:pPr algn="ctr"/>
             <a:r>
-              <a:rPr lang="es-ES" sz="2000" dirty="0">
+              <a:rPr lang="en-US" sz="2000" dirty="0">
                 <a:solidFill>
                   <a:schemeClr val="tx2">
                     <a:lumMod val="50000"/>
@@ -4347,7 +4348,7 @@
           </a:p>
           <a:p>
             <a:pPr algn="r"/>
-            <a:endParaRPr lang="es-ES" sz="2000" dirty="0">
+            <a:endParaRPr lang="en-US" sz="2000" dirty="0">
               <a:solidFill>
                 <a:schemeClr val="tx2">
                   <a:lumMod val="50000"/>
@@ -4361,7 +4362,7 @@
           <a:p>
             <a:pPr algn="r"/>
             <a:r>
-              <a:rPr lang="es-ES" sz="1200" dirty="0">
+              <a:rPr lang="en-US" sz="1200" dirty="0">
                 <a:solidFill>
                   <a:schemeClr val="tx2">
                     <a:lumMod val="50000"/>
@@ -4405,7 +4406,7 @@
           <a:lstStyle/>
           <a:p>
             <a:r>
-              <a:rPr lang="es-ES" sz="3200" dirty="0">
+              <a:rPr lang="en-US" sz="3200" dirty="0">
                 <a:solidFill>
                   <a:schemeClr val="tx2">
                     <a:lumMod val="50000"/>
@@ -4431,45 +4432,6 @@
               <a:t>Insurance</a:t>
             </a:r>
             <a:r>
-              <a:rPr lang="es-ES" sz="3200" dirty="0">
-                <a:solidFill>
-                  <a:schemeClr val="tx2">
-                    <a:lumMod val="50000"/>
-                    <a:lumOff val="50000"/>
-                  </a:schemeClr>
-                </a:solidFill>
-                <a:latin typeface="Arial" panose="020B0604020202020204" pitchFamily="34" charset="0"/>
-                <a:cs typeface="Arial" panose="020B0604020202020204" pitchFamily="34" charset="0"/>
-              </a:rPr>
-              <a:t> </a:t>
-            </a:r>
-            <a:r>
-              <a:rPr lang="es-ES" sz="3200" dirty="0" err="1">
-                <a:solidFill>
-                  <a:schemeClr val="tx2">
-                    <a:lumMod val="50000"/>
-                    <a:lumOff val="50000"/>
-                  </a:schemeClr>
-                </a:solidFill>
-                <a:latin typeface="Arial" panose="020B0604020202020204" pitchFamily="34" charset="0"/>
-                <a:cs typeface="Arial" panose="020B0604020202020204" pitchFamily="34" charset="0"/>
-              </a:rPr>
-              <a:t>Product</a:t>
-            </a:r>
-            <a:r>
-              <a:rPr lang="es-ES" sz="3200" dirty="0">
-                <a:solidFill>
-                  <a:schemeClr val="tx2">
-                    <a:lumMod val="50000"/>
-                    <a:lumOff val="50000"/>
-                  </a:schemeClr>
-                </a:solidFill>
-                <a:latin typeface="Arial" panose="020B0604020202020204" pitchFamily="34" charset="0"/>
-                <a:cs typeface="Arial" panose="020B0604020202020204" pitchFamily="34" charset="0"/>
-              </a:rPr>
-              <a:t> – </a:t>
-            </a:r>
-            <a:r>
               <a:rPr lang="en-US" sz="3200" dirty="0">
                 <a:solidFill>
                   <a:schemeClr val="tx2">
@@ -4480,24 +4442,11 @@
                 <a:latin typeface="Arial" panose="020B0604020202020204" pitchFamily="34" charset="0"/>
                 <a:cs typeface="Arial" panose="020B0604020202020204" pitchFamily="34" charset="0"/>
               </a:rPr>
-              <a:t>Technical</a:t>
-            </a:r>
-            <a:r>
-              <a:rPr lang="es-ES" sz="3200" dirty="0">
-                <a:solidFill>
-                  <a:schemeClr val="tx2">
-                    <a:lumMod val="50000"/>
-                    <a:lumOff val="50000"/>
-                  </a:schemeClr>
-                </a:solidFill>
-                <a:latin typeface="Arial" panose="020B0604020202020204" pitchFamily="34" charset="0"/>
-                <a:cs typeface="Arial" panose="020B0604020202020204" pitchFamily="34" charset="0"/>
-              </a:rPr>
-              <a:t> Solution</a:t>
-            </a:r>
-          </a:p>
-          <a:p>
-            <a:endParaRPr lang="es-ES" sz="2000" dirty="0">
+              <a:t> Product – Technical Solution</a:t>
+            </a:r>
+          </a:p>
+          <a:p>
+            <a:endParaRPr lang="en-US" sz="2000" dirty="0">
               <a:solidFill>
                 <a:schemeClr val="tx2">
                   <a:lumMod val="50000"/>
@@ -4509,7 +4458,7 @@
             </a:endParaRPr>
           </a:p>
           <a:p>
-            <a:endParaRPr lang="es-ES" sz="2000" dirty="0">
+            <a:endParaRPr lang="en-US" sz="2000" dirty="0">
               <a:solidFill>
                 <a:schemeClr val="tx2">
                   <a:lumMod val="50000"/>
@@ -4521,7 +4470,7 @@
             </a:endParaRPr>
           </a:p>
           <a:p>
-            <a:endParaRPr lang="es-ES" sz="2000" dirty="0">
+            <a:endParaRPr lang="en-US" sz="2000" dirty="0">
               <a:solidFill>
                 <a:schemeClr val="tx2">
                   <a:lumMod val="50000"/>
@@ -4544,96 +4493,8 @@
                 <a:latin typeface="Arial" panose="020B0604020202020204" pitchFamily="34" charset="0"/>
                 <a:cs typeface="Arial" panose="020B0604020202020204" pitchFamily="34" charset="0"/>
               </a:rPr>
-              <a:t>Presentation</a:t>
-            </a:r>
-            <a:r>
-              <a:rPr lang="es-ES" sz="2000" dirty="0">
-                <a:solidFill>
-                  <a:schemeClr val="tx2">
-                    <a:lumMod val="50000"/>
-                    <a:lumOff val="50000"/>
-                  </a:schemeClr>
-                </a:solidFill>
-                <a:latin typeface="Arial" panose="020B0604020202020204" pitchFamily="34" charset="0"/>
-                <a:cs typeface="Arial" panose="020B0604020202020204" pitchFamily="34" charset="0"/>
-              </a:rPr>
-              <a:t> </a:t>
-            </a:r>
-            <a:r>
-              <a:rPr lang="es-ES" sz="2000" dirty="0" err="1">
-                <a:solidFill>
-                  <a:schemeClr val="tx2">
-                    <a:lumMod val="50000"/>
-                    <a:lumOff val="50000"/>
-                  </a:schemeClr>
-                </a:solidFill>
-                <a:latin typeface="Arial" panose="020B0604020202020204" pitchFamily="34" charset="0"/>
-                <a:cs typeface="Arial" panose="020B0604020202020204" pitchFamily="34" charset="0"/>
-              </a:rPr>
-              <a:t>for</a:t>
-            </a:r>
-            <a:r>
-              <a:rPr lang="es-ES" sz="2000" dirty="0">
-                <a:solidFill>
-                  <a:schemeClr val="tx2">
-                    <a:lumMod val="50000"/>
-                    <a:lumOff val="50000"/>
-                  </a:schemeClr>
-                </a:solidFill>
-                <a:latin typeface="Arial" panose="020B0604020202020204" pitchFamily="34" charset="0"/>
-                <a:cs typeface="Arial" panose="020B0604020202020204" pitchFamily="34" charset="0"/>
-              </a:rPr>
-              <a:t> </a:t>
-            </a:r>
-            <a:r>
-              <a:rPr lang="es-ES" sz="2000" dirty="0" err="1">
-                <a:solidFill>
-                  <a:schemeClr val="tx2">
-                    <a:lumMod val="50000"/>
-                    <a:lumOff val="50000"/>
-                  </a:schemeClr>
-                </a:solidFill>
-                <a:latin typeface="Arial" panose="020B0604020202020204" pitchFamily="34" charset="0"/>
-                <a:cs typeface="Arial" panose="020B0604020202020204" pitchFamily="34" charset="0"/>
-              </a:rPr>
-              <a:t>the</a:t>
-            </a:r>
-            <a:r>
-              <a:rPr lang="es-ES" sz="2000" dirty="0">
-                <a:solidFill>
-                  <a:schemeClr val="tx2">
-                    <a:lumMod val="50000"/>
-                    <a:lumOff val="50000"/>
-                  </a:schemeClr>
-                </a:solidFill>
-                <a:latin typeface="Arial" panose="020B0604020202020204" pitchFamily="34" charset="0"/>
-                <a:cs typeface="Arial" panose="020B0604020202020204" pitchFamily="34" charset="0"/>
-              </a:rPr>
-              <a:t> Business </a:t>
-            </a:r>
-            <a:r>
-              <a:rPr lang="es-ES" sz="2000" dirty="0" err="1">
-                <a:solidFill>
-                  <a:schemeClr val="tx2">
-                    <a:lumMod val="50000"/>
-                    <a:lumOff val="50000"/>
-                  </a:schemeClr>
-                </a:solidFill>
-                <a:latin typeface="Arial" panose="020B0604020202020204" pitchFamily="34" charset="0"/>
-                <a:cs typeface="Arial" panose="020B0604020202020204" pitchFamily="34" charset="0"/>
-              </a:rPr>
-              <a:t>Stakeholders</a:t>
-            </a:r>
-            <a:endParaRPr lang="es-ES" sz="2000" dirty="0">
-              <a:solidFill>
-                <a:schemeClr val="tx2">
-                  <a:lumMod val="50000"/>
-                  <a:lumOff val="50000"/>
-                </a:schemeClr>
-              </a:solidFill>
-              <a:latin typeface="Arial" panose="020B0604020202020204" pitchFamily="34" charset="0"/>
-              <a:cs typeface="Arial" panose="020B0604020202020204" pitchFamily="34" charset="0"/>
-            </a:endParaRPr>
+              <a:t>Presentation for the Business Stakeholders</a:t>
+            </a:r>
           </a:p>
         </p:txBody>
       </p:sp>
@@ -5850,6 +5711,221 @@
       </p:transition>
     </mc:Fallback>
   </mc:AlternateContent>
+</p:sld>
+</file>
+
+<file path=ppt/slides/slide16.xml><?xml version="1.0" encoding="utf-8"?>
+<p:sld xmlns:a="http://schemas.openxmlformats.org/drawingml/2006/main" xmlns:r="http://schemas.openxmlformats.org/officeDocument/2006/relationships" xmlns:p="http://schemas.openxmlformats.org/presentationml/2006/main">
+  <p:cSld>
+    <p:bg>
+      <p:bgPr>
+        <a:solidFill>
+          <a:schemeClr val="tx2">
+            <a:lumMod val="50000"/>
+            <a:lumOff val="50000"/>
+          </a:schemeClr>
+        </a:solidFill>
+        <a:effectLst/>
+      </p:bgPr>
+    </p:bg>
+    <p:spTree>
+      <p:nvGrpSpPr>
+        <p:cNvPr id="1" name=""/>
+        <p:cNvGrpSpPr/>
+        <p:nvPr/>
+      </p:nvGrpSpPr>
+      <p:grpSpPr>
+        <a:xfrm>
+          <a:off x="0" y="0"/>
+          <a:ext cx="0" cy="0"/>
+          <a:chOff x="0" y="0"/>
+          <a:chExt cx="0" cy="0"/>
+        </a:xfrm>
+      </p:grpSpPr>
+      <p:pic>
+        <p:nvPicPr>
+          <p:cNvPr id="3" name="Imagen 2">
+            <a:extLst>
+              <a:ext uri="{FF2B5EF4-FFF2-40B4-BE49-F238E27FC236}">
+                <a16:creationId xmlns:a16="http://schemas.microsoft.com/office/drawing/2014/main" id="{1AC56F17-2881-97AC-E020-B0EE530CBF55}"/>
+              </a:ext>
+            </a:extLst>
+          </p:cNvPr>
+          <p:cNvPicPr>
+            <a:picLocks noChangeAspect="1"/>
+          </p:cNvPicPr>
+          <p:nvPr/>
+        </p:nvPicPr>
+        <p:blipFill>
+          <a:blip r:embed="rId2"/>
+          <a:stretch>
+            <a:fillRect/>
+          </a:stretch>
+        </p:blipFill>
+        <p:spPr>
+          <a:xfrm>
+            <a:off x="904150" y="471383"/>
+            <a:ext cx="10383699" cy="1495634"/>
+          </a:xfrm>
+          <a:prstGeom prst="rect">
+            <a:avLst/>
+          </a:prstGeom>
+        </p:spPr>
+      </p:pic>
+      <p:sp>
+        <p:nvSpPr>
+          <p:cNvPr id="4" name="CuadroTexto 3">
+            <a:extLst>
+              <a:ext uri="{FF2B5EF4-FFF2-40B4-BE49-F238E27FC236}">
+                <a16:creationId xmlns:a16="http://schemas.microsoft.com/office/drawing/2014/main" id="{67F2B989-BA9F-48EF-E070-63E87F107896}"/>
+              </a:ext>
+            </a:extLst>
+          </p:cNvPr>
+          <p:cNvSpPr txBox="1"/>
+          <p:nvPr/>
+        </p:nvSpPr>
+        <p:spPr>
+          <a:xfrm>
+            <a:off x="8942911" y="5373757"/>
+            <a:ext cx="2699658" cy="1200329"/>
+          </a:xfrm>
+          <a:prstGeom prst="rect">
+            <a:avLst/>
+          </a:prstGeom>
+          <a:noFill/>
+        </p:spPr>
+        <p:txBody>
+          <a:bodyPr wrap="square" rtlCol="0">
+            <a:spAutoFit/>
+          </a:bodyPr>
+          <a:lstStyle/>
+          <a:p>
+            <a:pPr algn="ctr"/>
+            <a:r>
+              <a:rPr lang="es-ES" sz="2000" dirty="0">
+                <a:solidFill>
+                  <a:schemeClr val="bg1"/>
+                </a:solidFill>
+                <a:latin typeface="Arial" panose="020B0604020202020204" pitchFamily="34" charset="0"/>
+                <a:cs typeface="Arial" panose="020B0604020202020204" pitchFamily="34" charset="0"/>
+              </a:rPr>
+              <a:t>Álvaro Puertas Puñal</a:t>
+            </a:r>
+          </a:p>
+          <a:p>
+            <a:pPr algn="ctr"/>
+            <a:r>
+              <a:rPr lang="es-ES" sz="2000" dirty="0">
+                <a:solidFill>
+                  <a:schemeClr val="bg1"/>
+                </a:solidFill>
+                <a:latin typeface="Arial" panose="020B0604020202020204" pitchFamily="34" charset="0"/>
+                <a:cs typeface="Arial" panose="020B0604020202020204" pitchFamily="34" charset="0"/>
+              </a:rPr>
+              <a:t>Solution Architect</a:t>
+            </a:r>
+          </a:p>
+          <a:p>
+            <a:pPr algn="r"/>
+            <a:endParaRPr lang="es-ES" sz="2000" dirty="0">
+              <a:solidFill>
+                <a:schemeClr val="bg1"/>
+              </a:solidFill>
+              <a:latin typeface="Arial" panose="020B0604020202020204" pitchFamily="34" charset="0"/>
+              <a:cs typeface="Arial" panose="020B0604020202020204" pitchFamily="34" charset="0"/>
+            </a:endParaRPr>
+          </a:p>
+          <a:p>
+            <a:pPr algn="r"/>
+            <a:r>
+              <a:rPr lang="es-ES" sz="1200" dirty="0">
+                <a:solidFill>
+                  <a:schemeClr val="bg1"/>
+                </a:solidFill>
+                <a:latin typeface="Arial" panose="020B0604020202020204" pitchFamily="34" charset="0"/>
+                <a:cs typeface="Arial" panose="020B0604020202020204" pitchFamily="34" charset="0"/>
+              </a:rPr>
+              <a:t>20 August 2024</a:t>
+            </a:r>
+          </a:p>
+        </p:txBody>
+      </p:sp>
+      <p:sp>
+        <p:nvSpPr>
+          <p:cNvPr id="6" name="CuadroTexto 5">
+            <a:extLst>
+              <a:ext uri="{FF2B5EF4-FFF2-40B4-BE49-F238E27FC236}">
+                <a16:creationId xmlns:a16="http://schemas.microsoft.com/office/drawing/2014/main" id="{82D30988-3B56-7307-070C-C8B93F8E3814}"/>
+              </a:ext>
+            </a:extLst>
+          </p:cNvPr>
+          <p:cNvSpPr txBox="1"/>
+          <p:nvPr/>
+        </p:nvSpPr>
+        <p:spPr>
+          <a:xfrm>
+            <a:off x="4424984" y="3155006"/>
+            <a:ext cx="3342029" cy="1200329"/>
+          </a:xfrm>
+          <a:prstGeom prst="rect">
+            <a:avLst/>
+          </a:prstGeom>
+          <a:noFill/>
+        </p:spPr>
+        <p:txBody>
+          <a:bodyPr wrap="square" rtlCol="0">
+            <a:spAutoFit/>
+          </a:bodyPr>
+          <a:lstStyle/>
+          <a:p>
+            <a:r>
+              <a:rPr lang="es-ES" sz="3200" dirty="0">
+                <a:solidFill>
+                  <a:schemeClr val="bg1"/>
+                </a:solidFill>
+                <a:latin typeface="Arial" panose="020B0604020202020204" pitchFamily="34" charset="0"/>
+                <a:cs typeface="Arial" panose="020B0604020202020204" pitchFamily="34" charset="0"/>
+              </a:rPr>
+              <a:t>Any Questions ?</a:t>
+            </a:r>
+            <a:endParaRPr lang="es-ES" sz="2000" dirty="0">
+              <a:solidFill>
+                <a:schemeClr val="bg1"/>
+              </a:solidFill>
+              <a:latin typeface="Arial" panose="020B0604020202020204" pitchFamily="34" charset="0"/>
+              <a:cs typeface="Arial" panose="020B0604020202020204" pitchFamily="34" charset="0"/>
+            </a:endParaRPr>
+          </a:p>
+          <a:p>
+            <a:endParaRPr lang="es-ES" sz="2000" dirty="0">
+              <a:solidFill>
+                <a:schemeClr val="bg1"/>
+              </a:solidFill>
+              <a:latin typeface="Arial" panose="020B0604020202020204" pitchFamily="34" charset="0"/>
+              <a:cs typeface="Arial" panose="020B0604020202020204" pitchFamily="34" charset="0"/>
+            </a:endParaRPr>
+          </a:p>
+          <a:p>
+            <a:endParaRPr lang="es-ES" sz="2000" dirty="0">
+              <a:solidFill>
+                <a:schemeClr val="bg1"/>
+              </a:solidFill>
+              <a:latin typeface="Arial" panose="020B0604020202020204" pitchFamily="34" charset="0"/>
+              <a:cs typeface="Arial" panose="020B0604020202020204" pitchFamily="34" charset="0"/>
+            </a:endParaRPr>
+          </a:p>
+        </p:txBody>
+      </p:sp>
+    </p:spTree>
+    <p:extLst>
+      <p:ext uri="{BB962C8B-B14F-4D97-AF65-F5344CB8AC3E}">
+        <p14:creationId xmlns:p14="http://schemas.microsoft.com/office/powerpoint/2010/main" val="113624041"/>
+      </p:ext>
+    </p:extLst>
+  </p:cSld>
+  <p:clrMapOvr>
+    <a:masterClrMapping/>
+  </p:clrMapOvr>
 </p:sld>
 </file>
 

--- a/Presentation Sport Product Insurance.pptx
+++ b/Presentation Sport Product Insurance.pptx
@@ -6228,8 +6228,8 @@
         </p:nvSpPr>
         <p:spPr>
           <a:xfrm>
-            <a:off x="8376918" y="1993825"/>
-            <a:ext cx="2979510" cy="738664"/>
+            <a:off x="8508998" y="1584206"/>
+            <a:ext cx="2979510" cy="553998"/>
           </a:xfrm>
           <a:prstGeom prst="rect">
             <a:avLst/>
@@ -6243,23 +6243,36 @@
           <a:lstStyle/>
           <a:p>
             <a:pPr algn="just"/>
-            <a:r>
-              <a:rPr lang="en-US" sz="1000" dirty="0">
+            <a:endParaRPr lang="en-US" sz="1000" dirty="0">
+              <a:solidFill>
+                <a:schemeClr val="tx2">
+                  <a:lumMod val="50000"/>
+                  <a:lumOff val="50000"/>
+                </a:schemeClr>
+              </a:solidFill>
+              <a:latin typeface="Arial" panose="020B0604020202020204" pitchFamily="34" charset="0"/>
+              <a:cs typeface="Arial" panose="020B0604020202020204" pitchFamily="34" charset="0"/>
+            </a:endParaRPr>
+          </a:p>
+          <a:p>
+            <a:pPr algn="just"/>
+            <a:r>
+              <a:rPr lang="en-US" sz="1000" b="0" i="0" dirty="0">
                 <a:solidFill>
                   <a:schemeClr val="tx2">
                     <a:lumMod val="50000"/>
                     <a:lumOff val="50000"/>
                   </a:schemeClr>
                 </a:solidFill>
-                <a:latin typeface="Arial" panose="020B0604020202020204" pitchFamily="34" charset="0"/>
-                <a:cs typeface="Arial" panose="020B0604020202020204" pitchFamily="34" charset="0"/>
+                <a:effectLst/>
+                <a:highlight>
+                  <a:srgbClr val="FFFFFF"/>
+                </a:highlight>
+                <a:latin typeface="Roboto" panose="020F0502020204030204" pitchFamily="2" charset="0"/>
               </a:rPr>
-              <a:t>The evolution of the business in millions of euro</a:t>
-            </a:r>
-          </a:p>
-          <a:p>
-            <a:pPr algn="just"/>
-            <a:endParaRPr lang="en-US" sz="3200" dirty="0">
+              <a:t>the increase in spending year on year in the USA market</a:t>
+            </a:r>
+            <a:endParaRPr lang="en-US" sz="1000" dirty="0">
               <a:solidFill>
                 <a:schemeClr val="tx2">
                   <a:lumMod val="50000"/>
